--- a/midway_progress/midway_pres.pptx
+++ b/midway_progress/midway_pres.pptx
@@ -2,11 +2,16 @@
 <file path=ppt/presentation.xml><?xml version="1.0" encoding="utf-8"?>
 <p:presentation xmlns:a="http://schemas.openxmlformats.org/drawingml/2006/main" xmlns:r="http://schemas.openxmlformats.org/officeDocument/2006/relationships" xmlns:p="http://schemas.openxmlformats.org/presentationml/2006/main" saveSubsetFonts="1" autoCompressPictures="0">
   <p:sldMasterIdLst>
-    <p:sldMasterId id="2147483648" r:id="rId1"/>
+    <p:sldMasterId id="2147483672" r:id="rId1"/>
   </p:sldMasterIdLst>
   <p:sldIdLst>
     <p:sldId id="256" r:id="rId2"/>
     <p:sldId id="257" r:id="rId3"/>
+    <p:sldId id="258" r:id="rId4"/>
+    <p:sldId id="259" r:id="rId5"/>
+    <p:sldId id="260" r:id="rId6"/>
+    <p:sldId id="261" r:id="rId7"/>
+    <p:sldId id="262" r:id="rId8"/>
   </p:sldIdLst>
   <p:sldSz cx="12192000" cy="6858000"/>
   <p:notesSz cx="6858000" cy="9144000"/>
@@ -14,7 +19,7 @@
     <a:defPPr>
       <a:defRPr lang="en-US"/>
     </a:defPPr>
-    <a:lvl1pPr marL="0" algn="l" defTabSz="914400" rtl="0" eaLnBrk="1" latinLnBrk="0" hangingPunct="1">
+    <a:lvl1pPr marL="0" algn="l" defTabSz="457200" rtl="0" eaLnBrk="1" latinLnBrk="0" hangingPunct="1">
       <a:defRPr sz="1800" kern="1200">
         <a:solidFill>
           <a:schemeClr val="tx1"/>
@@ -24,7 +29,7 @@
         <a:cs typeface="+mn-cs"/>
       </a:defRPr>
     </a:lvl1pPr>
-    <a:lvl2pPr marL="457200" algn="l" defTabSz="914400" rtl="0" eaLnBrk="1" latinLnBrk="0" hangingPunct="1">
+    <a:lvl2pPr marL="457200" algn="l" defTabSz="457200" rtl="0" eaLnBrk="1" latinLnBrk="0" hangingPunct="1">
       <a:defRPr sz="1800" kern="1200">
         <a:solidFill>
           <a:schemeClr val="tx1"/>
@@ -34,7 +39,7 @@
         <a:cs typeface="+mn-cs"/>
       </a:defRPr>
     </a:lvl2pPr>
-    <a:lvl3pPr marL="914400" algn="l" defTabSz="914400" rtl="0" eaLnBrk="1" latinLnBrk="0" hangingPunct="1">
+    <a:lvl3pPr marL="914400" algn="l" defTabSz="457200" rtl="0" eaLnBrk="1" latinLnBrk="0" hangingPunct="1">
       <a:defRPr sz="1800" kern="1200">
         <a:solidFill>
           <a:schemeClr val="tx1"/>
@@ -44,7 +49,7 @@
         <a:cs typeface="+mn-cs"/>
       </a:defRPr>
     </a:lvl3pPr>
-    <a:lvl4pPr marL="1371600" algn="l" defTabSz="914400" rtl="0" eaLnBrk="1" latinLnBrk="0" hangingPunct="1">
+    <a:lvl4pPr marL="1371600" algn="l" defTabSz="457200" rtl="0" eaLnBrk="1" latinLnBrk="0" hangingPunct="1">
       <a:defRPr sz="1800" kern="1200">
         <a:solidFill>
           <a:schemeClr val="tx1"/>
@@ -54,7 +59,7 @@
         <a:cs typeface="+mn-cs"/>
       </a:defRPr>
     </a:lvl4pPr>
-    <a:lvl5pPr marL="1828800" algn="l" defTabSz="914400" rtl="0" eaLnBrk="1" latinLnBrk="0" hangingPunct="1">
+    <a:lvl5pPr marL="1828800" algn="l" defTabSz="457200" rtl="0" eaLnBrk="1" latinLnBrk="0" hangingPunct="1">
       <a:defRPr sz="1800" kern="1200">
         <a:solidFill>
           <a:schemeClr val="tx1"/>
@@ -64,7 +69,7 @@
         <a:cs typeface="+mn-cs"/>
       </a:defRPr>
     </a:lvl5pPr>
-    <a:lvl6pPr marL="2286000" algn="l" defTabSz="914400" rtl="0" eaLnBrk="1" latinLnBrk="0" hangingPunct="1">
+    <a:lvl6pPr marL="2286000" algn="l" defTabSz="457200" rtl="0" eaLnBrk="1" latinLnBrk="0" hangingPunct="1">
       <a:defRPr sz="1800" kern="1200">
         <a:solidFill>
           <a:schemeClr val="tx1"/>
@@ -74,7 +79,7 @@
         <a:cs typeface="+mn-cs"/>
       </a:defRPr>
     </a:lvl6pPr>
-    <a:lvl7pPr marL="2743200" algn="l" defTabSz="914400" rtl="0" eaLnBrk="1" latinLnBrk="0" hangingPunct="1">
+    <a:lvl7pPr marL="2743200" algn="l" defTabSz="457200" rtl="0" eaLnBrk="1" latinLnBrk="0" hangingPunct="1">
       <a:defRPr sz="1800" kern="1200">
         <a:solidFill>
           <a:schemeClr val="tx1"/>
@@ -84,7 +89,7 @@
         <a:cs typeface="+mn-cs"/>
       </a:defRPr>
     </a:lvl7pPr>
-    <a:lvl8pPr marL="3200400" algn="l" defTabSz="914400" rtl="0" eaLnBrk="1" latinLnBrk="0" hangingPunct="1">
+    <a:lvl8pPr marL="3200400" algn="l" defTabSz="457200" rtl="0" eaLnBrk="1" latinLnBrk="0" hangingPunct="1">
       <a:defRPr sz="1800" kern="1200">
         <a:solidFill>
           <a:schemeClr val="tx1"/>
@@ -94,7 +99,7 @@
         <a:cs typeface="+mn-cs"/>
       </a:defRPr>
     </a:lvl8pPr>
-    <a:lvl9pPr marL="3657600" algn="l" defTabSz="914400" rtl="0" eaLnBrk="1" latinLnBrk="0" hangingPunct="1">
+    <a:lvl9pPr marL="3657600" algn="l" defTabSz="457200" rtl="0" eaLnBrk="1" latinLnBrk="0" hangingPunct="1">
       <a:defRPr sz="1800" kern="1200">
         <a:solidFill>
           <a:schemeClr val="tx1"/>
@@ -105,6 +110,11 @@
       </a:defRPr>
     </a:lvl9pPr>
   </p:defaultTextStyle>
+  <p:extLst>
+    <p:ext uri="{EFAFB233-063F-42B5-8137-9DF3F51BA10A}">
+      <p15:sldGuideLst xmlns:p15="http://schemas.microsoft.com/office/powerpoint/2012/main"/>
+    </p:ext>
+  </p:extLst>
 </p:presentation>
 </file>
 
@@ -127,13 +137,7 @@
       </p:grpSpPr>
       <p:sp>
         <p:nvSpPr>
-          <p:cNvPr id="2" name="Title 1">
-            <a:extLst>
-              <a:ext uri="{FF2B5EF4-FFF2-40B4-BE49-F238E27FC236}">
-                <a16:creationId xmlns:a16="http://schemas.microsoft.com/office/drawing/2014/main" id="{C4CC9D02-6BA7-3E4E-B9C7-429A5CB3A7AA}"/>
-              </a:ext>
-            </a:extLst>
-          </p:cNvPr>
+          <p:cNvPr id="2" name="Title 1"/>
           <p:cNvSpPr>
             <a:spLocks noGrp="1"/>
           </p:cNvSpPr>
@@ -159,18 +163,13 @@
               <a:rPr lang="en-US"/>
               <a:t>Click to edit Master title style</a:t>
             </a:r>
-          </a:p>
-        </p:txBody>
-      </p:sp>
-      <p:sp>
-        <p:nvSpPr>
-          <p:cNvPr id="3" name="Subtitle 2">
-            <a:extLst>
-              <a:ext uri="{FF2B5EF4-FFF2-40B4-BE49-F238E27FC236}">
-                <a16:creationId xmlns:a16="http://schemas.microsoft.com/office/drawing/2014/main" id="{3CEF1140-65DA-BE43-9A5A-3DFE9F2058DA}"/>
-              </a:ext>
-            </a:extLst>
-          </p:cNvPr>
+            <a:endParaRPr lang="en-US" dirty="0"/>
+          </a:p>
+        </p:txBody>
+      </p:sp>
+      <p:sp>
+        <p:nvSpPr>
+          <p:cNvPr id="3" name="Subtitle 2"/>
           <p:cNvSpPr>
             <a:spLocks noGrp="1"/>
           </p:cNvSpPr>
@@ -229,18 +228,13 @@
               <a:rPr lang="en-US"/>
               <a:t>Click to edit Master subtitle style</a:t>
             </a:r>
-          </a:p>
-        </p:txBody>
-      </p:sp>
-      <p:sp>
-        <p:nvSpPr>
-          <p:cNvPr id="4" name="Date Placeholder 3">
-            <a:extLst>
-              <a:ext uri="{FF2B5EF4-FFF2-40B4-BE49-F238E27FC236}">
-                <a16:creationId xmlns:a16="http://schemas.microsoft.com/office/drawing/2014/main" id="{35FF25E3-EF44-A74C-9A11-6094EBE2F55D}"/>
-              </a:ext>
-            </a:extLst>
-          </p:cNvPr>
+            <a:endParaRPr lang="en-US" dirty="0"/>
+          </a:p>
+        </p:txBody>
+      </p:sp>
+      <p:sp>
+        <p:nvSpPr>
+          <p:cNvPr id="4" name="Date Placeholder 3"/>
           <p:cNvSpPr>
             <a:spLocks noGrp="1"/>
           </p:cNvSpPr>
@@ -263,13 +257,7 @@
       </p:sp>
       <p:sp>
         <p:nvSpPr>
-          <p:cNvPr id="5" name="Footer Placeholder 4">
-            <a:extLst>
-              <a:ext uri="{FF2B5EF4-FFF2-40B4-BE49-F238E27FC236}">
-                <a16:creationId xmlns:a16="http://schemas.microsoft.com/office/drawing/2014/main" id="{38D2D0D5-8B41-9241-AAA5-74ED7E1DC364}"/>
-              </a:ext>
-            </a:extLst>
-          </p:cNvPr>
+          <p:cNvPr id="5" name="Footer Placeholder 4"/>
           <p:cNvSpPr>
             <a:spLocks noGrp="1"/>
           </p:cNvSpPr>
@@ -288,13 +276,7 @@
       </p:sp>
       <p:sp>
         <p:nvSpPr>
-          <p:cNvPr id="6" name="Slide Number Placeholder 5">
-            <a:extLst>
-              <a:ext uri="{FF2B5EF4-FFF2-40B4-BE49-F238E27FC236}">
-                <a16:creationId xmlns:a16="http://schemas.microsoft.com/office/drawing/2014/main" id="{A6C52654-454B-7947-B078-25F2518315C1}"/>
-              </a:ext>
-            </a:extLst>
-          </p:cNvPr>
+          <p:cNvPr id="6" name="Slide Number Placeholder 5"/>
           <p:cNvSpPr>
             <a:spLocks noGrp="1"/>
           </p:cNvSpPr>
@@ -318,7 +300,7 @@
     </p:spTree>
     <p:extLst>
       <p:ext uri="{BB962C8B-B14F-4D97-AF65-F5344CB8AC3E}">
-        <p14:creationId xmlns:p14="http://schemas.microsoft.com/office/powerpoint/2010/main" val="1152104459"/>
+        <p14:creationId xmlns:p14="http://schemas.microsoft.com/office/powerpoint/2010/main" val="2309704808"/>
       </p:ext>
     </p:extLst>
   </p:cSld>
@@ -347,13 +329,7 @@
       </p:grpSpPr>
       <p:sp>
         <p:nvSpPr>
-          <p:cNvPr id="2" name="Title 1">
-            <a:extLst>
-              <a:ext uri="{FF2B5EF4-FFF2-40B4-BE49-F238E27FC236}">
-                <a16:creationId xmlns:a16="http://schemas.microsoft.com/office/drawing/2014/main" id="{918E58CD-8F4B-0D4F-9E66-55CBB34E2489}"/>
-              </a:ext>
-            </a:extLst>
-          </p:cNvPr>
+          <p:cNvPr id="2" name="Title 1"/>
           <p:cNvSpPr>
             <a:spLocks noGrp="1"/>
           </p:cNvSpPr>
@@ -370,18 +346,13 @@
               <a:rPr lang="en-US"/>
               <a:t>Click to edit Master title style</a:t>
             </a:r>
-          </a:p>
-        </p:txBody>
-      </p:sp>
-      <p:sp>
-        <p:nvSpPr>
-          <p:cNvPr id="3" name="Vertical Text Placeholder 2">
-            <a:extLst>
-              <a:ext uri="{FF2B5EF4-FFF2-40B4-BE49-F238E27FC236}">
-                <a16:creationId xmlns:a16="http://schemas.microsoft.com/office/drawing/2014/main" id="{04C0D955-1628-744B-9B40-73CCEFE4B88E}"/>
-              </a:ext>
-            </a:extLst>
-          </p:cNvPr>
+            <a:endParaRPr lang="en-US" dirty="0"/>
+          </a:p>
+        </p:txBody>
+      </p:sp>
+      <p:sp>
+        <p:nvSpPr>
+          <p:cNvPr id="3" name="Vertical Text Placeholder 2"/>
           <p:cNvSpPr>
             <a:spLocks noGrp="1"/>
           </p:cNvSpPr>
@@ -427,18 +398,13 @@
               <a:rPr lang="en-US"/>
               <a:t>Fifth level</a:t>
             </a:r>
-          </a:p>
-        </p:txBody>
-      </p:sp>
-      <p:sp>
-        <p:nvSpPr>
-          <p:cNvPr id="4" name="Date Placeholder 3">
-            <a:extLst>
-              <a:ext uri="{FF2B5EF4-FFF2-40B4-BE49-F238E27FC236}">
-                <a16:creationId xmlns:a16="http://schemas.microsoft.com/office/drawing/2014/main" id="{1D0D114B-E61A-164F-A962-C94042BDF74C}"/>
-              </a:ext>
-            </a:extLst>
-          </p:cNvPr>
+            <a:endParaRPr lang="en-US" dirty="0"/>
+          </a:p>
+        </p:txBody>
+      </p:sp>
+      <p:sp>
+        <p:nvSpPr>
+          <p:cNvPr id="4" name="Date Placeholder 3"/>
           <p:cNvSpPr>
             <a:spLocks noGrp="1"/>
           </p:cNvSpPr>
@@ -461,13 +427,7 @@
       </p:sp>
       <p:sp>
         <p:nvSpPr>
-          <p:cNvPr id="5" name="Footer Placeholder 4">
-            <a:extLst>
-              <a:ext uri="{FF2B5EF4-FFF2-40B4-BE49-F238E27FC236}">
-                <a16:creationId xmlns:a16="http://schemas.microsoft.com/office/drawing/2014/main" id="{57249B09-C8B3-6046-93EA-65FDA581CD7D}"/>
-              </a:ext>
-            </a:extLst>
-          </p:cNvPr>
+          <p:cNvPr id="5" name="Footer Placeholder 4"/>
           <p:cNvSpPr>
             <a:spLocks noGrp="1"/>
           </p:cNvSpPr>
@@ -486,13 +446,7 @@
       </p:sp>
       <p:sp>
         <p:nvSpPr>
-          <p:cNvPr id="6" name="Slide Number Placeholder 5">
-            <a:extLst>
-              <a:ext uri="{FF2B5EF4-FFF2-40B4-BE49-F238E27FC236}">
-                <a16:creationId xmlns:a16="http://schemas.microsoft.com/office/drawing/2014/main" id="{7316892B-B077-424C-9092-A802187B86E8}"/>
-              </a:ext>
-            </a:extLst>
-          </p:cNvPr>
+          <p:cNvPr id="6" name="Slide Number Placeholder 5"/>
           <p:cNvSpPr>
             <a:spLocks noGrp="1"/>
           </p:cNvSpPr>
@@ -516,7 +470,7 @@
     </p:spTree>
     <p:extLst>
       <p:ext uri="{BB962C8B-B14F-4D97-AF65-F5344CB8AC3E}">
-        <p14:creationId xmlns:p14="http://schemas.microsoft.com/office/powerpoint/2010/main" val="1946713102"/>
+        <p14:creationId xmlns:p14="http://schemas.microsoft.com/office/powerpoint/2010/main" val="3998303768"/>
       </p:ext>
     </p:extLst>
   </p:cSld>
@@ -545,13 +499,7 @@
       </p:grpSpPr>
       <p:sp>
         <p:nvSpPr>
-          <p:cNvPr id="2" name="Vertical Title 1">
-            <a:extLst>
-              <a:ext uri="{FF2B5EF4-FFF2-40B4-BE49-F238E27FC236}">
-                <a16:creationId xmlns:a16="http://schemas.microsoft.com/office/drawing/2014/main" id="{225D6F9A-C898-3F4F-8C47-6B4E7440570A}"/>
-              </a:ext>
-            </a:extLst>
-          </p:cNvPr>
+          <p:cNvPr id="2" name="Vertical Title 1"/>
           <p:cNvSpPr>
             <a:spLocks noGrp="1"/>
           </p:cNvSpPr>
@@ -573,18 +521,13 @@
               <a:rPr lang="en-US"/>
               <a:t>Click to edit Master title style</a:t>
             </a:r>
-          </a:p>
-        </p:txBody>
-      </p:sp>
-      <p:sp>
-        <p:nvSpPr>
-          <p:cNvPr id="3" name="Vertical Text Placeholder 2">
-            <a:extLst>
-              <a:ext uri="{FF2B5EF4-FFF2-40B4-BE49-F238E27FC236}">
-                <a16:creationId xmlns:a16="http://schemas.microsoft.com/office/drawing/2014/main" id="{D1438073-2833-D14A-91DD-79A748ED16DF}"/>
-              </a:ext>
-            </a:extLst>
-          </p:cNvPr>
+            <a:endParaRPr lang="en-US" dirty="0"/>
+          </a:p>
+        </p:txBody>
+      </p:sp>
+      <p:sp>
+        <p:nvSpPr>
+          <p:cNvPr id="3" name="Vertical Text Placeholder 2"/>
           <p:cNvSpPr>
             <a:spLocks noGrp="1"/>
           </p:cNvSpPr>
@@ -635,18 +578,13 @@
               <a:rPr lang="en-US"/>
               <a:t>Fifth level</a:t>
             </a:r>
-          </a:p>
-        </p:txBody>
-      </p:sp>
-      <p:sp>
-        <p:nvSpPr>
-          <p:cNvPr id="4" name="Date Placeholder 3">
-            <a:extLst>
-              <a:ext uri="{FF2B5EF4-FFF2-40B4-BE49-F238E27FC236}">
-                <a16:creationId xmlns:a16="http://schemas.microsoft.com/office/drawing/2014/main" id="{A1CD7FA6-9AF7-C741-8479-93EA44CD2EF4}"/>
-              </a:ext>
-            </a:extLst>
-          </p:cNvPr>
+            <a:endParaRPr lang="en-US" dirty="0"/>
+          </a:p>
+        </p:txBody>
+      </p:sp>
+      <p:sp>
+        <p:nvSpPr>
+          <p:cNvPr id="4" name="Date Placeholder 3"/>
           <p:cNvSpPr>
             <a:spLocks noGrp="1"/>
           </p:cNvSpPr>
@@ -669,13 +607,7 @@
       </p:sp>
       <p:sp>
         <p:nvSpPr>
-          <p:cNvPr id="5" name="Footer Placeholder 4">
-            <a:extLst>
-              <a:ext uri="{FF2B5EF4-FFF2-40B4-BE49-F238E27FC236}">
-                <a16:creationId xmlns:a16="http://schemas.microsoft.com/office/drawing/2014/main" id="{38A9708E-18C3-A64D-ACF8-DB9713670BCA}"/>
-              </a:ext>
-            </a:extLst>
-          </p:cNvPr>
+          <p:cNvPr id="5" name="Footer Placeholder 4"/>
           <p:cNvSpPr>
             <a:spLocks noGrp="1"/>
           </p:cNvSpPr>
@@ -694,13 +626,7 @@
       </p:sp>
       <p:sp>
         <p:nvSpPr>
-          <p:cNvPr id="6" name="Slide Number Placeholder 5">
-            <a:extLst>
-              <a:ext uri="{FF2B5EF4-FFF2-40B4-BE49-F238E27FC236}">
-                <a16:creationId xmlns:a16="http://schemas.microsoft.com/office/drawing/2014/main" id="{E94BE6DD-E844-DC40-AC1C-14FA65EDCD8F}"/>
-              </a:ext>
-            </a:extLst>
-          </p:cNvPr>
+          <p:cNvPr id="6" name="Slide Number Placeholder 5"/>
           <p:cNvSpPr>
             <a:spLocks noGrp="1"/>
           </p:cNvSpPr>
@@ -724,7 +650,7 @@
     </p:spTree>
     <p:extLst>
       <p:ext uri="{BB962C8B-B14F-4D97-AF65-F5344CB8AC3E}">
-        <p14:creationId xmlns:p14="http://schemas.microsoft.com/office/powerpoint/2010/main" val="3662581678"/>
+        <p14:creationId xmlns:p14="http://schemas.microsoft.com/office/powerpoint/2010/main" val="799587998"/>
       </p:ext>
     </p:extLst>
   </p:cSld>
@@ -753,13 +679,7 @@
       </p:grpSpPr>
       <p:sp>
         <p:nvSpPr>
-          <p:cNvPr id="2" name="Title 1">
-            <a:extLst>
-              <a:ext uri="{FF2B5EF4-FFF2-40B4-BE49-F238E27FC236}">
-                <a16:creationId xmlns:a16="http://schemas.microsoft.com/office/drawing/2014/main" id="{CC0767CD-2CA7-8045-B6D8-67D0D959C67C}"/>
-              </a:ext>
-            </a:extLst>
-          </p:cNvPr>
+          <p:cNvPr id="2" name="Title 1"/>
           <p:cNvSpPr>
             <a:spLocks noGrp="1"/>
           </p:cNvSpPr>
@@ -776,18 +696,13 @@
               <a:rPr lang="en-US"/>
               <a:t>Click to edit Master title style</a:t>
             </a:r>
-          </a:p>
-        </p:txBody>
-      </p:sp>
-      <p:sp>
-        <p:nvSpPr>
-          <p:cNvPr id="3" name="Content Placeholder 2">
-            <a:extLst>
-              <a:ext uri="{FF2B5EF4-FFF2-40B4-BE49-F238E27FC236}">
-                <a16:creationId xmlns:a16="http://schemas.microsoft.com/office/drawing/2014/main" id="{1D9E750D-9044-204B-BD56-7F1EC6C1345F}"/>
-              </a:ext>
-            </a:extLst>
-          </p:cNvPr>
+            <a:endParaRPr lang="en-US" dirty="0"/>
+          </a:p>
+        </p:txBody>
+      </p:sp>
+      <p:sp>
+        <p:nvSpPr>
+          <p:cNvPr id="3" name="Content Placeholder 2"/>
           <p:cNvSpPr>
             <a:spLocks noGrp="1"/>
           </p:cNvSpPr>
@@ -833,18 +748,13 @@
               <a:rPr lang="en-US"/>
               <a:t>Fifth level</a:t>
             </a:r>
-          </a:p>
-        </p:txBody>
-      </p:sp>
-      <p:sp>
-        <p:nvSpPr>
-          <p:cNvPr id="4" name="Date Placeholder 3">
-            <a:extLst>
-              <a:ext uri="{FF2B5EF4-FFF2-40B4-BE49-F238E27FC236}">
-                <a16:creationId xmlns:a16="http://schemas.microsoft.com/office/drawing/2014/main" id="{F3F75A91-B3EC-F643-A5BD-C8D6DE38A20D}"/>
-              </a:ext>
-            </a:extLst>
-          </p:cNvPr>
+            <a:endParaRPr lang="en-US" dirty="0"/>
+          </a:p>
+        </p:txBody>
+      </p:sp>
+      <p:sp>
+        <p:nvSpPr>
+          <p:cNvPr id="4" name="Date Placeholder 3"/>
           <p:cNvSpPr>
             <a:spLocks noGrp="1"/>
           </p:cNvSpPr>
@@ -867,13 +777,7 @@
       </p:sp>
       <p:sp>
         <p:nvSpPr>
-          <p:cNvPr id="5" name="Footer Placeholder 4">
-            <a:extLst>
-              <a:ext uri="{FF2B5EF4-FFF2-40B4-BE49-F238E27FC236}">
-                <a16:creationId xmlns:a16="http://schemas.microsoft.com/office/drawing/2014/main" id="{91A67BC6-3DAD-3F43-90E9-FB257E9A4E30}"/>
-              </a:ext>
-            </a:extLst>
-          </p:cNvPr>
+          <p:cNvPr id="5" name="Footer Placeholder 4"/>
           <p:cNvSpPr>
             <a:spLocks noGrp="1"/>
           </p:cNvSpPr>
@@ -892,13 +796,7 @@
       </p:sp>
       <p:sp>
         <p:nvSpPr>
-          <p:cNvPr id="6" name="Slide Number Placeholder 5">
-            <a:extLst>
-              <a:ext uri="{FF2B5EF4-FFF2-40B4-BE49-F238E27FC236}">
-                <a16:creationId xmlns:a16="http://schemas.microsoft.com/office/drawing/2014/main" id="{2FD47570-2266-904A-B781-90F72BFE9734}"/>
-              </a:ext>
-            </a:extLst>
-          </p:cNvPr>
+          <p:cNvPr id="6" name="Slide Number Placeholder 5"/>
           <p:cNvSpPr>
             <a:spLocks noGrp="1"/>
           </p:cNvSpPr>
@@ -922,7 +820,7 @@
     </p:spTree>
     <p:extLst>
       <p:ext uri="{BB962C8B-B14F-4D97-AF65-F5344CB8AC3E}">
-        <p14:creationId xmlns:p14="http://schemas.microsoft.com/office/powerpoint/2010/main" val="335315112"/>
+        <p14:creationId xmlns:p14="http://schemas.microsoft.com/office/powerpoint/2010/main" val="2277308628"/>
       </p:ext>
     </p:extLst>
   </p:cSld>
@@ -951,13 +849,7 @@
       </p:grpSpPr>
       <p:sp>
         <p:nvSpPr>
-          <p:cNvPr id="2" name="Title 1">
-            <a:extLst>
-              <a:ext uri="{FF2B5EF4-FFF2-40B4-BE49-F238E27FC236}">
-                <a16:creationId xmlns:a16="http://schemas.microsoft.com/office/drawing/2014/main" id="{5641D3E5-45D2-824D-B088-682FDB0BC3B4}"/>
-              </a:ext>
-            </a:extLst>
-          </p:cNvPr>
+          <p:cNvPr id="2" name="Title 1"/>
           <p:cNvSpPr>
             <a:spLocks noGrp="1"/>
           </p:cNvSpPr>
@@ -983,18 +875,13 @@
               <a:rPr lang="en-US"/>
               <a:t>Click to edit Master title style</a:t>
             </a:r>
-          </a:p>
-        </p:txBody>
-      </p:sp>
-      <p:sp>
-        <p:nvSpPr>
-          <p:cNvPr id="3" name="Text Placeholder 2">
-            <a:extLst>
-              <a:ext uri="{FF2B5EF4-FFF2-40B4-BE49-F238E27FC236}">
-                <a16:creationId xmlns:a16="http://schemas.microsoft.com/office/drawing/2014/main" id="{25D7DEF4-9F9F-634D-8C86-A07B1D7716F9}"/>
-              </a:ext>
-            </a:extLst>
-          </p:cNvPr>
+            <a:endParaRPr lang="en-US" dirty="0"/>
+          </a:p>
+        </p:txBody>
+      </p:sp>
+      <p:sp>
+        <p:nvSpPr>
+          <p:cNvPr id="3" name="Text Placeholder 2"/>
           <p:cNvSpPr>
             <a:spLocks noGrp="1"/>
           </p:cNvSpPr>
@@ -1113,13 +1000,7 @@
       </p:sp>
       <p:sp>
         <p:nvSpPr>
-          <p:cNvPr id="4" name="Date Placeholder 3">
-            <a:extLst>
-              <a:ext uri="{FF2B5EF4-FFF2-40B4-BE49-F238E27FC236}">
-                <a16:creationId xmlns:a16="http://schemas.microsoft.com/office/drawing/2014/main" id="{901DA677-2245-E949-8577-D906D9AFD824}"/>
-              </a:ext>
-            </a:extLst>
-          </p:cNvPr>
+          <p:cNvPr id="4" name="Date Placeholder 3"/>
           <p:cNvSpPr>
             <a:spLocks noGrp="1"/>
           </p:cNvSpPr>
@@ -1142,13 +1023,7 @@
       </p:sp>
       <p:sp>
         <p:nvSpPr>
-          <p:cNvPr id="5" name="Footer Placeholder 4">
-            <a:extLst>
-              <a:ext uri="{FF2B5EF4-FFF2-40B4-BE49-F238E27FC236}">
-                <a16:creationId xmlns:a16="http://schemas.microsoft.com/office/drawing/2014/main" id="{D93CC02B-0753-0F41-A3B5-9A77C4C3EF20}"/>
-              </a:ext>
-            </a:extLst>
-          </p:cNvPr>
+          <p:cNvPr id="5" name="Footer Placeholder 4"/>
           <p:cNvSpPr>
             <a:spLocks noGrp="1"/>
           </p:cNvSpPr>
@@ -1167,13 +1042,7 @@
       </p:sp>
       <p:sp>
         <p:nvSpPr>
-          <p:cNvPr id="6" name="Slide Number Placeholder 5">
-            <a:extLst>
-              <a:ext uri="{FF2B5EF4-FFF2-40B4-BE49-F238E27FC236}">
-                <a16:creationId xmlns:a16="http://schemas.microsoft.com/office/drawing/2014/main" id="{C6888DA7-4D39-CE4A-9A80-2E0707204877}"/>
-              </a:ext>
-            </a:extLst>
-          </p:cNvPr>
+          <p:cNvPr id="6" name="Slide Number Placeholder 5"/>
           <p:cNvSpPr>
             <a:spLocks noGrp="1"/>
           </p:cNvSpPr>
@@ -1197,7 +1066,7 @@
     </p:spTree>
     <p:extLst>
       <p:ext uri="{BB962C8B-B14F-4D97-AF65-F5344CB8AC3E}">
-        <p14:creationId xmlns:p14="http://schemas.microsoft.com/office/powerpoint/2010/main" val="138931128"/>
+        <p14:creationId xmlns:p14="http://schemas.microsoft.com/office/powerpoint/2010/main" val="4261334797"/>
       </p:ext>
     </p:extLst>
   </p:cSld>
@@ -1226,13 +1095,7 @@
       </p:grpSpPr>
       <p:sp>
         <p:nvSpPr>
-          <p:cNvPr id="2" name="Title 1">
-            <a:extLst>
-              <a:ext uri="{FF2B5EF4-FFF2-40B4-BE49-F238E27FC236}">
-                <a16:creationId xmlns:a16="http://schemas.microsoft.com/office/drawing/2014/main" id="{B6E41407-A2F5-3F45-B384-5FE6B692F18F}"/>
-              </a:ext>
-            </a:extLst>
-          </p:cNvPr>
+          <p:cNvPr id="2" name="Title 1"/>
           <p:cNvSpPr>
             <a:spLocks noGrp="1"/>
           </p:cNvSpPr>
@@ -1249,18 +1112,13 @@
               <a:rPr lang="en-US"/>
               <a:t>Click to edit Master title style</a:t>
             </a:r>
-          </a:p>
-        </p:txBody>
-      </p:sp>
-      <p:sp>
-        <p:nvSpPr>
-          <p:cNvPr id="3" name="Content Placeholder 2">
-            <a:extLst>
-              <a:ext uri="{FF2B5EF4-FFF2-40B4-BE49-F238E27FC236}">
-                <a16:creationId xmlns:a16="http://schemas.microsoft.com/office/drawing/2014/main" id="{8D855AE8-4620-DC4A-87FC-4C74224BB87F}"/>
-              </a:ext>
-            </a:extLst>
-          </p:cNvPr>
+            <a:endParaRPr lang="en-US" dirty="0"/>
+          </a:p>
+        </p:txBody>
+      </p:sp>
+      <p:sp>
+        <p:nvSpPr>
+          <p:cNvPr id="3" name="Content Placeholder 2"/>
           <p:cNvSpPr>
             <a:spLocks noGrp="1"/>
           </p:cNvSpPr>
@@ -1311,18 +1169,13 @@
               <a:rPr lang="en-US"/>
               <a:t>Fifth level</a:t>
             </a:r>
-          </a:p>
-        </p:txBody>
-      </p:sp>
-      <p:sp>
-        <p:nvSpPr>
-          <p:cNvPr id="4" name="Content Placeholder 3">
-            <a:extLst>
-              <a:ext uri="{FF2B5EF4-FFF2-40B4-BE49-F238E27FC236}">
-                <a16:creationId xmlns:a16="http://schemas.microsoft.com/office/drawing/2014/main" id="{8E9FCA1B-01E8-734F-9821-05E2879FB703}"/>
-              </a:ext>
-            </a:extLst>
-          </p:cNvPr>
+            <a:endParaRPr lang="en-US" dirty="0"/>
+          </a:p>
+        </p:txBody>
+      </p:sp>
+      <p:sp>
+        <p:nvSpPr>
+          <p:cNvPr id="4" name="Content Placeholder 3"/>
           <p:cNvSpPr>
             <a:spLocks noGrp="1"/>
           </p:cNvSpPr>
@@ -1373,18 +1226,13 @@
               <a:rPr lang="en-US"/>
               <a:t>Fifth level</a:t>
             </a:r>
-          </a:p>
-        </p:txBody>
-      </p:sp>
-      <p:sp>
-        <p:nvSpPr>
-          <p:cNvPr id="5" name="Date Placeholder 4">
-            <a:extLst>
-              <a:ext uri="{FF2B5EF4-FFF2-40B4-BE49-F238E27FC236}">
-                <a16:creationId xmlns:a16="http://schemas.microsoft.com/office/drawing/2014/main" id="{9EEC585A-B930-7E44-86B4-732B821ECCE8}"/>
-              </a:ext>
-            </a:extLst>
-          </p:cNvPr>
+            <a:endParaRPr lang="en-US" dirty="0"/>
+          </a:p>
+        </p:txBody>
+      </p:sp>
+      <p:sp>
+        <p:nvSpPr>
+          <p:cNvPr id="5" name="Date Placeholder 4"/>
           <p:cNvSpPr>
             <a:spLocks noGrp="1"/>
           </p:cNvSpPr>
@@ -1407,13 +1255,7 @@
       </p:sp>
       <p:sp>
         <p:nvSpPr>
-          <p:cNvPr id="6" name="Footer Placeholder 5">
-            <a:extLst>
-              <a:ext uri="{FF2B5EF4-FFF2-40B4-BE49-F238E27FC236}">
-                <a16:creationId xmlns:a16="http://schemas.microsoft.com/office/drawing/2014/main" id="{8A37CC10-6E30-7A46-B6AC-B9CB3FE2E3FF}"/>
-              </a:ext>
-            </a:extLst>
-          </p:cNvPr>
+          <p:cNvPr id="6" name="Footer Placeholder 5"/>
           <p:cNvSpPr>
             <a:spLocks noGrp="1"/>
           </p:cNvSpPr>
@@ -1432,13 +1274,7 @@
       </p:sp>
       <p:sp>
         <p:nvSpPr>
-          <p:cNvPr id="7" name="Slide Number Placeholder 6">
-            <a:extLst>
-              <a:ext uri="{FF2B5EF4-FFF2-40B4-BE49-F238E27FC236}">
-                <a16:creationId xmlns:a16="http://schemas.microsoft.com/office/drawing/2014/main" id="{519E6654-391C-8F49-90F7-DCA190B74FC9}"/>
-              </a:ext>
-            </a:extLst>
-          </p:cNvPr>
+          <p:cNvPr id="7" name="Slide Number Placeholder 6"/>
           <p:cNvSpPr>
             <a:spLocks noGrp="1"/>
           </p:cNvSpPr>
@@ -1462,7 +1298,7 @@
     </p:spTree>
     <p:extLst>
       <p:ext uri="{BB962C8B-B14F-4D97-AF65-F5344CB8AC3E}">
-        <p14:creationId xmlns:p14="http://schemas.microsoft.com/office/powerpoint/2010/main" val="1448995550"/>
+        <p14:creationId xmlns:p14="http://schemas.microsoft.com/office/powerpoint/2010/main" val="2788276923"/>
       </p:ext>
     </p:extLst>
   </p:cSld>
@@ -1491,13 +1327,7 @@
       </p:grpSpPr>
       <p:sp>
         <p:nvSpPr>
-          <p:cNvPr id="2" name="Title 1">
-            <a:extLst>
-              <a:ext uri="{FF2B5EF4-FFF2-40B4-BE49-F238E27FC236}">
-                <a16:creationId xmlns:a16="http://schemas.microsoft.com/office/drawing/2014/main" id="{B64ED292-24AA-8D44-B58D-5270655DF1BB}"/>
-              </a:ext>
-            </a:extLst>
-          </p:cNvPr>
+          <p:cNvPr id="2" name="Title 1"/>
           <p:cNvSpPr>
             <a:spLocks noGrp="1"/>
           </p:cNvSpPr>
@@ -1519,18 +1349,13 @@
               <a:rPr lang="en-US"/>
               <a:t>Click to edit Master title style</a:t>
             </a:r>
-          </a:p>
-        </p:txBody>
-      </p:sp>
-      <p:sp>
-        <p:nvSpPr>
-          <p:cNvPr id="3" name="Text Placeholder 2">
-            <a:extLst>
-              <a:ext uri="{FF2B5EF4-FFF2-40B4-BE49-F238E27FC236}">
-                <a16:creationId xmlns:a16="http://schemas.microsoft.com/office/drawing/2014/main" id="{D1E79A77-F989-3C46-8861-572E44E7AA2D}"/>
-              </a:ext>
-            </a:extLst>
-          </p:cNvPr>
+            <a:endParaRPr lang="en-US" dirty="0"/>
+          </a:p>
+        </p:txBody>
+      </p:sp>
+      <p:sp>
+        <p:nvSpPr>
+          <p:cNvPr id="3" name="Text Placeholder 2"/>
           <p:cNvSpPr>
             <a:spLocks noGrp="1"/>
           </p:cNvSpPr>
@@ -1595,13 +1420,7 @@
       </p:sp>
       <p:sp>
         <p:nvSpPr>
-          <p:cNvPr id="4" name="Content Placeholder 3">
-            <a:extLst>
-              <a:ext uri="{FF2B5EF4-FFF2-40B4-BE49-F238E27FC236}">
-                <a16:creationId xmlns:a16="http://schemas.microsoft.com/office/drawing/2014/main" id="{151E60F7-2688-C14B-963F-A99E7AA5AEC5}"/>
-              </a:ext>
-            </a:extLst>
-          </p:cNvPr>
+          <p:cNvPr id="4" name="Content Placeholder 3"/>
           <p:cNvSpPr>
             <a:spLocks noGrp="1"/>
           </p:cNvSpPr>
@@ -1652,18 +1471,13 @@
               <a:rPr lang="en-US"/>
               <a:t>Fifth level</a:t>
             </a:r>
-          </a:p>
-        </p:txBody>
-      </p:sp>
-      <p:sp>
-        <p:nvSpPr>
-          <p:cNvPr id="5" name="Text Placeholder 4">
-            <a:extLst>
-              <a:ext uri="{FF2B5EF4-FFF2-40B4-BE49-F238E27FC236}">
-                <a16:creationId xmlns:a16="http://schemas.microsoft.com/office/drawing/2014/main" id="{8DA54F0E-3132-E746-B082-741D7347E77A}"/>
-              </a:ext>
-            </a:extLst>
-          </p:cNvPr>
+            <a:endParaRPr lang="en-US" dirty="0"/>
+          </a:p>
+        </p:txBody>
+      </p:sp>
+      <p:sp>
+        <p:nvSpPr>
+          <p:cNvPr id="5" name="Text Placeholder 4"/>
           <p:cNvSpPr>
             <a:spLocks noGrp="1"/>
           </p:cNvSpPr>
@@ -1728,13 +1542,7 @@
       </p:sp>
       <p:sp>
         <p:nvSpPr>
-          <p:cNvPr id="6" name="Content Placeholder 5">
-            <a:extLst>
-              <a:ext uri="{FF2B5EF4-FFF2-40B4-BE49-F238E27FC236}">
-                <a16:creationId xmlns:a16="http://schemas.microsoft.com/office/drawing/2014/main" id="{C5017B07-EBE2-3740-BEF8-8F9921A46007}"/>
-              </a:ext>
-            </a:extLst>
-          </p:cNvPr>
+          <p:cNvPr id="6" name="Content Placeholder 5"/>
           <p:cNvSpPr>
             <a:spLocks noGrp="1"/>
           </p:cNvSpPr>
@@ -1785,18 +1593,13 @@
               <a:rPr lang="en-US"/>
               <a:t>Fifth level</a:t>
             </a:r>
-          </a:p>
-        </p:txBody>
-      </p:sp>
-      <p:sp>
-        <p:nvSpPr>
-          <p:cNvPr id="7" name="Date Placeholder 6">
-            <a:extLst>
-              <a:ext uri="{FF2B5EF4-FFF2-40B4-BE49-F238E27FC236}">
-                <a16:creationId xmlns:a16="http://schemas.microsoft.com/office/drawing/2014/main" id="{4AF0A9AC-CEEB-4F4C-B73F-B74A74069CCD}"/>
-              </a:ext>
-            </a:extLst>
-          </p:cNvPr>
+            <a:endParaRPr lang="en-US" dirty="0"/>
+          </a:p>
+        </p:txBody>
+      </p:sp>
+      <p:sp>
+        <p:nvSpPr>
+          <p:cNvPr id="7" name="Date Placeholder 6"/>
           <p:cNvSpPr>
             <a:spLocks noGrp="1"/>
           </p:cNvSpPr>
@@ -1819,13 +1622,7 @@
       </p:sp>
       <p:sp>
         <p:nvSpPr>
-          <p:cNvPr id="8" name="Footer Placeholder 7">
-            <a:extLst>
-              <a:ext uri="{FF2B5EF4-FFF2-40B4-BE49-F238E27FC236}">
-                <a16:creationId xmlns:a16="http://schemas.microsoft.com/office/drawing/2014/main" id="{9026350D-1B71-BA48-B24D-7AF067F816A4}"/>
-              </a:ext>
-            </a:extLst>
-          </p:cNvPr>
+          <p:cNvPr id="8" name="Footer Placeholder 7"/>
           <p:cNvSpPr>
             <a:spLocks noGrp="1"/>
           </p:cNvSpPr>
@@ -1844,13 +1641,7 @@
       </p:sp>
       <p:sp>
         <p:nvSpPr>
-          <p:cNvPr id="9" name="Slide Number Placeholder 8">
-            <a:extLst>
-              <a:ext uri="{FF2B5EF4-FFF2-40B4-BE49-F238E27FC236}">
-                <a16:creationId xmlns:a16="http://schemas.microsoft.com/office/drawing/2014/main" id="{E53658D2-8B7F-3C4D-B800-351FECC9A4D6}"/>
-              </a:ext>
-            </a:extLst>
-          </p:cNvPr>
+          <p:cNvPr id="9" name="Slide Number Placeholder 8"/>
           <p:cNvSpPr>
             <a:spLocks noGrp="1"/>
           </p:cNvSpPr>
@@ -1874,7 +1665,7 @@
     </p:spTree>
     <p:extLst>
       <p:ext uri="{BB962C8B-B14F-4D97-AF65-F5344CB8AC3E}">
-        <p14:creationId xmlns:p14="http://schemas.microsoft.com/office/powerpoint/2010/main" val="2169916777"/>
+        <p14:creationId xmlns:p14="http://schemas.microsoft.com/office/powerpoint/2010/main" val="1059609260"/>
       </p:ext>
     </p:extLst>
   </p:cSld>
@@ -1903,13 +1694,7 @@
       </p:grpSpPr>
       <p:sp>
         <p:nvSpPr>
-          <p:cNvPr id="2" name="Title 1">
-            <a:extLst>
-              <a:ext uri="{FF2B5EF4-FFF2-40B4-BE49-F238E27FC236}">
-                <a16:creationId xmlns:a16="http://schemas.microsoft.com/office/drawing/2014/main" id="{0A64C3BA-9518-9843-A015-581966E6F699}"/>
-              </a:ext>
-            </a:extLst>
-          </p:cNvPr>
+          <p:cNvPr id="2" name="Title 1"/>
           <p:cNvSpPr>
             <a:spLocks noGrp="1"/>
           </p:cNvSpPr>
@@ -1926,18 +1711,13 @@
               <a:rPr lang="en-US"/>
               <a:t>Click to edit Master title style</a:t>
             </a:r>
-          </a:p>
-        </p:txBody>
-      </p:sp>
-      <p:sp>
-        <p:nvSpPr>
-          <p:cNvPr id="3" name="Date Placeholder 2">
-            <a:extLst>
-              <a:ext uri="{FF2B5EF4-FFF2-40B4-BE49-F238E27FC236}">
-                <a16:creationId xmlns:a16="http://schemas.microsoft.com/office/drawing/2014/main" id="{4A008377-AFD6-3F44-928F-954D8262673F}"/>
-              </a:ext>
-            </a:extLst>
-          </p:cNvPr>
+            <a:endParaRPr lang="en-US" dirty="0"/>
+          </a:p>
+        </p:txBody>
+      </p:sp>
+      <p:sp>
+        <p:nvSpPr>
+          <p:cNvPr id="3" name="Date Placeholder 2"/>
           <p:cNvSpPr>
             <a:spLocks noGrp="1"/>
           </p:cNvSpPr>
@@ -1960,13 +1740,7 @@
       </p:sp>
       <p:sp>
         <p:nvSpPr>
-          <p:cNvPr id="4" name="Footer Placeholder 3">
-            <a:extLst>
-              <a:ext uri="{FF2B5EF4-FFF2-40B4-BE49-F238E27FC236}">
-                <a16:creationId xmlns:a16="http://schemas.microsoft.com/office/drawing/2014/main" id="{229249DC-3773-1B46-A0C1-5B2B6906BAD6}"/>
-              </a:ext>
-            </a:extLst>
-          </p:cNvPr>
+          <p:cNvPr id="4" name="Footer Placeholder 3"/>
           <p:cNvSpPr>
             <a:spLocks noGrp="1"/>
           </p:cNvSpPr>
@@ -1985,13 +1759,7 @@
       </p:sp>
       <p:sp>
         <p:nvSpPr>
-          <p:cNvPr id="5" name="Slide Number Placeholder 4">
-            <a:extLst>
-              <a:ext uri="{FF2B5EF4-FFF2-40B4-BE49-F238E27FC236}">
-                <a16:creationId xmlns:a16="http://schemas.microsoft.com/office/drawing/2014/main" id="{05688538-DDF6-0D46-929F-B31C8A831598}"/>
-              </a:ext>
-            </a:extLst>
-          </p:cNvPr>
+          <p:cNvPr id="5" name="Slide Number Placeholder 4"/>
           <p:cNvSpPr>
             <a:spLocks noGrp="1"/>
           </p:cNvSpPr>
@@ -2015,7 +1783,7 @@
     </p:spTree>
     <p:extLst>
       <p:ext uri="{BB962C8B-B14F-4D97-AF65-F5344CB8AC3E}">
-        <p14:creationId xmlns:p14="http://schemas.microsoft.com/office/powerpoint/2010/main" val="3305012175"/>
+        <p14:creationId xmlns:p14="http://schemas.microsoft.com/office/powerpoint/2010/main" val="3446763063"/>
       </p:ext>
     </p:extLst>
   </p:cSld>
@@ -2044,13 +1812,7 @@
       </p:grpSpPr>
       <p:sp>
         <p:nvSpPr>
-          <p:cNvPr id="2" name="Date Placeholder 1">
-            <a:extLst>
-              <a:ext uri="{FF2B5EF4-FFF2-40B4-BE49-F238E27FC236}">
-                <a16:creationId xmlns:a16="http://schemas.microsoft.com/office/drawing/2014/main" id="{45939696-3FDB-924B-95D1-C9FE372D00F3}"/>
-              </a:ext>
-            </a:extLst>
-          </p:cNvPr>
+          <p:cNvPr id="2" name="Date Placeholder 1"/>
           <p:cNvSpPr>
             <a:spLocks noGrp="1"/>
           </p:cNvSpPr>
@@ -2073,13 +1835,7 @@
       </p:sp>
       <p:sp>
         <p:nvSpPr>
-          <p:cNvPr id="3" name="Footer Placeholder 2">
-            <a:extLst>
-              <a:ext uri="{FF2B5EF4-FFF2-40B4-BE49-F238E27FC236}">
-                <a16:creationId xmlns:a16="http://schemas.microsoft.com/office/drawing/2014/main" id="{DB9EE0C3-4B4F-7B41-BBC2-9B47520CEB53}"/>
-              </a:ext>
-            </a:extLst>
-          </p:cNvPr>
+          <p:cNvPr id="3" name="Footer Placeholder 2"/>
           <p:cNvSpPr>
             <a:spLocks noGrp="1"/>
           </p:cNvSpPr>
@@ -2098,13 +1854,7 @@
       </p:sp>
       <p:sp>
         <p:nvSpPr>
-          <p:cNvPr id="4" name="Slide Number Placeholder 3">
-            <a:extLst>
-              <a:ext uri="{FF2B5EF4-FFF2-40B4-BE49-F238E27FC236}">
-                <a16:creationId xmlns:a16="http://schemas.microsoft.com/office/drawing/2014/main" id="{20FAE20E-8323-7E44-B7DE-E3273A5F9439}"/>
-              </a:ext>
-            </a:extLst>
-          </p:cNvPr>
+          <p:cNvPr id="4" name="Slide Number Placeholder 3"/>
           <p:cNvSpPr>
             <a:spLocks noGrp="1"/>
           </p:cNvSpPr>
@@ -2128,7 +1878,7 @@
     </p:spTree>
     <p:extLst>
       <p:ext uri="{BB962C8B-B14F-4D97-AF65-F5344CB8AC3E}">
-        <p14:creationId xmlns:p14="http://schemas.microsoft.com/office/powerpoint/2010/main" val="2479747636"/>
+        <p14:creationId xmlns:p14="http://schemas.microsoft.com/office/powerpoint/2010/main" val="3081849961"/>
       </p:ext>
     </p:extLst>
   </p:cSld>
@@ -2157,13 +1907,7 @@
       </p:grpSpPr>
       <p:sp>
         <p:nvSpPr>
-          <p:cNvPr id="2" name="Title 1">
-            <a:extLst>
-              <a:ext uri="{FF2B5EF4-FFF2-40B4-BE49-F238E27FC236}">
-                <a16:creationId xmlns:a16="http://schemas.microsoft.com/office/drawing/2014/main" id="{E7019C01-6469-1F48-80DD-555043DDE8F4}"/>
-              </a:ext>
-            </a:extLst>
-          </p:cNvPr>
+          <p:cNvPr id="2" name="Title 1"/>
           <p:cNvSpPr>
             <a:spLocks noGrp="1"/>
           </p:cNvSpPr>
@@ -2189,18 +1933,13 @@
               <a:rPr lang="en-US"/>
               <a:t>Click to edit Master title style</a:t>
             </a:r>
-          </a:p>
-        </p:txBody>
-      </p:sp>
-      <p:sp>
-        <p:nvSpPr>
-          <p:cNvPr id="3" name="Content Placeholder 2">
-            <a:extLst>
-              <a:ext uri="{FF2B5EF4-FFF2-40B4-BE49-F238E27FC236}">
-                <a16:creationId xmlns:a16="http://schemas.microsoft.com/office/drawing/2014/main" id="{9A6D164C-4457-2F42-9FF4-46550ED8F556}"/>
-              </a:ext>
-            </a:extLst>
-          </p:cNvPr>
+            <a:endParaRPr lang="en-US" dirty="0"/>
+          </a:p>
+        </p:txBody>
+      </p:sp>
+      <p:sp>
+        <p:nvSpPr>
+          <p:cNvPr id="3" name="Content Placeholder 2"/>
           <p:cNvSpPr>
             <a:spLocks noGrp="1"/>
           </p:cNvSpPr>
@@ -2279,18 +2018,13 @@
               <a:rPr lang="en-US"/>
               <a:t>Fifth level</a:t>
             </a:r>
-          </a:p>
-        </p:txBody>
-      </p:sp>
-      <p:sp>
-        <p:nvSpPr>
-          <p:cNvPr id="4" name="Text Placeholder 3">
-            <a:extLst>
-              <a:ext uri="{FF2B5EF4-FFF2-40B4-BE49-F238E27FC236}">
-                <a16:creationId xmlns:a16="http://schemas.microsoft.com/office/drawing/2014/main" id="{A3DAE561-B425-0245-9833-7425F6772C02}"/>
-              </a:ext>
-            </a:extLst>
-          </p:cNvPr>
+            <a:endParaRPr lang="en-US" dirty="0"/>
+          </a:p>
+        </p:txBody>
+      </p:sp>
+      <p:sp>
+        <p:nvSpPr>
+          <p:cNvPr id="4" name="Text Placeholder 3"/>
           <p:cNvSpPr>
             <a:spLocks noGrp="1"/>
           </p:cNvSpPr>
@@ -2355,13 +2089,7 @@
       </p:sp>
       <p:sp>
         <p:nvSpPr>
-          <p:cNvPr id="5" name="Date Placeholder 4">
-            <a:extLst>
-              <a:ext uri="{FF2B5EF4-FFF2-40B4-BE49-F238E27FC236}">
-                <a16:creationId xmlns:a16="http://schemas.microsoft.com/office/drawing/2014/main" id="{E26045D3-B25F-694A-8002-FC2A0A823F59}"/>
-              </a:ext>
-            </a:extLst>
-          </p:cNvPr>
+          <p:cNvPr id="5" name="Date Placeholder 4"/>
           <p:cNvSpPr>
             <a:spLocks noGrp="1"/>
           </p:cNvSpPr>
@@ -2384,13 +2112,7 @@
       </p:sp>
       <p:sp>
         <p:nvSpPr>
-          <p:cNvPr id="6" name="Footer Placeholder 5">
-            <a:extLst>
-              <a:ext uri="{FF2B5EF4-FFF2-40B4-BE49-F238E27FC236}">
-                <a16:creationId xmlns:a16="http://schemas.microsoft.com/office/drawing/2014/main" id="{851E0529-DEDE-C94F-BDE2-5093ECF46CEC}"/>
-              </a:ext>
-            </a:extLst>
-          </p:cNvPr>
+          <p:cNvPr id="6" name="Footer Placeholder 5"/>
           <p:cNvSpPr>
             <a:spLocks noGrp="1"/>
           </p:cNvSpPr>
@@ -2409,13 +2131,7 @@
       </p:sp>
       <p:sp>
         <p:nvSpPr>
-          <p:cNvPr id="7" name="Slide Number Placeholder 6">
-            <a:extLst>
-              <a:ext uri="{FF2B5EF4-FFF2-40B4-BE49-F238E27FC236}">
-                <a16:creationId xmlns:a16="http://schemas.microsoft.com/office/drawing/2014/main" id="{CEF29217-450D-2D42-8445-118F3CE56A95}"/>
-              </a:ext>
-            </a:extLst>
-          </p:cNvPr>
+          <p:cNvPr id="7" name="Slide Number Placeholder 6"/>
           <p:cNvSpPr>
             <a:spLocks noGrp="1"/>
           </p:cNvSpPr>
@@ -2439,7 +2155,7 @@
     </p:spTree>
     <p:extLst>
       <p:ext uri="{BB962C8B-B14F-4D97-AF65-F5344CB8AC3E}">
-        <p14:creationId xmlns:p14="http://schemas.microsoft.com/office/powerpoint/2010/main" val="1649994250"/>
+        <p14:creationId xmlns:p14="http://schemas.microsoft.com/office/powerpoint/2010/main" val="1736453071"/>
       </p:ext>
     </p:extLst>
   </p:cSld>
@@ -2468,13 +2184,7 @@
       </p:grpSpPr>
       <p:sp>
         <p:nvSpPr>
-          <p:cNvPr id="2" name="Title 1">
-            <a:extLst>
-              <a:ext uri="{FF2B5EF4-FFF2-40B4-BE49-F238E27FC236}">
-                <a16:creationId xmlns:a16="http://schemas.microsoft.com/office/drawing/2014/main" id="{5402B30B-E9E2-4B40-85B4-EFF729EF87C2}"/>
-              </a:ext>
-            </a:extLst>
-          </p:cNvPr>
+          <p:cNvPr id="2" name="Title 1"/>
           <p:cNvSpPr>
             <a:spLocks noGrp="1"/>
           </p:cNvSpPr>
@@ -2500,20 +2210,15 @@
               <a:rPr lang="en-US"/>
               <a:t>Click to edit Master title style</a:t>
             </a:r>
-          </a:p>
-        </p:txBody>
-      </p:sp>
-      <p:sp>
-        <p:nvSpPr>
-          <p:cNvPr id="3" name="Picture Placeholder 2">
-            <a:extLst>
-              <a:ext uri="{FF2B5EF4-FFF2-40B4-BE49-F238E27FC236}">
-                <a16:creationId xmlns:a16="http://schemas.microsoft.com/office/drawing/2014/main" id="{2568C830-FB6B-884F-BA7D-D36DE582E625}"/>
-              </a:ext>
-            </a:extLst>
-          </p:cNvPr>
-          <p:cNvSpPr>
-            <a:spLocks noGrp="1"/>
+            <a:endParaRPr lang="en-US" dirty="0"/>
+          </a:p>
+        </p:txBody>
+      </p:sp>
+      <p:sp>
+        <p:nvSpPr>
+          <p:cNvPr id="3" name="Picture Placeholder 2"/>
+          <p:cNvSpPr>
+            <a:spLocks noGrp="1" noChangeAspect="1"/>
           </p:cNvSpPr>
           <p:nvPr>
             <p:ph type="pic" idx="1"/>
@@ -2526,7 +2231,7 @@
           </a:xfrm>
         </p:spPr>
         <p:txBody>
-          <a:bodyPr/>
+          <a:bodyPr anchor="t"/>
           <a:lstStyle>
             <a:lvl1pPr marL="0" indent="0">
               <a:buNone/>
@@ -2566,19 +2271,17 @@
             </a:lvl9pPr>
           </a:lstStyle>
           <a:p>
-            <a:endParaRPr lang="en-US"/>
-          </a:p>
-        </p:txBody>
-      </p:sp>
-      <p:sp>
-        <p:nvSpPr>
-          <p:cNvPr id="4" name="Text Placeholder 3">
-            <a:extLst>
-              <a:ext uri="{FF2B5EF4-FFF2-40B4-BE49-F238E27FC236}">
-                <a16:creationId xmlns:a16="http://schemas.microsoft.com/office/drawing/2014/main" id="{67756276-11D2-A84A-9D68-24C22F50704F}"/>
-              </a:ext>
-            </a:extLst>
-          </p:cNvPr>
+            <a:r>
+              <a:rPr lang="en-US"/>
+              <a:t>Click icon to add picture</a:t>
+            </a:r>
+            <a:endParaRPr lang="en-US" dirty="0"/>
+          </a:p>
+        </p:txBody>
+      </p:sp>
+      <p:sp>
+        <p:nvSpPr>
+          <p:cNvPr id="4" name="Text Placeholder 3"/>
           <p:cNvSpPr>
             <a:spLocks noGrp="1"/>
           </p:cNvSpPr>
@@ -2643,13 +2346,7 @@
       </p:sp>
       <p:sp>
         <p:nvSpPr>
-          <p:cNvPr id="5" name="Date Placeholder 4">
-            <a:extLst>
-              <a:ext uri="{FF2B5EF4-FFF2-40B4-BE49-F238E27FC236}">
-                <a16:creationId xmlns:a16="http://schemas.microsoft.com/office/drawing/2014/main" id="{2CA1CC50-DB56-044A-9C9E-E7C1CBBBFCCF}"/>
-              </a:ext>
-            </a:extLst>
-          </p:cNvPr>
+          <p:cNvPr id="5" name="Date Placeholder 4"/>
           <p:cNvSpPr>
             <a:spLocks noGrp="1"/>
           </p:cNvSpPr>
@@ -2672,13 +2369,7 @@
       </p:sp>
       <p:sp>
         <p:nvSpPr>
-          <p:cNvPr id="6" name="Footer Placeholder 5">
-            <a:extLst>
-              <a:ext uri="{FF2B5EF4-FFF2-40B4-BE49-F238E27FC236}">
-                <a16:creationId xmlns:a16="http://schemas.microsoft.com/office/drawing/2014/main" id="{0D2F1E70-108D-A240-928F-E156790F2DF5}"/>
-              </a:ext>
-            </a:extLst>
-          </p:cNvPr>
+          <p:cNvPr id="6" name="Footer Placeholder 5"/>
           <p:cNvSpPr>
             <a:spLocks noGrp="1"/>
           </p:cNvSpPr>
@@ -2697,13 +2388,7 @@
       </p:sp>
       <p:sp>
         <p:nvSpPr>
-          <p:cNvPr id="7" name="Slide Number Placeholder 6">
-            <a:extLst>
-              <a:ext uri="{FF2B5EF4-FFF2-40B4-BE49-F238E27FC236}">
-                <a16:creationId xmlns:a16="http://schemas.microsoft.com/office/drawing/2014/main" id="{5EB57699-0A68-4748-91DB-99C0235321CB}"/>
-              </a:ext>
-            </a:extLst>
-          </p:cNvPr>
+          <p:cNvPr id="7" name="Slide Number Placeholder 6"/>
           <p:cNvSpPr>
             <a:spLocks noGrp="1"/>
           </p:cNvSpPr>
@@ -2727,7 +2412,7 @@
     </p:spTree>
     <p:extLst>
       <p:ext uri="{BB962C8B-B14F-4D97-AF65-F5344CB8AC3E}">
-        <p14:creationId xmlns:p14="http://schemas.microsoft.com/office/powerpoint/2010/main" val="3104872529"/>
+        <p14:creationId xmlns:p14="http://schemas.microsoft.com/office/powerpoint/2010/main" val="2391115736"/>
       </p:ext>
     </p:extLst>
   </p:cSld>
@@ -2761,13 +2446,7 @@
       </p:grpSpPr>
       <p:sp>
         <p:nvSpPr>
-          <p:cNvPr id="2" name="Title Placeholder 1">
-            <a:extLst>
-              <a:ext uri="{FF2B5EF4-FFF2-40B4-BE49-F238E27FC236}">
-                <a16:creationId xmlns:a16="http://schemas.microsoft.com/office/drawing/2014/main" id="{AB9B033A-0A28-D043-883F-EAF6DE4BB537}"/>
-              </a:ext>
-            </a:extLst>
-          </p:cNvPr>
+          <p:cNvPr id="2" name="Title Placeholder 1"/>
           <p:cNvSpPr>
             <a:spLocks noGrp="1"/>
           </p:cNvSpPr>
@@ -2794,18 +2473,13 @@
               <a:rPr lang="en-US"/>
               <a:t>Click to edit Master title style</a:t>
             </a:r>
-          </a:p>
-        </p:txBody>
-      </p:sp>
-      <p:sp>
-        <p:nvSpPr>
-          <p:cNvPr id="3" name="Text Placeholder 2">
-            <a:extLst>
-              <a:ext uri="{FF2B5EF4-FFF2-40B4-BE49-F238E27FC236}">
-                <a16:creationId xmlns:a16="http://schemas.microsoft.com/office/drawing/2014/main" id="{A48720A4-4A30-EF4C-97A9-3C5B6A31426F}"/>
-              </a:ext>
-            </a:extLst>
-          </p:cNvPr>
+            <a:endParaRPr lang="en-US" dirty="0"/>
+          </a:p>
+        </p:txBody>
+      </p:sp>
+      <p:sp>
+        <p:nvSpPr>
+          <p:cNvPr id="3" name="Text Placeholder 2"/>
           <p:cNvSpPr>
             <a:spLocks noGrp="1"/>
           </p:cNvSpPr>
@@ -2861,18 +2535,13 @@
               <a:rPr lang="en-US"/>
               <a:t>Fifth level</a:t>
             </a:r>
-          </a:p>
-        </p:txBody>
-      </p:sp>
-      <p:sp>
-        <p:nvSpPr>
-          <p:cNvPr id="4" name="Date Placeholder 3">
-            <a:extLst>
-              <a:ext uri="{FF2B5EF4-FFF2-40B4-BE49-F238E27FC236}">
-                <a16:creationId xmlns:a16="http://schemas.microsoft.com/office/drawing/2014/main" id="{A2B3050F-447C-C640-84D6-98630F8DE484}"/>
-              </a:ext>
-            </a:extLst>
-          </p:cNvPr>
+            <a:endParaRPr lang="en-US" dirty="0"/>
+          </a:p>
+        </p:txBody>
+      </p:sp>
+      <p:sp>
+        <p:nvSpPr>
+          <p:cNvPr id="4" name="Date Placeholder 3"/>
           <p:cNvSpPr>
             <a:spLocks noGrp="1"/>
           </p:cNvSpPr>
@@ -2913,13 +2582,7 @@
       </p:sp>
       <p:sp>
         <p:nvSpPr>
-          <p:cNvPr id="5" name="Footer Placeholder 4">
-            <a:extLst>
-              <a:ext uri="{FF2B5EF4-FFF2-40B4-BE49-F238E27FC236}">
-                <a16:creationId xmlns:a16="http://schemas.microsoft.com/office/drawing/2014/main" id="{58F948F0-2FCB-524E-822F-B9016DB63534}"/>
-              </a:ext>
-            </a:extLst>
-          </p:cNvPr>
+          <p:cNvPr id="5" name="Footer Placeholder 4"/>
           <p:cNvSpPr>
             <a:spLocks noGrp="1"/>
           </p:cNvSpPr>
@@ -2956,13 +2619,7 @@
       </p:sp>
       <p:sp>
         <p:nvSpPr>
-          <p:cNvPr id="6" name="Slide Number Placeholder 5">
-            <a:extLst>
-              <a:ext uri="{FF2B5EF4-FFF2-40B4-BE49-F238E27FC236}">
-                <a16:creationId xmlns:a16="http://schemas.microsoft.com/office/drawing/2014/main" id="{F0835519-A8C3-2C4E-B18F-3D70C1C3FA83}"/>
-              </a:ext>
-            </a:extLst>
-          </p:cNvPr>
+          <p:cNvPr id="6" name="Slide Number Placeholder 5"/>
           <p:cNvSpPr>
             <a:spLocks noGrp="1"/>
           </p:cNvSpPr>
@@ -3004,23 +2661,23 @@
     </p:spTree>
     <p:extLst>
       <p:ext uri="{BB962C8B-B14F-4D97-AF65-F5344CB8AC3E}">
-        <p14:creationId xmlns:p14="http://schemas.microsoft.com/office/powerpoint/2010/main" val="4144645952"/>
+        <p14:creationId xmlns:p14="http://schemas.microsoft.com/office/powerpoint/2010/main" val="1822465071"/>
       </p:ext>
     </p:extLst>
   </p:cSld>
   <p:clrMap bg1="lt1" tx1="dk1" bg2="lt2" tx2="dk2" accent1="accent1" accent2="accent2" accent3="accent3" accent4="accent4" accent5="accent5" accent6="accent6" hlink="hlink" folHlink="folHlink"/>
   <p:sldLayoutIdLst>
-    <p:sldLayoutId id="2147483649" r:id="rId1"/>
-    <p:sldLayoutId id="2147483650" r:id="rId2"/>
-    <p:sldLayoutId id="2147483651" r:id="rId3"/>
-    <p:sldLayoutId id="2147483652" r:id="rId4"/>
-    <p:sldLayoutId id="2147483653" r:id="rId5"/>
-    <p:sldLayoutId id="2147483654" r:id="rId6"/>
-    <p:sldLayoutId id="2147483655" r:id="rId7"/>
-    <p:sldLayoutId id="2147483656" r:id="rId8"/>
-    <p:sldLayoutId id="2147483657" r:id="rId9"/>
-    <p:sldLayoutId id="2147483658" r:id="rId10"/>
-    <p:sldLayoutId id="2147483659" r:id="rId11"/>
+    <p:sldLayoutId id="2147483673" r:id="rId1"/>
+    <p:sldLayoutId id="2147483674" r:id="rId2"/>
+    <p:sldLayoutId id="2147483675" r:id="rId3"/>
+    <p:sldLayoutId id="2147483676" r:id="rId4"/>
+    <p:sldLayoutId id="2147483677" r:id="rId5"/>
+    <p:sldLayoutId id="2147483678" r:id="rId6"/>
+    <p:sldLayoutId id="2147483679" r:id="rId7"/>
+    <p:sldLayoutId id="2147483680" r:id="rId8"/>
+    <p:sldLayoutId id="2147483681" r:id="rId9"/>
+    <p:sldLayoutId id="2147483682" r:id="rId10"/>
+    <p:sldLayoutId id="2147483683" r:id="rId11"/>
   </p:sldLayoutIdLst>
   <p:txStyles>
     <p:titleStyle>
@@ -3424,12 +3081,7 @@
             <p:ph type="title"/>
           </p:nvPr>
         </p:nvSpPr>
-        <p:spPr>
-          <a:xfrm>
-            <a:off x="838200" y="365125"/>
-            <a:ext cx="10515600" cy="1325563"/>
-          </a:xfrm>
-        </p:spPr>
+        <p:spPr/>
         <p:txBody>
           <a:bodyPr/>
           <a:lstStyle/>
@@ -3537,10 +3189,1118 @@
 </p:sld>
 </file>
 
+<file path=ppt/slides/slide3.xml><?xml version="1.0" encoding="utf-8"?>
+<p:sld xmlns:a="http://schemas.openxmlformats.org/drawingml/2006/main" xmlns:r="http://schemas.openxmlformats.org/officeDocument/2006/relationships" xmlns:p="http://schemas.openxmlformats.org/presentationml/2006/main">
+  <p:cSld>
+    <p:bg>
+      <p:bgPr>
+        <a:solidFill>
+          <a:schemeClr val="bg1"/>
+        </a:solidFill>
+        <a:effectLst/>
+      </p:bgPr>
+    </p:bg>
+    <p:spTree>
+      <p:nvGrpSpPr>
+        <p:cNvPr id="1" name=""/>
+        <p:cNvGrpSpPr/>
+        <p:nvPr/>
+      </p:nvGrpSpPr>
+      <p:grpSpPr>
+        <a:xfrm>
+          <a:off x="0" y="0"/>
+          <a:ext cx="0" cy="0"/>
+          <a:chOff x="0" y="0"/>
+          <a:chExt cx="0" cy="0"/>
+        </a:xfrm>
+      </p:grpSpPr>
+      <p:sp>
+        <p:nvSpPr>
+          <p:cNvPr id="2" name="Title 1">
+            <a:extLst>
+              <a:ext uri="{FF2B5EF4-FFF2-40B4-BE49-F238E27FC236}">
+                <a16:creationId xmlns:a16="http://schemas.microsoft.com/office/drawing/2014/main" id="{DF07575D-C379-C745-9E3E-EEA5A0683ED2}"/>
+              </a:ext>
+            </a:extLst>
+          </p:cNvPr>
+          <p:cNvSpPr>
+            <a:spLocks noGrp="1"/>
+          </p:cNvSpPr>
+          <p:nvPr>
+            <p:ph type="title"/>
+          </p:nvPr>
+        </p:nvSpPr>
+        <p:spPr>
+          <a:xfrm>
+            <a:off x="377480" y="188462"/>
+            <a:ext cx="9894133" cy="729092"/>
+          </a:xfrm>
+        </p:spPr>
+        <p:txBody>
+          <a:bodyPr anchor="b">
+            <a:normAutofit/>
+          </a:bodyPr>
+          <a:lstStyle/>
+          <a:p>
+            <a:r>
+              <a:rPr lang="en-US" sz="4400" dirty="0"/>
+              <a:t>Background &amp; Terminology</a:t>
+            </a:r>
+          </a:p>
+        </p:txBody>
+      </p:sp>
+      <p:sp>
+        <p:nvSpPr>
+          <p:cNvPr id="3" name="Content Placeholder 2">
+            <a:extLst>
+              <a:ext uri="{FF2B5EF4-FFF2-40B4-BE49-F238E27FC236}">
+                <a16:creationId xmlns:a16="http://schemas.microsoft.com/office/drawing/2014/main" id="{625E8EB1-9EFF-F94E-ACEC-5A50C32B3BC3}"/>
+              </a:ext>
+            </a:extLst>
+          </p:cNvPr>
+          <p:cNvSpPr>
+            <a:spLocks noGrp="1"/>
+          </p:cNvSpPr>
+          <p:nvPr>
+            <p:ph idx="1"/>
+          </p:nvPr>
+        </p:nvSpPr>
+        <p:spPr>
+          <a:xfrm>
+            <a:off x="5585098" y="1295361"/>
+            <a:ext cx="4686515" cy="1514769"/>
+          </a:xfrm>
+        </p:spPr>
+        <p:txBody>
+          <a:bodyPr anchor="ctr">
+            <a:normAutofit/>
+          </a:bodyPr>
+          <a:lstStyle/>
+          <a:p>
+            <a:r>
+              <a:rPr lang="en-US" sz="2400" dirty="0"/>
+              <a:t>Gesture recognition</a:t>
+            </a:r>
+          </a:p>
+          <a:p>
+            <a:r>
+              <a:rPr lang="en-US" sz="2400" dirty="0"/>
+              <a:t>Electromyograph (EMG)</a:t>
+            </a:r>
+          </a:p>
+          <a:p>
+            <a:r>
+              <a:rPr lang="en-US" sz="2400" dirty="0"/>
+              <a:t>Surface electromyograph (</a:t>
+            </a:r>
+            <a:r>
+              <a:rPr lang="en-US" sz="2400" dirty="0" err="1"/>
+              <a:t>sEMG</a:t>
+            </a:r>
+            <a:r>
+              <a:rPr lang="en-US" sz="2400" dirty="0"/>
+              <a:t>)</a:t>
+            </a:r>
+          </a:p>
+        </p:txBody>
+      </p:sp>
+      <p:pic>
+        <p:nvPicPr>
+          <p:cNvPr id="5" name="Picture 4">
+            <a:extLst>
+              <a:ext uri="{FF2B5EF4-FFF2-40B4-BE49-F238E27FC236}">
+                <a16:creationId xmlns:a16="http://schemas.microsoft.com/office/drawing/2014/main" id="{E4644C53-8987-B84A-98E2-9B2873F8AF4F}"/>
+              </a:ext>
+            </a:extLst>
+          </p:cNvPr>
+          <p:cNvPicPr>
+            <a:picLocks noChangeAspect="1"/>
+          </p:cNvPicPr>
+          <p:nvPr/>
+        </p:nvPicPr>
+        <p:blipFill>
+          <a:blip r:embed="rId2"/>
+          <a:stretch>
+            <a:fillRect/>
+          </a:stretch>
+        </p:blipFill>
+        <p:spPr>
+          <a:xfrm>
+            <a:off x="4521242" y="3461998"/>
+            <a:ext cx="4898627" cy="2755478"/>
+          </a:xfrm>
+          <a:prstGeom prst="rect">
+            <a:avLst/>
+          </a:prstGeom>
+        </p:spPr>
+      </p:pic>
+      <p:sp>
+        <p:nvSpPr>
+          <p:cNvPr id="8" name="Content Placeholder 2">
+            <a:extLst>
+              <a:ext uri="{FF2B5EF4-FFF2-40B4-BE49-F238E27FC236}">
+                <a16:creationId xmlns:a16="http://schemas.microsoft.com/office/drawing/2014/main" id="{1DCA951E-92B4-3F44-A0C3-10C6900C86C8}"/>
+              </a:ext>
+            </a:extLst>
+          </p:cNvPr>
+          <p:cNvSpPr txBox="1">
+            <a:spLocks/>
+          </p:cNvSpPr>
+          <p:nvPr/>
+        </p:nvSpPr>
+        <p:spPr>
+          <a:xfrm>
+            <a:off x="240863" y="6346182"/>
+            <a:ext cx="9961166" cy="452062"/>
+          </a:xfrm>
+          <a:prstGeom prst="rect">
+            <a:avLst/>
+          </a:prstGeom>
+        </p:spPr>
+        <p:txBody>
+          <a:bodyPr vert="horz" lIns="91440" tIns="45720" rIns="91440" bIns="45720" rtlCol="0" anchor="ctr">
+            <a:normAutofit/>
+          </a:bodyPr>
+          <a:lstStyle>
+            <a:lvl1pPr marL="228600" indent="-228600" algn="l" defTabSz="914400" rtl="0" eaLnBrk="1" latinLnBrk="0" hangingPunct="1">
+              <a:lnSpc>
+                <a:spcPct val="90000"/>
+              </a:lnSpc>
+              <a:spcBef>
+                <a:spcPts val="1000"/>
+              </a:spcBef>
+              <a:buFont typeface="Arial" panose="020B0604020202020204" pitchFamily="34" charset="0"/>
+              <a:buChar char="•"/>
+              <a:defRPr sz="2800" kern="1200">
+                <a:solidFill>
+                  <a:schemeClr val="tx1"/>
+                </a:solidFill>
+                <a:latin typeface="+mn-lt"/>
+                <a:ea typeface="+mn-ea"/>
+                <a:cs typeface="+mn-cs"/>
+              </a:defRPr>
+            </a:lvl1pPr>
+            <a:lvl2pPr marL="685800" indent="-228600" algn="l" defTabSz="914400" rtl="0" eaLnBrk="1" latinLnBrk="0" hangingPunct="1">
+              <a:lnSpc>
+                <a:spcPct val="90000"/>
+              </a:lnSpc>
+              <a:spcBef>
+                <a:spcPts val="500"/>
+              </a:spcBef>
+              <a:buFont typeface="Arial" panose="020B0604020202020204" pitchFamily="34" charset="0"/>
+              <a:buChar char="•"/>
+              <a:defRPr sz="2400" kern="1200">
+                <a:solidFill>
+                  <a:schemeClr val="tx1"/>
+                </a:solidFill>
+                <a:latin typeface="+mn-lt"/>
+                <a:ea typeface="+mn-ea"/>
+                <a:cs typeface="+mn-cs"/>
+              </a:defRPr>
+            </a:lvl2pPr>
+            <a:lvl3pPr marL="1143000" indent="-228600" algn="l" defTabSz="914400" rtl="0" eaLnBrk="1" latinLnBrk="0" hangingPunct="1">
+              <a:lnSpc>
+                <a:spcPct val="90000"/>
+              </a:lnSpc>
+              <a:spcBef>
+                <a:spcPts val="500"/>
+              </a:spcBef>
+              <a:buFont typeface="Arial" panose="020B0604020202020204" pitchFamily="34" charset="0"/>
+              <a:buChar char="•"/>
+              <a:defRPr sz="2000" kern="1200">
+                <a:solidFill>
+                  <a:schemeClr val="tx1"/>
+                </a:solidFill>
+                <a:latin typeface="+mn-lt"/>
+                <a:ea typeface="+mn-ea"/>
+                <a:cs typeface="+mn-cs"/>
+              </a:defRPr>
+            </a:lvl3pPr>
+            <a:lvl4pPr marL="1600200" indent="-228600" algn="l" defTabSz="914400" rtl="0" eaLnBrk="1" latinLnBrk="0" hangingPunct="1">
+              <a:lnSpc>
+                <a:spcPct val="90000"/>
+              </a:lnSpc>
+              <a:spcBef>
+                <a:spcPts val="500"/>
+              </a:spcBef>
+              <a:buFont typeface="Arial" panose="020B0604020202020204" pitchFamily="34" charset="0"/>
+              <a:buChar char="•"/>
+              <a:defRPr sz="1800" kern="1200">
+                <a:solidFill>
+                  <a:schemeClr val="tx1"/>
+                </a:solidFill>
+                <a:latin typeface="+mn-lt"/>
+                <a:ea typeface="+mn-ea"/>
+                <a:cs typeface="+mn-cs"/>
+              </a:defRPr>
+            </a:lvl4pPr>
+            <a:lvl5pPr marL="2057400" indent="-228600" algn="l" defTabSz="914400" rtl="0" eaLnBrk="1" latinLnBrk="0" hangingPunct="1">
+              <a:lnSpc>
+                <a:spcPct val="90000"/>
+              </a:lnSpc>
+              <a:spcBef>
+                <a:spcPts val="500"/>
+              </a:spcBef>
+              <a:buFont typeface="Arial" panose="020B0604020202020204" pitchFamily="34" charset="0"/>
+              <a:buChar char="•"/>
+              <a:defRPr sz="1800" kern="1200">
+                <a:solidFill>
+                  <a:schemeClr val="tx1"/>
+                </a:solidFill>
+                <a:latin typeface="+mn-lt"/>
+                <a:ea typeface="+mn-ea"/>
+                <a:cs typeface="+mn-cs"/>
+              </a:defRPr>
+            </a:lvl5pPr>
+            <a:lvl6pPr marL="2514600" indent="-228600" algn="l" defTabSz="914400" rtl="0" eaLnBrk="1" latinLnBrk="0" hangingPunct="1">
+              <a:lnSpc>
+                <a:spcPct val="90000"/>
+              </a:lnSpc>
+              <a:spcBef>
+                <a:spcPts val="500"/>
+              </a:spcBef>
+              <a:buFont typeface="Arial" panose="020B0604020202020204" pitchFamily="34" charset="0"/>
+              <a:buChar char="•"/>
+              <a:defRPr sz="1800" kern="1200">
+                <a:solidFill>
+                  <a:schemeClr val="tx1"/>
+                </a:solidFill>
+                <a:latin typeface="+mn-lt"/>
+                <a:ea typeface="+mn-ea"/>
+                <a:cs typeface="+mn-cs"/>
+              </a:defRPr>
+            </a:lvl6pPr>
+            <a:lvl7pPr marL="2971800" indent="-228600" algn="l" defTabSz="914400" rtl="0" eaLnBrk="1" latinLnBrk="0" hangingPunct="1">
+              <a:lnSpc>
+                <a:spcPct val="90000"/>
+              </a:lnSpc>
+              <a:spcBef>
+                <a:spcPts val="500"/>
+              </a:spcBef>
+              <a:buFont typeface="Arial" panose="020B0604020202020204" pitchFamily="34" charset="0"/>
+              <a:buChar char="•"/>
+              <a:defRPr sz="1800" kern="1200">
+                <a:solidFill>
+                  <a:schemeClr val="tx1"/>
+                </a:solidFill>
+                <a:latin typeface="+mn-lt"/>
+                <a:ea typeface="+mn-ea"/>
+                <a:cs typeface="+mn-cs"/>
+              </a:defRPr>
+            </a:lvl7pPr>
+            <a:lvl8pPr marL="3429000" indent="-228600" algn="l" defTabSz="914400" rtl="0" eaLnBrk="1" latinLnBrk="0" hangingPunct="1">
+              <a:lnSpc>
+                <a:spcPct val="90000"/>
+              </a:lnSpc>
+              <a:spcBef>
+                <a:spcPts val="500"/>
+              </a:spcBef>
+              <a:buFont typeface="Arial" panose="020B0604020202020204" pitchFamily="34" charset="0"/>
+              <a:buChar char="•"/>
+              <a:defRPr sz="1800" kern="1200">
+                <a:solidFill>
+                  <a:schemeClr val="tx1"/>
+                </a:solidFill>
+                <a:latin typeface="+mn-lt"/>
+                <a:ea typeface="+mn-ea"/>
+                <a:cs typeface="+mn-cs"/>
+              </a:defRPr>
+            </a:lvl8pPr>
+            <a:lvl9pPr marL="3886200" indent="-228600" algn="l" defTabSz="914400" rtl="0" eaLnBrk="1" latinLnBrk="0" hangingPunct="1">
+              <a:lnSpc>
+                <a:spcPct val="90000"/>
+              </a:lnSpc>
+              <a:spcBef>
+                <a:spcPts val="500"/>
+              </a:spcBef>
+              <a:buFont typeface="Arial" panose="020B0604020202020204" pitchFamily="34" charset="0"/>
+              <a:buChar char="•"/>
+              <a:defRPr sz="1800" kern="1200">
+                <a:solidFill>
+                  <a:schemeClr val="tx1"/>
+                </a:solidFill>
+                <a:latin typeface="+mn-lt"/>
+                <a:ea typeface="+mn-ea"/>
+                <a:cs typeface="+mn-cs"/>
+              </a:defRPr>
+            </a:lvl9pPr>
+          </a:lstStyle>
+          <a:p>
+            <a:pPr marL="0" indent="0">
+              <a:buNone/>
+            </a:pPr>
+            <a:r>
+              <a:rPr lang="en-US" sz="1600" i="1" dirty="0">
+                <a:solidFill>
+                  <a:schemeClr val="bg2">
+                    <a:lumMod val="50000"/>
+                  </a:schemeClr>
+                </a:solidFill>
+              </a:rPr>
+              <a:t>Photo credit: </a:t>
+            </a:r>
+            <a:r>
+              <a:rPr lang="en-US" sz="1600" i="1" dirty="0" err="1">
+                <a:solidFill>
+                  <a:schemeClr val="bg2">
+                    <a:lumMod val="50000"/>
+                  </a:schemeClr>
+                </a:solidFill>
+              </a:rPr>
+              <a:t>sEMG</a:t>
+            </a:r>
+            <a:r>
+              <a:rPr lang="en-US" sz="1600" i="1" dirty="0">
+                <a:solidFill>
+                  <a:schemeClr val="bg2">
+                    <a:lumMod val="50000"/>
+                  </a:schemeClr>
+                </a:solidFill>
+              </a:rPr>
+              <a:t> paddles – </a:t>
+            </a:r>
+            <a:r>
+              <a:rPr lang="en-US" sz="1600" i="1" dirty="0" err="1">
+                <a:solidFill>
+                  <a:schemeClr val="bg2">
+                    <a:lumMod val="50000"/>
+                  </a:schemeClr>
+                </a:solidFill>
+              </a:rPr>
+              <a:t>adafruit.com</a:t>
+            </a:r>
+            <a:r>
+              <a:rPr lang="en-US" sz="1600" i="1" dirty="0">
+                <a:solidFill>
+                  <a:schemeClr val="bg2">
+                    <a:lumMod val="50000"/>
+                  </a:schemeClr>
+                </a:solidFill>
+              </a:rPr>
+              <a:t>; MYO armband – </a:t>
+            </a:r>
+            <a:r>
+              <a:rPr lang="en-US" sz="1600" i="1" dirty="0" err="1">
+                <a:solidFill>
+                  <a:schemeClr val="bg2">
+                    <a:lumMod val="50000"/>
+                  </a:schemeClr>
+                </a:solidFill>
+              </a:rPr>
+              <a:t>Focals</a:t>
+            </a:r>
+            <a:r>
+              <a:rPr lang="en-US" sz="1600" i="1" dirty="0">
+                <a:solidFill>
+                  <a:schemeClr val="bg2">
+                    <a:lumMod val="50000"/>
+                  </a:schemeClr>
+                </a:solidFill>
+              </a:rPr>
+              <a:t> by North </a:t>
+            </a:r>
+          </a:p>
+        </p:txBody>
+      </p:sp>
+      <p:pic>
+        <p:nvPicPr>
+          <p:cNvPr id="7" name="Picture 6">
+            <a:extLst>
+              <a:ext uri="{FF2B5EF4-FFF2-40B4-BE49-F238E27FC236}">
+                <a16:creationId xmlns:a16="http://schemas.microsoft.com/office/drawing/2014/main" id="{FF60AF07-D70B-C749-A242-E9ED0A173DAF}"/>
+              </a:ext>
+            </a:extLst>
+          </p:cNvPr>
+          <p:cNvPicPr>
+            <a:picLocks noChangeAspect="1"/>
+          </p:cNvPicPr>
+          <p:nvPr/>
+        </p:nvPicPr>
+        <p:blipFill>
+          <a:blip r:embed="rId3"/>
+          <a:stretch>
+            <a:fillRect/>
+          </a:stretch>
+        </p:blipFill>
+        <p:spPr>
+          <a:xfrm>
+            <a:off x="377480" y="917554"/>
+            <a:ext cx="4843966" cy="3635471"/>
+          </a:xfrm>
+          <a:prstGeom prst="rect">
+            <a:avLst/>
+          </a:prstGeom>
+        </p:spPr>
+      </p:pic>
+    </p:spTree>
+    <p:extLst>
+      <p:ext uri="{BB962C8B-B14F-4D97-AF65-F5344CB8AC3E}">
+        <p14:creationId xmlns:p14="http://schemas.microsoft.com/office/powerpoint/2010/main" val="1548944418"/>
+      </p:ext>
+    </p:extLst>
+  </p:cSld>
+  <p:clrMapOvr>
+    <a:masterClrMapping/>
+  </p:clrMapOvr>
+</p:sld>
+</file>
+
+<file path=ppt/slides/slide4.xml><?xml version="1.0" encoding="utf-8"?>
+<p:sld xmlns:a="http://schemas.openxmlformats.org/drawingml/2006/main" xmlns:r="http://schemas.openxmlformats.org/officeDocument/2006/relationships" xmlns:p="http://schemas.openxmlformats.org/presentationml/2006/main">
+  <p:cSld>
+    <p:spTree>
+      <p:nvGrpSpPr>
+        <p:cNvPr id="1" name=""/>
+        <p:cNvGrpSpPr/>
+        <p:nvPr/>
+      </p:nvGrpSpPr>
+      <p:grpSpPr>
+        <a:xfrm>
+          <a:off x="0" y="0"/>
+          <a:ext cx="0" cy="0"/>
+          <a:chOff x="0" y="0"/>
+          <a:chExt cx="0" cy="0"/>
+        </a:xfrm>
+      </p:grpSpPr>
+      <p:sp>
+        <p:nvSpPr>
+          <p:cNvPr id="3" name="Content Placeholder 2">
+            <a:extLst>
+              <a:ext uri="{FF2B5EF4-FFF2-40B4-BE49-F238E27FC236}">
+                <a16:creationId xmlns:a16="http://schemas.microsoft.com/office/drawing/2014/main" id="{625E8EB1-9EFF-F94E-ACEC-5A50C32B3BC3}"/>
+              </a:ext>
+            </a:extLst>
+          </p:cNvPr>
+          <p:cNvSpPr>
+            <a:spLocks noGrp="1"/>
+          </p:cNvSpPr>
+          <p:nvPr>
+            <p:ph idx="1"/>
+          </p:nvPr>
+        </p:nvSpPr>
+        <p:spPr/>
+        <p:txBody>
+          <a:bodyPr/>
+          <a:lstStyle/>
+          <a:p>
+            <a:endParaRPr lang="en-US"/>
+          </a:p>
+        </p:txBody>
+      </p:sp>
+      <p:sp>
+        <p:nvSpPr>
+          <p:cNvPr id="4" name="Title 1">
+            <a:extLst>
+              <a:ext uri="{FF2B5EF4-FFF2-40B4-BE49-F238E27FC236}">
+                <a16:creationId xmlns:a16="http://schemas.microsoft.com/office/drawing/2014/main" id="{DC1A6432-EA92-0644-8C78-3E37F7C488EC}"/>
+              </a:ext>
+            </a:extLst>
+          </p:cNvPr>
+          <p:cNvSpPr txBox="1">
+            <a:spLocks/>
+          </p:cNvSpPr>
+          <p:nvPr/>
+        </p:nvSpPr>
+        <p:spPr>
+          <a:xfrm>
+            <a:off x="377480" y="188462"/>
+            <a:ext cx="9894133" cy="729092"/>
+          </a:xfrm>
+          <a:prstGeom prst="rect">
+            <a:avLst/>
+          </a:prstGeom>
+        </p:spPr>
+        <p:txBody>
+          <a:bodyPr vert="horz" lIns="91440" tIns="45720" rIns="91440" bIns="45720" rtlCol="0" anchor="b">
+            <a:normAutofit/>
+          </a:bodyPr>
+          <a:lstStyle>
+            <a:lvl1pPr algn="l" defTabSz="914400" rtl="0" eaLnBrk="1" latinLnBrk="0" hangingPunct="1">
+              <a:lnSpc>
+                <a:spcPct val="90000"/>
+              </a:lnSpc>
+              <a:spcBef>
+                <a:spcPct val="0"/>
+              </a:spcBef>
+              <a:buNone/>
+              <a:defRPr sz="4400" kern="1200">
+                <a:solidFill>
+                  <a:schemeClr val="tx1"/>
+                </a:solidFill>
+                <a:latin typeface="+mj-lt"/>
+                <a:ea typeface="+mj-ea"/>
+                <a:cs typeface="+mj-cs"/>
+              </a:defRPr>
+            </a:lvl1pPr>
+          </a:lstStyle>
+          <a:p>
+            <a:r>
+              <a:rPr lang="en-US" dirty="0"/>
+              <a:t>Problem Description</a:t>
+            </a:r>
+          </a:p>
+        </p:txBody>
+      </p:sp>
+    </p:spTree>
+    <p:extLst>
+      <p:ext uri="{BB962C8B-B14F-4D97-AF65-F5344CB8AC3E}">
+        <p14:creationId xmlns:p14="http://schemas.microsoft.com/office/powerpoint/2010/main" val="837682627"/>
+      </p:ext>
+    </p:extLst>
+  </p:cSld>
+  <p:clrMapOvr>
+    <a:masterClrMapping/>
+  </p:clrMapOvr>
+</p:sld>
+</file>
+
+<file path=ppt/slides/slide5.xml><?xml version="1.0" encoding="utf-8"?>
+<p:sld xmlns:a="http://schemas.openxmlformats.org/drawingml/2006/main" xmlns:r="http://schemas.openxmlformats.org/officeDocument/2006/relationships" xmlns:p="http://schemas.openxmlformats.org/presentationml/2006/main">
+  <p:cSld>
+    <p:spTree>
+      <p:nvGrpSpPr>
+        <p:cNvPr id="1" name=""/>
+        <p:cNvGrpSpPr/>
+        <p:nvPr/>
+      </p:nvGrpSpPr>
+      <p:grpSpPr>
+        <a:xfrm>
+          <a:off x="0" y="0"/>
+          <a:ext cx="0" cy="0"/>
+          <a:chOff x="0" y="0"/>
+          <a:chExt cx="0" cy="0"/>
+        </a:xfrm>
+      </p:grpSpPr>
+      <p:sp>
+        <p:nvSpPr>
+          <p:cNvPr id="4" name="Title 1">
+            <a:extLst>
+              <a:ext uri="{FF2B5EF4-FFF2-40B4-BE49-F238E27FC236}">
+                <a16:creationId xmlns:a16="http://schemas.microsoft.com/office/drawing/2014/main" id="{74BD6D42-53C2-C44A-92D9-2A158BE08DF7}"/>
+              </a:ext>
+            </a:extLst>
+          </p:cNvPr>
+          <p:cNvSpPr txBox="1">
+            <a:spLocks/>
+          </p:cNvSpPr>
+          <p:nvPr/>
+        </p:nvSpPr>
+        <p:spPr>
+          <a:xfrm>
+            <a:off x="377480" y="188462"/>
+            <a:ext cx="9894133" cy="729092"/>
+          </a:xfrm>
+          <a:prstGeom prst="rect">
+            <a:avLst/>
+          </a:prstGeom>
+        </p:spPr>
+        <p:txBody>
+          <a:bodyPr vert="horz" lIns="91440" tIns="45720" rIns="91440" bIns="45720" rtlCol="0" anchor="b">
+            <a:normAutofit/>
+          </a:bodyPr>
+          <a:lstStyle>
+            <a:lvl1pPr algn="l" defTabSz="914400" rtl="0" eaLnBrk="1" latinLnBrk="0" hangingPunct="1">
+              <a:lnSpc>
+                <a:spcPct val="90000"/>
+              </a:lnSpc>
+              <a:spcBef>
+                <a:spcPct val="0"/>
+              </a:spcBef>
+              <a:buNone/>
+              <a:defRPr sz="4400" kern="1200">
+                <a:solidFill>
+                  <a:schemeClr val="tx1"/>
+                </a:solidFill>
+                <a:latin typeface="+mj-lt"/>
+                <a:ea typeface="+mj-ea"/>
+                <a:cs typeface="+mj-cs"/>
+              </a:defRPr>
+            </a:lvl1pPr>
+          </a:lstStyle>
+          <a:p>
+            <a:r>
+              <a:rPr lang="en-US" dirty="0"/>
+              <a:t>Data Set &amp; Current Challenges</a:t>
+            </a:r>
+          </a:p>
+        </p:txBody>
+      </p:sp>
+      <p:sp>
+        <p:nvSpPr>
+          <p:cNvPr id="7" name="Content Placeholder 2">
+            <a:extLst>
+              <a:ext uri="{FF2B5EF4-FFF2-40B4-BE49-F238E27FC236}">
+                <a16:creationId xmlns:a16="http://schemas.microsoft.com/office/drawing/2014/main" id="{03147DF7-FB18-774F-91CC-5808B676916A}"/>
+              </a:ext>
+            </a:extLst>
+          </p:cNvPr>
+          <p:cNvSpPr txBox="1">
+            <a:spLocks/>
+          </p:cNvSpPr>
+          <p:nvPr/>
+        </p:nvSpPr>
+        <p:spPr>
+          <a:xfrm>
+            <a:off x="377480" y="1198951"/>
+            <a:ext cx="3451570" cy="1514769"/>
+          </a:xfrm>
+          <a:prstGeom prst="rect">
+            <a:avLst/>
+          </a:prstGeom>
+        </p:spPr>
+        <p:txBody>
+          <a:bodyPr vert="horz" lIns="91440" tIns="45720" rIns="91440" bIns="45720" rtlCol="0" anchor="ctr">
+            <a:normAutofit/>
+          </a:bodyPr>
+          <a:lstStyle>
+            <a:lvl1pPr marL="228600" indent="-228600" algn="l" defTabSz="914400" rtl="0" eaLnBrk="1" latinLnBrk="0" hangingPunct="1">
+              <a:lnSpc>
+                <a:spcPct val="90000"/>
+              </a:lnSpc>
+              <a:spcBef>
+                <a:spcPts val="1000"/>
+              </a:spcBef>
+              <a:buFont typeface="Arial" panose="020B0604020202020204" pitchFamily="34" charset="0"/>
+              <a:buChar char="•"/>
+              <a:defRPr sz="2800" kern="1200">
+                <a:solidFill>
+                  <a:schemeClr val="tx1"/>
+                </a:solidFill>
+                <a:latin typeface="+mn-lt"/>
+                <a:ea typeface="+mn-ea"/>
+                <a:cs typeface="+mn-cs"/>
+              </a:defRPr>
+            </a:lvl1pPr>
+            <a:lvl2pPr marL="685800" indent="-228600" algn="l" defTabSz="914400" rtl="0" eaLnBrk="1" latinLnBrk="0" hangingPunct="1">
+              <a:lnSpc>
+                <a:spcPct val="90000"/>
+              </a:lnSpc>
+              <a:spcBef>
+                <a:spcPts val="500"/>
+              </a:spcBef>
+              <a:buFont typeface="Arial" panose="020B0604020202020204" pitchFamily="34" charset="0"/>
+              <a:buChar char="•"/>
+              <a:defRPr sz="2400" kern="1200">
+                <a:solidFill>
+                  <a:schemeClr val="tx1"/>
+                </a:solidFill>
+                <a:latin typeface="+mn-lt"/>
+                <a:ea typeface="+mn-ea"/>
+                <a:cs typeface="+mn-cs"/>
+              </a:defRPr>
+            </a:lvl2pPr>
+            <a:lvl3pPr marL="1143000" indent="-228600" algn="l" defTabSz="914400" rtl="0" eaLnBrk="1" latinLnBrk="0" hangingPunct="1">
+              <a:lnSpc>
+                <a:spcPct val="90000"/>
+              </a:lnSpc>
+              <a:spcBef>
+                <a:spcPts val="500"/>
+              </a:spcBef>
+              <a:buFont typeface="Arial" panose="020B0604020202020204" pitchFamily="34" charset="0"/>
+              <a:buChar char="•"/>
+              <a:defRPr sz="2000" kern="1200">
+                <a:solidFill>
+                  <a:schemeClr val="tx1"/>
+                </a:solidFill>
+                <a:latin typeface="+mn-lt"/>
+                <a:ea typeface="+mn-ea"/>
+                <a:cs typeface="+mn-cs"/>
+              </a:defRPr>
+            </a:lvl3pPr>
+            <a:lvl4pPr marL="1600200" indent="-228600" algn="l" defTabSz="914400" rtl="0" eaLnBrk="1" latinLnBrk="0" hangingPunct="1">
+              <a:lnSpc>
+                <a:spcPct val="90000"/>
+              </a:lnSpc>
+              <a:spcBef>
+                <a:spcPts val="500"/>
+              </a:spcBef>
+              <a:buFont typeface="Arial" panose="020B0604020202020204" pitchFamily="34" charset="0"/>
+              <a:buChar char="•"/>
+              <a:defRPr sz="1800" kern="1200">
+                <a:solidFill>
+                  <a:schemeClr val="tx1"/>
+                </a:solidFill>
+                <a:latin typeface="+mn-lt"/>
+                <a:ea typeface="+mn-ea"/>
+                <a:cs typeface="+mn-cs"/>
+              </a:defRPr>
+            </a:lvl4pPr>
+            <a:lvl5pPr marL="2057400" indent="-228600" algn="l" defTabSz="914400" rtl="0" eaLnBrk="1" latinLnBrk="0" hangingPunct="1">
+              <a:lnSpc>
+                <a:spcPct val="90000"/>
+              </a:lnSpc>
+              <a:spcBef>
+                <a:spcPts val="500"/>
+              </a:spcBef>
+              <a:buFont typeface="Arial" panose="020B0604020202020204" pitchFamily="34" charset="0"/>
+              <a:buChar char="•"/>
+              <a:defRPr sz="1800" kern="1200">
+                <a:solidFill>
+                  <a:schemeClr val="tx1"/>
+                </a:solidFill>
+                <a:latin typeface="+mn-lt"/>
+                <a:ea typeface="+mn-ea"/>
+                <a:cs typeface="+mn-cs"/>
+              </a:defRPr>
+            </a:lvl5pPr>
+            <a:lvl6pPr marL="2514600" indent="-228600" algn="l" defTabSz="914400" rtl="0" eaLnBrk="1" latinLnBrk="0" hangingPunct="1">
+              <a:lnSpc>
+                <a:spcPct val="90000"/>
+              </a:lnSpc>
+              <a:spcBef>
+                <a:spcPts val="500"/>
+              </a:spcBef>
+              <a:buFont typeface="Arial" panose="020B0604020202020204" pitchFamily="34" charset="0"/>
+              <a:buChar char="•"/>
+              <a:defRPr sz="1800" kern="1200">
+                <a:solidFill>
+                  <a:schemeClr val="tx1"/>
+                </a:solidFill>
+                <a:latin typeface="+mn-lt"/>
+                <a:ea typeface="+mn-ea"/>
+                <a:cs typeface="+mn-cs"/>
+              </a:defRPr>
+            </a:lvl6pPr>
+            <a:lvl7pPr marL="2971800" indent="-228600" algn="l" defTabSz="914400" rtl="0" eaLnBrk="1" latinLnBrk="0" hangingPunct="1">
+              <a:lnSpc>
+                <a:spcPct val="90000"/>
+              </a:lnSpc>
+              <a:spcBef>
+                <a:spcPts val="500"/>
+              </a:spcBef>
+              <a:buFont typeface="Arial" panose="020B0604020202020204" pitchFamily="34" charset="0"/>
+              <a:buChar char="•"/>
+              <a:defRPr sz="1800" kern="1200">
+                <a:solidFill>
+                  <a:schemeClr val="tx1"/>
+                </a:solidFill>
+                <a:latin typeface="+mn-lt"/>
+                <a:ea typeface="+mn-ea"/>
+                <a:cs typeface="+mn-cs"/>
+              </a:defRPr>
+            </a:lvl7pPr>
+            <a:lvl8pPr marL="3429000" indent="-228600" algn="l" defTabSz="914400" rtl="0" eaLnBrk="1" latinLnBrk="0" hangingPunct="1">
+              <a:lnSpc>
+                <a:spcPct val="90000"/>
+              </a:lnSpc>
+              <a:spcBef>
+                <a:spcPts val="500"/>
+              </a:spcBef>
+              <a:buFont typeface="Arial" panose="020B0604020202020204" pitchFamily="34" charset="0"/>
+              <a:buChar char="•"/>
+              <a:defRPr sz="1800" kern="1200">
+                <a:solidFill>
+                  <a:schemeClr val="tx1"/>
+                </a:solidFill>
+                <a:latin typeface="+mn-lt"/>
+                <a:ea typeface="+mn-ea"/>
+                <a:cs typeface="+mn-cs"/>
+              </a:defRPr>
+            </a:lvl8pPr>
+            <a:lvl9pPr marL="3886200" indent="-228600" algn="l" defTabSz="914400" rtl="0" eaLnBrk="1" latinLnBrk="0" hangingPunct="1">
+              <a:lnSpc>
+                <a:spcPct val="90000"/>
+              </a:lnSpc>
+              <a:spcBef>
+                <a:spcPts val="500"/>
+              </a:spcBef>
+              <a:buFont typeface="Arial" panose="020B0604020202020204" pitchFamily="34" charset="0"/>
+              <a:buChar char="•"/>
+              <a:defRPr sz="1800" kern="1200">
+                <a:solidFill>
+                  <a:schemeClr val="tx1"/>
+                </a:solidFill>
+                <a:latin typeface="+mn-lt"/>
+                <a:ea typeface="+mn-ea"/>
+                <a:cs typeface="+mn-cs"/>
+              </a:defRPr>
+            </a:lvl9pPr>
+          </a:lstStyle>
+          <a:p>
+            <a:r>
+              <a:rPr lang="en-US" sz="2400" dirty="0"/>
+              <a:t>36 test subjects</a:t>
+            </a:r>
+          </a:p>
+          <a:p>
+            <a:r>
+              <a:rPr lang="en-US" sz="2400" dirty="0"/>
+              <a:t>6 distinct gestures</a:t>
+            </a:r>
+          </a:p>
+          <a:p>
+            <a:r>
+              <a:rPr lang="en-US" sz="2400" dirty="0"/>
+              <a:t>8 signal channels</a:t>
+            </a:r>
+          </a:p>
+        </p:txBody>
+      </p:sp>
+      <p:pic>
+        <p:nvPicPr>
+          <p:cNvPr id="11" name="Picture 10">
+            <a:extLst>
+              <a:ext uri="{FF2B5EF4-FFF2-40B4-BE49-F238E27FC236}">
+                <a16:creationId xmlns:a16="http://schemas.microsoft.com/office/drawing/2014/main" id="{17602641-AA83-C743-B0EC-BA4C0F3F1131}"/>
+              </a:ext>
+            </a:extLst>
+          </p:cNvPr>
+          <p:cNvPicPr>
+            <a:picLocks noChangeAspect="1"/>
+          </p:cNvPicPr>
+          <p:nvPr/>
+        </p:nvPicPr>
+        <p:blipFill>
+          <a:blip r:embed="rId2"/>
+          <a:stretch>
+            <a:fillRect/>
+          </a:stretch>
+        </p:blipFill>
+        <p:spPr>
+          <a:xfrm>
+            <a:off x="3829050" y="1197752"/>
+            <a:ext cx="8030774" cy="5470587"/>
+          </a:xfrm>
+          <a:prstGeom prst="rect">
+            <a:avLst/>
+          </a:prstGeom>
+        </p:spPr>
+      </p:pic>
+    </p:spTree>
+    <p:extLst>
+      <p:ext uri="{BB962C8B-B14F-4D97-AF65-F5344CB8AC3E}">
+        <p14:creationId xmlns:p14="http://schemas.microsoft.com/office/powerpoint/2010/main" val="1891592456"/>
+      </p:ext>
+    </p:extLst>
+  </p:cSld>
+  <p:clrMapOvr>
+    <a:masterClrMapping/>
+  </p:clrMapOvr>
+</p:sld>
+</file>
+
+<file path=ppt/slides/slide6.xml><?xml version="1.0" encoding="utf-8"?>
+<p:sld xmlns:a="http://schemas.openxmlformats.org/drawingml/2006/main" xmlns:r="http://schemas.openxmlformats.org/officeDocument/2006/relationships" xmlns:p="http://schemas.openxmlformats.org/presentationml/2006/main">
+  <p:cSld>
+    <p:spTree>
+      <p:nvGrpSpPr>
+        <p:cNvPr id="1" name=""/>
+        <p:cNvGrpSpPr/>
+        <p:nvPr/>
+      </p:nvGrpSpPr>
+      <p:grpSpPr>
+        <a:xfrm>
+          <a:off x="0" y="0"/>
+          <a:ext cx="0" cy="0"/>
+          <a:chOff x="0" y="0"/>
+          <a:chExt cx="0" cy="0"/>
+        </a:xfrm>
+      </p:grpSpPr>
+      <p:sp>
+        <p:nvSpPr>
+          <p:cNvPr id="3" name="Content Placeholder 2">
+            <a:extLst>
+              <a:ext uri="{FF2B5EF4-FFF2-40B4-BE49-F238E27FC236}">
+                <a16:creationId xmlns:a16="http://schemas.microsoft.com/office/drawing/2014/main" id="{625E8EB1-9EFF-F94E-ACEC-5A50C32B3BC3}"/>
+              </a:ext>
+            </a:extLst>
+          </p:cNvPr>
+          <p:cNvSpPr>
+            <a:spLocks noGrp="1"/>
+          </p:cNvSpPr>
+          <p:nvPr>
+            <p:ph idx="1"/>
+          </p:nvPr>
+        </p:nvSpPr>
+        <p:spPr/>
+        <p:txBody>
+          <a:bodyPr/>
+          <a:lstStyle/>
+          <a:p>
+            <a:endParaRPr lang="en-US"/>
+          </a:p>
+        </p:txBody>
+      </p:sp>
+      <p:sp>
+        <p:nvSpPr>
+          <p:cNvPr id="4" name="Title 1">
+            <a:extLst>
+              <a:ext uri="{FF2B5EF4-FFF2-40B4-BE49-F238E27FC236}">
+                <a16:creationId xmlns:a16="http://schemas.microsoft.com/office/drawing/2014/main" id="{8636B9E8-D57D-184A-9580-938705D1F0BB}"/>
+              </a:ext>
+            </a:extLst>
+          </p:cNvPr>
+          <p:cNvSpPr txBox="1">
+            <a:spLocks/>
+          </p:cNvSpPr>
+          <p:nvPr/>
+        </p:nvSpPr>
+        <p:spPr>
+          <a:xfrm>
+            <a:off x="377480" y="188462"/>
+            <a:ext cx="9894133" cy="729092"/>
+          </a:xfrm>
+          <a:prstGeom prst="rect">
+            <a:avLst/>
+          </a:prstGeom>
+        </p:spPr>
+        <p:txBody>
+          <a:bodyPr vert="horz" lIns="91440" tIns="45720" rIns="91440" bIns="45720" rtlCol="0" anchor="b">
+            <a:normAutofit/>
+          </a:bodyPr>
+          <a:lstStyle>
+            <a:lvl1pPr algn="l" defTabSz="914400" rtl="0" eaLnBrk="1" latinLnBrk="0" hangingPunct="1">
+              <a:lnSpc>
+                <a:spcPct val="90000"/>
+              </a:lnSpc>
+              <a:spcBef>
+                <a:spcPct val="0"/>
+              </a:spcBef>
+              <a:buNone/>
+              <a:defRPr sz="4400" kern="1200">
+                <a:solidFill>
+                  <a:schemeClr val="tx1"/>
+                </a:solidFill>
+                <a:latin typeface="+mj-lt"/>
+                <a:ea typeface="+mj-ea"/>
+                <a:cs typeface="+mj-cs"/>
+              </a:defRPr>
+            </a:lvl1pPr>
+          </a:lstStyle>
+          <a:p>
+            <a:r>
+              <a:rPr lang="en-US" dirty="0"/>
+              <a:t>Pipeline Concept</a:t>
+            </a:r>
+          </a:p>
+        </p:txBody>
+      </p:sp>
+    </p:spTree>
+    <p:extLst>
+      <p:ext uri="{BB962C8B-B14F-4D97-AF65-F5344CB8AC3E}">
+        <p14:creationId xmlns:p14="http://schemas.microsoft.com/office/powerpoint/2010/main" val="4145401240"/>
+      </p:ext>
+    </p:extLst>
+  </p:cSld>
+  <p:clrMapOvr>
+    <a:masterClrMapping/>
+  </p:clrMapOvr>
+</p:sld>
+</file>
+
+<file path=ppt/slides/slide7.xml><?xml version="1.0" encoding="utf-8"?>
+<p:sld xmlns:a="http://schemas.openxmlformats.org/drawingml/2006/main" xmlns:r="http://schemas.openxmlformats.org/officeDocument/2006/relationships" xmlns:p="http://schemas.openxmlformats.org/presentationml/2006/main">
+  <p:cSld>
+    <p:spTree>
+      <p:nvGrpSpPr>
+        <p:cNvPr id="1" name=""/>
+        <p:cNvGrpSpPr/>
+        <p:nvPr/>
+      </p:nvGrpSpPr>
+      <p:grpSpPr>
+        <a:xfrm>
+          <a:off x="0" y="0"/>
+          <a:ext cx="0" cy="0"/>
+          <a:chOff x="0" y="0"/>
+          <a:chExt cx="0" cy="0"/>
+        </a:xfrm>
+      </p:grpSpPr>
+      <p:sp>
+        <p:nvSpPr>
+          <p:cNvPr id="3" name="Content Placeholder 2">
+            <a:extLst>
+              <a:ext uri="{FF2B5EF4-FFF2-40B4-BE49-F238E27FC236}">
+                <a16:creationId xmlns:a16="http://schemas.microsoft.com/office/drawing/2014/main" id="{625E8EB1-9EFF-F94E-ACEC-5A50C32B3BC3}"/>
+              </a:ext>
+            </a:extLst>
+          </p:cNvPr>
+          <p:cNvSpPr>
+            <a:spLocks noGrp="1"/>
+          </p:cNvSpPr>
+          <p:nvPr>
+            <p:ph idx="1"/>
+          </p:nvPr>
+        </p:nvSpPr>
+        <p:spPr/>
+        <p:txBody>
+          <a:bodyPr/>
+          <a:lstStyle/>
+          <a:p>
+            <a:endParaRPr lang="en-US"/>
+          </a:p>
+        </p:txBody>
+      </p:sp>
+      <p:sp>
+        <p:nvSpPr>
+          <p:cNvPr id="4" name="Title 1">
+            <a:extLst>
+              <a:ext uri="{FF2B5EF4-FFF2-40B4-BE49-F238E27FC236}">
+                <a16:creationId xmlns:a16="http://schemas.microsoft.com/office/drawing/2014/main" id="{8636B9E8-D57D-184A-9580-938705D1F0BB}"/>
+              </a:ext>
+            </a:extLst>
+          </p:cNvPr>
+          <p:cNvSpPr txBox="1">
+            <a:spLocks/>
+          </p:cNvSpPr>
+          <p:nvPr/>
+        </p:nvSpPr>
+        <p:spPr>
+          <a:xfrm>
+            <a:off x="377480" y="188462"/>
+            <a:ext cx="9894133" cy="729092"/>
+          </a:xfrm>
+          <a:prstGeom prst="rect">
+            <a:avLst/>
+          </a:prstGeom>
+        </p:spPr>
+        <p:txBody>
+          <a:bodyPr vert="horz" lIns="91440" tIns="45720" rIns="91440" bIns="45720" rtlCol="0" anchor="b">
+            <a:normAutofit/>
+          </a:bodyPr>
+          <a:lstStyle>
+            <a:lvl1pPr algn="l" defTabSz="914400" rtl="0" eaLnBrk="1" latinLnBrk="0" hangingPunct="1">
+              <a:lnSpc>
+                <a:spcPct val="90000"/>
+              </a:lnSpc>
+              <a:spcBef>
+                <a:spcPct val="0"/>
+              </a:spcBef>
+              <a:buNone/>
+              <a:defRPr sz="4400" kern="1200">
+                <a:solidFill>
+                  <a:schemeClr val="tx1"/>
+                </a:solidFill>
+                <a:latin typeface="+mj-lt"/>
+                <a:ea typeface="+mj-ea"/>
+                <a:cs typeface="+mj-cs"/>
+              </a:defRPr>
+            </a:lvl1pPr>
+          </a:lstStyle>
+          <a:p>
+            <a:r>
+              <a:rPr lang="en-US" dirty="0"/>
+              <a:t>Software</a:t>
+            </a:r>
+          </a:p>
+        </p:txBody>
+      </p:sp>
+    </p:spTree>
+    <p:extLst>
+      <p:ext uri="{BB962C8B-B14F-4D97-AF65-F5344CB8AC3E}">
+        <p14:creationId xmlns:p14="http://schemas.microsoft.com/office/powerpoint/2010/main" val="2912889178"/>
+      </p:ext>
+    </p:extLst>
+  </p:cSld>
+  <p:clrMapOvr>
+    <a:masterClrMapping/>
+  </p:clrMapOvr>
+</p:sld>
+</file>
+
 <file path=ppt/theme/theme1.xml><?xml version="1.0" encoding="utf-8"?>
 <a:theme xmlns:a="http://schemas.openxmlformats.org/drawingml/2006/main" name="Office Theme">
   <a:themeElements>
-    <a:clrScheme name="Office">
+    <a:clrScheme name="Office Theme">
       <a:dk1>
         <a:sysClr val="windowText" lastClr="000000"/>
       </a:dk1>
@@ -3578,7 +4338,7 @@
         <a:srgbClr val="954F72"/>
       </a:folHlink>
     </a:clrScheme>
-    <a:fontScheme name="Office">
+    <a:fontScheme name="Office Theme">
       <a:majorFont>
         <a:latin typeface="Calibri Light" panose="020F0302020204030204"/>
         <a:ea typeface=""/>
@@ -3613,23 +4373,6 @@
         <a:font script="Viet" typeface="Times New Roman"/>
         <a:font script="Uigh" typeface="Microsoft Uighur"/>
         <a:font script="Geor" typeface="Sylfaen"/>
-        <a:font script="Armn" typeface="Arial"/>
-        <a:font script="Bugi" typeface="Leelawadee UI"/>
-        <a:font script="Bopo" typeface="Microsoft JhengHei"/>
-        <a:font script="Java" typeface="Javanese Text"/>
-        <a:font script="Lisu" typeface="Segoe UI"/>
-        <a:font script="Mymr" typeface="Myanmar Text"/>
-        <a:font script="Nkoo" typeface="Ebrima"/>
-        <a:font script="Olck" typeface="Nirmala UI"/>
-        <a:font script="Osma" typeface="Ebrima"/>
-        <a:font script="Phag" typeface="Phagspa"/>
-        <a:font script="Syrn" typeface="Estrangelo Edessa"/>
-        <a:font script="Syrj" typeface="Estrangelo Edessa"/>
-        <a:font script="Syre" typeface="Estrangelo Edessa"/>
-        <a:font script="Sora" typeface="Nirmala UI"/>
-        <a:font script="Tale" typeface="Microsoft Tai Le"/>
-        <a:font script="Talu" typeface="Microsoft New Tai Lue"/>
-        <a:font script="Tfng" typeface="Ebrima"/>
       </a:majorFont>
       <a:minorFont>
         <a:latin typeface="Calibri" panose="020F0502020204030204"/>
@@ -3665,26 +4408,9 @@
         <a:font script="Viet" typeface="Arial"/>
         <a:font script="Uigh" typeface="Microsoft Uighur"/>
         <a:font script="Geor" typeface="Sylfaen"/>
-        <a:font script="Armn" typeface="Arial"/>
-        <a:font script="Bugi" typeface="Leelawadee UI"/>
-        <a:font script="Bopo" typeface="Microsoft JhengHei"/>
-        <a:font script="Java" typeface="Javanese Text"/>
-        <a:font script="Lisu" typeface="Segoe UI"/>
-        <a:font script="Mymr" typeface="Myanmar Text"/>
-        <a:font script="Nkoo" typeface="Ebrima"/>
-        <a:font script="Olck" typeface="Nirmala UI"/>
-        <a:font script="Osma" typeface="Ebrima"/>
-        <a:font script="Phag" typeface="Phagspa"/>
-        <a:font script="Syrn" typeface="Estrangelo Edessa"/>
-        <a:font script="Syrj" typeface="Estrangelo Edessa"/>
-        <a:font script="Syre" typeface="Estrangelo Edessa"/>
-        <a:font script="Sora" typeface="Nirmala UI"/>
-        <a:font script="Tale" typeface="Microsoft Tai Le"/>
-        <a:font script="Talu" typeface="Microsoft New Tai Lue"/>
-        <a:font script="Tfng" typeface="Ebrima"/>
       </a:minorFont>
     </a:fontScheme>
-    <a:fmtScheme name="Office">
+    <a:fmtScheme name="Office Theme">
       <a:fillStyleLst>
         <a:solidFill>
           <a:schemeClr val="phClr"/>

--- a/midway_progress/midway_pres.pptx
+++ b/midway_progress/midway_pres.pptx
@@ -9,9 +9,13 @@
     <p:sldId id="257" r:id="rId3"/>
     <p:sldId id="258" r:id="rId4"/>
     <p:sldId id="259" r:id="rId5"/>
-    <p:sldId id="260" r:id="rId6"/>
-    <p:sldId id="261" r:id="rId7"/>
-    <p:sldId id="262" r:id="rId8"/>
+    <p:sldId id="264" r:id="rId6"/>
+    <p:sldId id="263" r:id="rId7"/>
+    <p:sldId id="260" r:id="rId8"/>
+    <p:sldId id="261" r:id="rId9"/>
+    <p:sldId id="262" r:id="rId10"/>
+    <p:sldId id="265" r:id="rId11"/>
+    <p:sldId id="266" r:id="rId12"/>
   </p:sldIdLst>
   <p:sldSz cx="12192000" cy="6858000"/>
   <p:notesSz cx="6858000" cy="9144000"/>
@@ -249,7 +253,7 @@
           <a:p>
             <a:fld id="{66E778F7-AB89-B94A-91A0-B5D2BBAD1C07}" type="datetimeFigureOut">
               <a:rPr lang="en-US" smtClean="0"/>
-              <a:t>10/28/19</a:t>
+              <a:t>10/29/19</a:t>
             </a:fld>
             <a:endParaRPr lang="en-US"/>
           </a:p>
@@ -419,7 +423,7 @@
           <a:p>
             <a:fld id="{66E778F7-AB89-B94A-91A0-B5D2BBAD1C07}" type="datetimeFigureOut">
               <a:rPr lang="en-US" smtClean="0"/>
-              <a:t>10/28/19</a:t>
+              <a:t>10/29/19</a:t>
             </a:fld>
             <a:endParaRPr lang="en-US"/>
           </a:p>
@@ -599,7 +603,7 @@
           <a:p>
             <a:fld id="{66E778F7-AB89-B94A-91A0-B5D2BBAD1C07}" type="datetimeFigureOut">
               <a:rPr lang="en-US" smtClean="0"/>
-              <a:t>10/28/19</a:t>
+              <a:t>10/29/19</a:t>
             </a:fld>
             <a:endParaRPr lang="en-US"/>
           </a:p>
@@ -769,7 +773,7 @@
           <a:p>
             <a:fld id="{66E778F7-AB89-B94A-91A0-B5D2BBAD1C07}" type="datetimeFigureOut">
               <a:rPr lang="en-US" smtClean="0"/>
-              <a:t>10/28/19</a:t>
+              <a:t>10/29/19</a:t>
             </a:fld>
             <a:endParaRPr lang="en-US"/>
           </a:p>
@@ -1015,7 +1019,7 @@
           <a:p>
             <a:fld id="{66E778F7-AB89-B94A-91A0-B5D2BBAD1C07}" type="datetimeFigureOut">
               <a:rPr lang="en-US" smtClean="0"/>
-              <a:t>10/28/19</a:t>
+              <a:t>10/29/19</a:t>
             </a:fld>
             <a:endParaRPr lang="en-US"/>
           </a:p>
@@ -1247,7 +1251,7 @@
           <a:p>
             <a:fld id="{66E778F7-AB89-B94A-91A0-B5D2BBAD1C07}" type="datetimeFigureOut">
               <a:rPr lang="en-US" smtClean="0"/>
-              <a:t>10/28/19</a:t>
+              <a:t>10/29/19</a:t>
             </a:fld>
             <a:endParaRPr lang="en-US"/>
           </a:p>
@@ -1614,7 +1618,7 @@
           <a:p>
             <a:fld id="{66E778F7-AB89-B94A-91A0-B5D2BBAD1C07}" type="datetimeFigureOut">
               <a:rPr lang="en-US" smtClean="0"/>
-              <a:t>10/28/19</a:t>
+              <a:t>10/29/19</a:t>
             </a:fld>
             <a:endParaRPr lang="en-US"/>
           </a:p>
@@ -1732,7 +1736,7 @@
           <a:p>
             <a:fld id="{66E778F7-AB89-B94A-91A0-B5D2BBAD1C07}" type="datetimeFigureOut">
               <a:rPr lang="en-US" smtClean="0"/>
-              <a:t>10/28/19</a:t>
+              <a:t>10/29/19</a:t>
             </a:fld>
             <a:endParaRPr lang="en-US"/>
           </a:p>
@@ -1827,7 +1831,7 @@
           <a:p>
             <a:fld id="{66E778F7-AB89-B94A-91A0-B5D2BBAD1C07}" type="datetimeFigureOut">
               <a:rPr lang="en-US" smtClean="0"/>
-              <a:t>10/28/19</a:t>
+              <a:t>10/29/19</a:t>
             </a:fld>
             <a:endParaRPr lang="en-US"/>
           </a:p>
@@ -2104,7 +2108,7 @@
           <a:p>
             <a:fld id="{66E778F7-AB89-B94A-91A0-B5D2BBAD1C07}" type="datetimeFigureOut">
               <a:rPr lang="en-US" smtClean="0"/>
-              <a:t>10/28/19</a:t>
+              <a:t>10/29/19</a:t>
             </a:fld>
             <a:endParaRPr lang="en-US"/>
           </a:p>
@@ -2361,7 +2365,7 @@
           <a:p>
             <a:fld id="{66E778F7-AB89-B94A-91A0-B5D2BBAD1C07}" type="datetimeFigureOut">
               <a:rPr lang="en-US" smtClean="0"/>
-              <a:t>10/28/19</a:t>
+              <a:t>10/29/19</a:t>
             </a:fld>
             <a:endParaRPr lang="en-US"/>
           </a:p>
@@ -2574,7 +2578,7 @@
           <a:p>
             <a:fld id="{66E778F7-AB89-B94A-91A0-B5D2BBAD1C07}" type="datetimeFigureOut">
               <a:rPr lang="en-US" smtClean="0"/>
-              <a:t>10/28/19</a:t>
+              <a:t>10/29/19</a:t>
             </a:fld>
             <a:endParaRPr lang="en-US"/>
           </a:p>
@@ -3048,6 +3052,224 @@
 </p:sld>
 </file>
 
+<file path=ppt/slides/slide10.xml><?xml version="1.0" encoding="utf-8"?>
+<p:sld xmlns:a="http://schemas.openxmlformats.org/drawingml/2006/main" xmlns:r="http://schemas.openxmlformats.org/officeDocument/2006/relationships" xmlns:p="http://schemas.openxmlformats.org/presentationml/2006/main">
+  <p:cSld>
+    <p:spTree>
+      <p:nvGrpSpPr>
+        <p:cNvPr id="1" name=""/>
+        <p:cNvGrpSpPr/>
+        <p:nvPr/>
+      </p:nvGrpSpPr>
+      <p:grpSpPr>
+        <a:xfrm>
+          <a:off x="0" y="0"/>
+          <a:ext cx="0" cy="0"/>
+          <a:chOff x="0" y="0"/>
+          <a:chExt cx="0" cy="0"/>
+        </a:xfrm>
+      </p:grpSpPr>
+      <p:sp>
+        <p:nvSpPr>
+          <p:cNvPr id="3" name="Content Placeholder 2">
+            <a:extLst>
+              <a:ext uri="{FF2B5EF4-FFF2-40B4-BE49-F238E27FC236}">
+                <a16:creationId xmlns:a16="http://schemas.microsoft.com/office/drawing/2014/main" id="{625E8EB1-9EFF-F94E-ACEC-5A50C32B3BC3}"/>
+              </a:ext>
+            </a:extLst>
+          </p:cNvPr>
+          <p:cNvSpPr>
+            <a:spLocks noGrp="1"/>
+          </p:cNvSpPr>
+          <p:nvPr>
+            <p:ph idx="1"/>
+          </p:nvPr>
+        </p:nvSpPr>
+        <p:spPr/>
+        <p:txBody>
+          <a:bodyPr/>
+          <a:lstStyle/>
+          <a:p>
+            <a:endParaRPr lang="en-US"/>
+          </a:p>
+        </p:txBody>
+      </p:sp>
+      <p:sp>
+        <p:nvSpPr>
+          <p:cNvPr id="4" name="Title 1">
+            <a:extLst>
+              <a:ext uri="{FF2B5EF4-FFF2-40B4-BE49-F238E27FC236}">
+                <a16:creationId xmlns:a16="http://schemas.microsoft.com/office/drawing/2014/main" id="{8636B9E8-D57D-184A-9580-938705D1F0BB}"/>
+              </a:ext>
+            </a:extLst>
+          </p:cNvPr>
+          <p:cNvSpPr txBox="1">
+            <a:spLocks/>
+          </p:cNvSpPr>
+          <p:nvPr/>
+        </p:nvSpPr>
+        <p:spPr>
+          <a:xfrm>
+            <a:off x="377480" y="188462"/>
+            <a:ext cx="9894133" cy="729092"/>
+          </a:xfrm>
+          <a:prstGeom prst="rect">
+            <a:avLst/>
+          </a:prstGeom>
+        </p:spPr>
+        <p:txBody>
+          <a:bodyPr vert="horz" lIns="91440" tIns="45720" rIns="91440" bIns="45720" rtlCol="0" anchor="b">
+            <a:normAutofit/>
+          </a:bodyPr>
+          <a:lstStyle>
+            <a:lvl1pPr algn="l" defTabSz="914400" rtl="0" eaLnBrk="1" latinLnBrk="0" hangingPunct="1">
+              <a:lnSpc>
+                <a:spcPct val="90000"/>
+              </a:lnSpc>
+              <a:spcBef>
+                <a:spcPct val="0"/>
+              </a:spcBef>
+              <a:buNone/>
+              <a:defRPr sz="4400" kern="1200">
+                <a:solidFill>
+                  <a:schemeClr val="tx1"/>
+                </a:solidFill>
+                <a:latin typeface="+mj-lt"/>
+                <a:ea typeface="+mj-ea"/>
+                <a:cs typeface="+mj-cs"/>
+              </a:defRPr>
+            </a:lvl1pPr>
+          </a:lstStyle>
+          <a:p>
+            <a:r>
+              <a:rPr lang="en-US" dirty="0"/>
+              <a:t>Software</a:t>
+            </a:r>
+          </a:p>
+        </p:txBody>
+      </p:sp>
+    </p:spTree>
+    <p:extLst>
+      <p:ext uri="{BB962C8B-B14F-4D97-AF65-F5344CB8AC3E}">
+        <p14:creationId xmlns:p14="http://schemas.microsoft.com/office/powerpoint/2010/main" val="3719229732"/>
+      </p:ext>
+    </p:extLst>
+  </p:cSld>
+  <p:clrMapOvr>
+    <a:masterClrMapping/>
+  </p:clrMapOvr>
+</p:sld>
+</file>
+
+<file path=ppt/slides/slide11.xml><?xml version="1.0" encoding="utf-8"?>
+<p:sld xmlns:a="http://schemas.openxmlformats.org/drawingml/2006/main" xmlns:r="http://schemas.openxmlformats.org/officeDocument/2006/relationships" xmlns:p="http://schemas.openxmlformats.org/presentationml/2006/main">
+  <p:cSld>
+    <p:spTree>
+      <p:nvGrpSpPr>
+        <p:cNvPr id="1" name=""/>
+        <p:cNvGrpSpPr/>
+        <p:nvPr/>
+      </p:nvGrpSpPr>
+      <p:grpSpPr>
+        <a:xfrm>
+          <a:off x="0" y="0"/>
+          <a:ext cx="0" cy="0"/>
+          <a:chOff x="0" y="0"/>
+          <a:chExt cx="0" cy="0"/>
+        </a:xfrm>
+      </p:grpSpPr>
+      <p:sp>
+        <p:nvSpPr>
+          <p:cNvPr id="3" name="Content Placeholder 2">
+            <a:extLst>
+              <a:ext uri="{FF2B5EF4-FFF2-40B4-BE49-F238E27FC236}">
+                <a16:creationId xmlns:a16="http://schemas.microsoft.com/office/drawing/2014/main" id="{625E8EB1-9EFF-F94E-ACEC-5A50C32B3BC3}"/>
+              </a:ext>
+            </a:extLst>
+          </p:cNvPr>
+          <p:cNvSpPr>
+            <a:spLocks noGrp="1"/>
+          </p:cNvSpPr>
+          <p:nvPr>
+            <p:ph idx="1"/>
+          </p:nvPr>
+        </p:nvSpPr>
+        <p:spPr/>
+        <p:txBody>
+          <a:bodyPr/>
+          <a:lstStyle/>
+          <a:p>
+            <a:endParaRPr lang="en-US"/>
+          </a:p>
+        </p:txBody>
+      </p:sp>
+      <p:sp>
+        <p:nvSpPr>
+          <p:cNvPr id="4" name="Title 1">
+            <a:extLst>
+              <a:ext uri="{FF2B5EF4-FFF2-40B4-BE49-F238E27FC236}">
+                <a16:creationId xmlns:a16="http://schemas.microsoft.com/office/drawing/2014/main" id="{8636B9E8-D57D-184A-9580-938705D1F0BB}"/>
+              </a:ext>
+            </a:extLst>
+          </p:cNvPr>
+          <p:cNvSpPr txBox="1">
+            <a:spLocks/>
+          </p:cNvSpPr>
+          <p:nvPr/>
+        </p:nvSpPr>
+        <p:spPr>
+          <a:xfrm>
+            <a:off x="377480" y="188462"/>
+            <a:ext cx="9894133" cy="729092"/>
+          </a:xfrm>
+          <a:prstGeom prst="rect">
+            <a:avLst/>
+          </a:prstGeom>
+        </p:spPr>
+        <p:txBody>
+          <a:bodyPr vert="horz" lIns="91440" tIns="45720" rIns="91440" bIns="45720" rtlCol="0" anchor="b">
+            <a:normAutofit/>
+          </a:bodyPr>
+          <a:lstStyle>
+            <a:lvl1pPr algn="l" defTabSz="914400" rtl="0" eaLnBrk="1" latinLnBrk="0" hangingPunct="1">
+              <a:lnSpc>
+                <a:spcPct val="90000"/>
+              </a:lnSpc>
+              <a:spcBef>
+                <a:spcPct val="0"/>
+              </a:spcBef>
+              <a:buNone/>
+              <a:defRPr sz="4400" kern="1200">
+                <a:solidFill>
+                  <a:schemeClr val="tx1"/>
+                </a:solidFill>
+                <a:latin typeface="+mj-lt"/>
+                <a:ea typeface="+mj-ea"/>
+                <a:cs typeface="+mj-cs"/>
+              </a:defRPr>
+            </a:lvl1pPr>
+          </a:lstStyle>
+          <a:p>
+            <a:r>
+              <a:rPr lang="en-US" dirty="0"/>
+              <a:t>Software</a:t>
+            </a:r>
+          </a:p>
+        </p:txBody>
+      </p:sp>
+    </p:spTree>
+    <p:extLst>
+      <p:ext uri="{BB962C8B-B14F-4D97-AF65-F5344CB8AC3E}">
+        <p14:creationId xmlns:p14="http://schemas.microsoft.com/office/powerpoint/2010/main" val="2593626468"/>
+      </p:ext>
+    </p:extLst>
+  </p:cSld>
+  <p:clrMapOvr>
+    <a:masterClrMapping/>
+  </p:clrMapOvr>
+</p:sld>
+</file>
+
 <file path=ppt/slides/slide2.xml><?xml version="1.0" encoding="utf-8"?>
 <p:sld xmlns:a="http://schemas.openxmlformats.org/drawingml/2006/main" xmlns:r="http://schemas.openxmlformats.org/officeDocument/2006/relationships" xmlns:p="http://schemas.openxmlformats.org/presentationml/2006/main">
   <p:cSld>
@@ -3326,8 +3548,8 @@
         </p:blipFill>
         <p:spPr>
           <a:xfrm>
-            <a:off x="4521242" y="3461998"/>
-            <a:ext cx="4898627" cy="2755478"/>
+            <a:off x="4419630" y="2977978"/>
+            <a:ext cx="5700444" cy="3206500"/>
           </a:xfrm>
           <a:prstGeom prst="rect">
             <a:avLst/>
@@ -3625,7 +3847,7 @@
         <p:spPr>
           <a:xfrm>
             <a:off x="377480" y="917554"/>
-            <a:ext cx="4843966" cy="3635471"/>
+            <a:ext cx="5207618" cy="3908397"/>
           </a:xfrm>
           <a:prstGeom prst="rect">
             <a:avLst/>
@@ -3678,12 +3900,82 @@
             <p:ph idx="1"/>
           </p:nvPr>
         </p:nvSpPr>
-        <p:spPr/>
-        <p:txBody>
-          <a:bodyPr/>
-          <a:lstStyle/>
-          <a:p>
-            <a:endParaRPr lang="en-US"/>
+        <p:spPr>
+          <a:xfrm>
+            <a:off x="838200" y="1146004"/>
+            <a:ext cx="10515600" cy="4351338"/>
+          </a:xfrm>
+        </p:spPr>
+        <p:txBody>
+          <a:bodyPr/>
+          <a:lstStyle/>
+          <a:p>
+            <a:r>
+              <a:rPr lang="en-US" dirty="0"/>
+              <a:t>Dependable gesture recognition &amp; prediction provides intuitive alternatives for a wide range of applications:</a:t>
+            </a:r>
+          </a:p>
+          <a:p>
+            <a:pPr marL="971550" lvl="1" indent="-514350">
+              <a:buFont typeface="+mj-lt"/>
+              <a:buAutoNum type="arabicPeriod"/>
+            </a:pPr>
+            <a:r>
+              <a:rPr lang="en-US" dirty="0"/>
+              <a:t>Consumer – Prosthetics, Human-computer interface, etc.</a:t>
+            </a:r>
+          </a:p>
+          <a:p>
+            <a:pPr marL="971550" lvl="1" indent="-514350">
+              <a:buFont typeface="+mj-lt"/>
+              <a:buAutoNum type="arabicPeriod"/>
+            </a:pPr>
+            <a:r>
+              <a:rPr lang="en-US" dirty="0"/>
+              <a:t>Military &amp; industrial – Exoskeleton, remote robotic control, etc.</a:t>
+            </a:r>
+          </a:p>
+          <a:p>
+            <a:pPr marL="457200" lvl="1" indent="0">
+              <a:buNone/>
+            </a:pPr>
+            <a:endParaRPr lang="en-US" dirty="0"/>
+          </a:p>
+          <a:p>
+            <a:r>
+              <a:rPr lang="en-US" dirty="0"/>
+              <a:t>Modest results despite ample researcher attention:</a:t>
+            </a:r>
+          </a:p>
+          <a:p>
+            <a:pPr marL="971550" lvl="1" indent="-514350">
+              <a:buFont typeface="+mj-lt"/>
+              <a:buAutoNum type="arabicPeriod"/>
+            </a:pPr>
+            <a:r>
+              <a:rPr lang="en-US" dirty="0"/>
+              <a:t>Imprecise readings dependent on superficial user characteristics</a:t>
+            </a:r>
+          </a:p>
+          <a:p>
+            <a:pPr marL="971550" lvl="1" indent="-514350">
+              <a:buFont typeface="+mj-lt"/>
+              <a:buAutoNum type="arabicPeriod"/>
+            </a:pPr>
+            <a:r>
+              <a:rPr lang="en-US" dirty="0"/>
+              <a:t>Incongruous data gathered leads to small training sets &amp; overfitting</a:t>
+            </a:r>
+          </a:p>
+          <a:p>
+            <a:pPr marL="971550" lvl="1" indent="-514350">
+              <a:buFont typeface="+mj-lt"/>
+              <a:buAutoNum type="arabicPeriod"/>
+            </a:pPr>
+            <a:r>
+              <a:rPr lang="en-US" dirty="0"/>
+              <a:t>Computational cost onboard necessarily small devices</a:t>
+            </a:r>
           </a:p>
         </p:txBody>
       </p:sp>
@@ -3773,10 +4065,107 @@
       </p:grpSpPr>
       <p:sp>
         <p:nvSpPr>
+          <p:cNvPr id="3" name="Content Placeholder 2">
+            <a:extLst>
+              <a:ext uri="{FF2B5EF4-FFF2-40B4-BE49-F238E27FC236}">
+                <a16:creationId xmlns:a16="http://schemas.microsoft.com/office/drawing/2014/main" id="{625E8EB1-9EFF-F94E-ACEC-5A50C32B3BC3}"/>
+              </a:ext>
+            </a:extLst>
+          </p:cNvPr>
+          <p:cNvSpPr>
+            <a:spLocks noGrp="1"/>
+          </p:cNvSpPr>
+          <p:nvPr>
+            <p:ph idx="1"/>
+          </p:nvPr>
+        </p:nvSpPr>
+        <p:spPr>
+          <a:xfrm>
+            <a:off x="838199" y="1146003"/>
+            <a:ext cx="11061357" cy="4649315"/>
+          </a:xfrm>
+        </p:spPr>
+        <p:txBody>
+          <a:bodyPr>
+            <a:normAutofit/>
+          </a:bodyPr>
+          <a:lstStyle/>
+          <a:p>
+            <a:r>
+              <a:rPr lang="en-US" dirty="0"/>
+              <a:t>A computationally feasible pipeline capable of receiving signal, reducing noise &amp; inferring gesture</a:t>
+            </a:r>
+          </a:p>
+          <a:p>
+            <a:pPr marL="914400" lvl="1" indent="-457200">
+              <a:buFont typeface="+mj-lt"/>
+              <a:buAutoNum type="arabicPeriod"/>
+            </a:pPr>
+            <a:r>
+              <a:rPr lang="en-US" dirty="0"/>
+              <a:t>Receiving signal – </a:t>
+            </a:r>
+            <a:r>
+              <a:rPr lang="en-US" dirty="0" err="1"/>
+              <a:t>sEMG</a:t>
+            </a:r>
+            <a:r>
+              <a:rPr lang="en-US" dirty="0"/>
+              <a:t> sensor array</a:t>
+            </a:r>
+          </a:p>
+          <a:p>
+            <a:pPr marL="914400" lvl="1" indent="-457200">
+              <a:buFont typeface="+mj-lt"/>
+              <a:buAutoNum type="arabicPeriod"/>
+            </a:pPr>
+            <a:r>
+              <a:rPr lang="en-US" dirty="0"/>
+              <a:t>Reducing noise – </a:t>
+            </a:r>
+          </a:p>
+          <a:p>
+            <a:pPr marL="1371600" lvl="2" indent="-457200">
+              <a:buFont typeface="+mj-lt"/>
+              <a:buAutoNum type="arabicPeriod"/>
+            </a:pPr>
+            <a:r>
+              <a:rPr lang="en-US" dirty="0"/>
+              <a:t>Hypothesis: </a:t>
+            </a:r>
+            <a:r>
+              <a:rPr lang="en-US" u="sng" dirty="0"/>
+              <a:t>Signal will have similar topological structure across individuals</a:t>
+            </a:r>
+          </a:p>
+          <a:p>
+            <a:pPr marL="1371600" lvl="2" indent="-457200">
+              <a:buFont typeface="+mj-lt"/>
+              <a:buAutoNum type="arabicPeriod"/>
+            </a:pPr>
+            <a:r>
+              <a:rPr lang="en-US" dirty="0"/>
+              <a:t>Noise (tremor, muscle fatigue, bodyfat, …) can be filtered out</a:t>
+            </a:r>
+          </a:p>
+          <a:p>
+            <a:pPr marL="914400" lvl="1" indent="-457200">
+              <a:buFont typeface="+mj-lt"/>
+              <a:buAutoNum type="arabicPeriod"/>
+            </a:pPr>
+            <a:r>
+              <a:rPr lang="en-US" dirty="0"/>
+              <a:t>Inferring gesture – Many methods; prefer unsupervised</a:t>
+            </a:r>
+          </a:p>
+        </p:txBody>
+      </p:sp>
+      <p:sp>
+        <p:nvSpPr>
           <p:cNvPr id="4" name="Title 1">
             <a:extLst>
               <a:ext uri="{FF2B5EF4-FFF2-40B4-BE49-F238E27FC236}">
-                <a16:creationId xmlns:a16="http://schemas.microsoft.com/office/drawing/2014/main" id="{74BD6D42-53C2-C44A-92D9-2A158BE08DF7}"/>
+                <a16:creationId xmlns:a16="http://schemas.microsoft.com/office/drawing/2014/main" id="{DC1A6432-EA92-0644-8C78-3E37F7C488EC}"/>
               </a:ext>
             </a:extLst>
           </p:cNvPr>
@@ -3820,7 +4209,316 @@
           <a:p>
             <a:r>
               <a:rPr lang="en-US" dirty="0"/>
-              <a:t>Data Set &amp; Current Challenges</a:t>
+              <a:t>Proposed Solution</a:t>
+            </a:r>
+          </a:p>
+        </p:txBody>
+      </p:sp>
+    </p:spTree>
+    <p:extLst>
+      <p:ext uri="{BB962C8B-B14F-4D97-AF65-F5344CB8AC3E}">
+        <p14:creationId xmlns:p14="http://schemas.microsoft.com/office/powerpoint/2010/main" val="4001207135"/>
+      </p:ext>
+    </p:extLst>
+  </p:cSld>
+  <p:clrMapOvr>
+    <a:masterClrMapping/>
+  </p:clrMapOvr>
+</p:sld>
+</file>
+
+<file path=ppt/slides/slide6.xml><?xml version="1.0" encoding="utf-8"?>
+<p:sld xmlns:a="http://schemas.openxmlformats.org/drawingml/2006/main" xmlns:r="http://schemas.openxmlformats.org/officeDocument/2006/relationships" xmlns:p="http://schemas.openxmlformats.org/presentationml/2006/main">
+  <p:cSld>
+    <p:spTree>
+      <p:nvGrpSpPr>
+        <p:cNvPr id="1" name=""/>
+        <p:cNvGrpSpPr/>
+        <p:nvPr/>
+      </p:nvGrpSpPr>
+      <p:grpSpPr>
+        <a:xfrm>
+          <a:off x="0" y="0"/>
+          <a:ext cx="0" cy="0"/>
+          <a:chOff x="0" y="0"/>
+          <a:chExt cx="0" cy="0"/>
+        </a:xfrm>
+      </p:grpSpPr>
+      <p:sp>
+        <p:nvSpPr>
+          <p:cNvPr id="4" name="Title 1">
+            <a:extLst>
+              <a:ext uri="{FF2B5EF4-FFF2-40B4-BE49-F238E27FC236}">
+                <a16:creationId xmlns:a16="http://schemas.microsoft.com/office/drawing/2014/main" id="{7E9AA4E4-7C7A-1643-AE47-FDC77121513E}"/>
+              </a:ext>
+            </a:extLst>
+          </p:cNvPr>
+          <p:cNvSpPr txBox="1">
+            <a:spLocks/>
+          </p:cNvSpPr>
+          <p:nvPr/>
+        </p:nvSpPr>
+        <p:spPr>
+          <a:xfrm>
+            <a:off x="377480" y="188462"/>
+            <a:ext cx="9894133" cy="729092"/>
+          </a:xfrm>
+          <a:prstGeom prst="rect">
+            <a:avLst/>
+          </a:prstGeom>
+        </p:spPr>
+        <p:txBody>
+          <a:bodyPr vert="horz" lIns="91440" tIns="45720" rIns="91440" bIns="45720" rtlCol="0" anchor="b">
+            <a:normAutofit/>
+          </a:bodyPr>
+          <a:lstStyle>
+            <a:lvl1pPr algn="l" defTabSz="914400" rtl="0" eaLnBrk="1" latinLnBrk="0" hangingPunct="1">
+              <a:lnSpc>
+                <a:spcPct val="90000"/>
+              </a:lnSpc>
+              <a:spcBef>
+                <a:spcPct val="0"/>
+              </a:spcBef>
+              <a:buNone/>
+              <a:defRPr sz="4400" kern="1200">
+                <a:solidFill>
+                  <a:schemeClr val="tx1"/>
+                </a:solidFill>
+                <a:latin typeface="+mj-lt"/>
+                <a:ea typeface="+mj-ea"/>
+                <a:cs typeface="+mj-cs"/>
+              </a:defRPr>
+            </a:lvl1pPr>
+          </a:lstStyle>
+          <a:p>
+            <a:r>
+              <a:rPr lang="en-US" dirty="0"/>
+              <a:t>Previous Work</a:t>
+            </a:r>
+          </a:p>
+        </p:txBody>
+      </p:sp>
+      <p:sp>
+        <p:nvSpPr>
+          <p:cNvPr id="5" name="Content Placeholder 2">
+            <a:extLst>
+              <a:ext uri="{FF2B5EF4-FFF2-40B4-BE49-F238E27FC236}">
+                <a16:creationId xmlns:a16="http://schemas.microsoft.com/office/drawing/2014/main" id="{46EB47A1-5BC1-6F4E-893A-7757E84FF600}"/>
+              </a:ext>
+            </a:extLst>
+          </p:cNvPr>
+          <p:cNvSpPr>
+            <a:spLocks noGrp="1"/>
+          </p:cNvSpPr>
+          <p:nvPr>
+            <p:ph idx="1"/>
+          </p:nvPr>
+        </p:nvSpPr>
+        <p:spPr>
+          <a:xfrm>
+            <a:off x="838200" y="1146004"/>
+            <a:ext cx="10515600" cy="4351338"/>
+          </a:xfrm>
+        </p:spPr>
+        <p:txBody>
+          <a:bodyPr>
+            <a:normAutofit fontScale="92500" lnSpcReduction="10000"/>
+          </a:bodyPr>
+          <a:lstStyle/>
+          <a:p>
+            <a:r>
+              <a:rPr lang="en-US" i="1" dirty="0"/>
+              <a:t>Latent Factors Limiting the Performance of </a:t>
+            </a:r>
+            <a:r>
+              <a:rPr lang="en-US" i="1" dirty="0" err="1"/>
+              <a:t>sEMG</a:t>
+            </a:r>
+            <a:r>
+              <a:rPr lang="en-US" i="1" dirty="0"/>
+              <a:t>-Interfaces </a:t>
+            </a:r>
+          </a:p>
+          <a:p>
+            <a:pPr lvl="1"/>
+            <a:r>
+              <a:rPr lang="en-US" dirty="0" err="1"/>
+              <a:t>Lobov</a:t>
+            </a:r>
+            <a:r>
+              <a:rPr lang="en-US" i="1" dirty="0"/>
+              <a:t>, et al.</a:t>
+            </a:r>
+          </a:p>
+          <a:p>
+            <a:endParaRPr lang="en-US" i="1" dirty="0"/>
+          </a:p>
+          <a:p>
+            <a:r>
+              <a:rPr lang="en-US" i="1" dirty="0"/>
+              <a:t>A Topologically Informed Chart of Electromyographic Features Space</a:t>
+            </a:r>
+          </a:p>
+          <a:p>
+            <a:pPr lvl="1"/>
+            <a:r>
+              <a:rPr lang="en-US" dirty="0" err="1"/>
+              <a:t>Phinyomark</a:t>
+            </a:r>
+            <a:r>
+              <a:rPr lang="en-US" dirty="0"/>
+              <a:t>, </a:t>
+            </a:r>
+            <a:r>
+              <a:rPr lang="en-US" i="1" dirty="0"/>
+              <a:t>et al.</a:t>
+            </a:r>
+          </a:p>
+          <a:p>
+            <a:pPr lvl="1"/>
+            <a:endParaRPr lang="en-US" i="1" dirty="0"/>
+          </a:p>
+          <a:p>
+            <a:r>
+              <a:rPr lang="en-US" i="1" dirty="0"/>
+              <a:t>Geometric cross-modal comparison of heterogeneous sensor data </a:t>
+            </a:r>
+          </a:p>
+          <a:p>
+            <a:pPr lvl="1"/>
+            <a:r>
+              <a:rPr lang="en-US" dirty="0" err="1"/>
+              <a:t>Traile</a:t>
+            </a:r>
+            <a:r>
+              <a:rPr lang="en-US" dirty="0"/>
+              <a:t>, </a:t>
+            </a:r>
+            <a:r>
+              <a:rPr lang="en-US" i="1" dirty="0"/>
+              <a:t>et al.</a:t>
+            </a:r>
+            <a:endParaRPr lang="en-US" dirty="0"/>
+          </a:p>
+          <a:p>
+            <a:pPr lvl="1"/>
+            <a:endParaRPr lang="en-US" dirty="0"/>
+          </a:p>
+          <a:p>
+            <a:r>
+              <a:rPr lang="en-US" i="1" dirty="0"/>
+              <a:t>Multi-Scale Geometric Summaries for Similarity-Based Sensor Fusion </a:t>
+            </a:r>
+          </a:p>
+          <a:p>
+            <a:pPr lvl="1"/>
+            <a:r>
+              <a:rPr lang="en-US" dirty="0" err="1"/>
+              <a:t>Traile</a:t>
+            </a:r>
+            <a:r>
+              <a:rPr lang="en-US" dirty="0"/>
+              <a:t>, </a:t>
+            </a:r>
+            <a:r>
+              <a:rPr lang="en-US" dirty="0" err="1"/>
+              <a:t>Bendich</a:t>
+            </a:r>
+            <a:r>
+              <a:rPr lang="en-US" dirty="0"/>
+              <a:t>, &amp; </a:t>
+            </a:r>
+            <a:r>
+              <a:rPr lang="en-US" dirty="0" err="1"/>
+              <a:t>Harer</a:t>
+            </a:r>
+            <a:endParaRPr lang="en-US" i="1" dirty="0"/>
+          </a:p>
+          <a:p>
+            <a:endParaRPr lang="en-US" dirty="0"/>
+          </a:p>
+        </p:txBody>
+      </p:sp>
+    </p:spTree>
+    <p:extLst>
+      <p:ext uri="{BB962C8B-B14F-4D97-AF65-F5344CB8AC3E}">
+        <p14:creationId xmlns:p14="http://schemas.microsoft.com/office/powerpoint/2010/main" val="2296868070"/>
+      </p:ext>
+    </p:extLst>
+  </p:cSld>
+  <p:clrMapOvr>
+    <a:masterClrMapping/>
+  </p:clrMapOvr>
+</p:sld>
+</file>
+
+<file path=ppt/slides/slide7.xml><?xml version="1.0" encoding="utf-8"?>
+<p:sld xmlns:a="http://schemas.openxmlformats.org/drawingml/2006/main" xmlns:r="http://schemas.openxmlformats.org/officeDocument/2006/relationships" xmlns:p="http://schemas.openxmlformats.org/presentationml/2006/main">
+  <p:cSld>
+    <p:spTree>
+      <p:nvGrpSpPr>
+        <p:cNvPr id="1" name=""/>
+        <p:cNvGrpSpPr/>
+        <p:nvPr/>
+      </p:nvGrpSpPr>
+      <p:grpSpPr>
+        <a:xfrm>
+          <a:off x="0" y="0"/>
+          <a:ext cx="0" cy="0"/>
+          <a:chOff x="0" y="0"/>
+          <a:chExt cx="0" cy="0"/>
+        </a:xfrm>
+      </p:grpSpPr>
+      <p:sp>
+        <p:nvSpPr>
+          <p:cNvPr id="4" name="Title 1">
+            <a:extLst>
+              <a:ext uri="{FF2B5EF4-FFF2-40B4-BE49-F238E27FC236}">
+                <a16:creationId xmlns:a16="http://schemas.microsoft.com/office/drawing/2014/main" id="{74BD6D42-53C2-C44A-92D9-2A158BE08DF7}"/>
+              </a:ext>
+            </a:extLst>
+          </p:cNvPr>
+          <p:cNvSpPr txBox="1">
+            <a:spLocks/>
+          </p:cNvSpPr>
+          <p:nvPr/>
+        </p:nvSpPr>
+        <p:spPr>
+          <a:xfrm>
+            <a:off x="377480" y="188462"/>
+            <a:ext cx="9894133" cy="729092"/>
+          </a:xfrm>
+          <a:prstGeom prst="rect">
+            <a:avLst/>
+          </a:prstGeom>
+        </p:spPr>
+        <p:txBody>
+          <a:bodyPr vert="horz" lIns="91440" tIns="45720" rIns="91440" bIns="45720" rtlCol="0" anchor="b">
+            <a:normAutofit/>
+          </a:bodyPr>
+          <a:lstStyle>
+            <a:lvl1pPr algn="l" defTabSz="914400" rtl="0" eaLnBrk="1" latinLnBrk="0" hangingPunct="1">
+              <a:lnSpc>
+                <a:spcPct val="90000"/>
+              </a:lnSpc>
+              <a:spcBef>
+                <a:spcPct val="0"/>
+              </a:spcBef>
+              <a:buNone/>
+              <a:defRPr sz="4400" kern="1200">
+                <a:solidFill>
+                  <a:schemeClr val="tx1"/>
+                </a:solidFill>
+                <a:latin typeface="+mj-lt"/>
+                <a:ea typeface="+mj-ea"/>
+                <a:cs typeface="+mj-cs"/>
+              </a:defRPr>
+            </a:lvl1pPr>
+          </a:lstStyle>
+          <a:p>
+            <a:r>
+              <a:rPr lang="en-US" dirty="0"/>
+              <a:t>Data Set</a:t>
             </a:r>
           </a:p>
         </p:txBody>
@@ -3841,8 +4539,8 @@
         </p:nvSpPr>
         <p:spPr>
           <a:xfrm>
-            <a:off x="377480" y="1198951"/>
-            <a:ext cx="3451570" cy="1514769"/>
+            <a:off x="180975" y="1044918"/>
+            <a:ext cx="4095667" cy="2384082"/>
           </a:xfrm>
           <a:prstGeom prst="rect">
             <a:avLst/>
@@ -4031,7 +4729,21 @@
           <a:p>
             <a:r>
               <a:rPr lang="en-US" sz="2400" dirty="0"/>
-              <a:t>8 signal channels</a:t>
+              <a:t>Each gesture performed 4 times by each subject</a:t>
+            </a:r>
+          </a:p>
+          <a:p>
+            <a:r>
+              <a:rPr lang="en-US" sz="2400" dirty="0"/>
+              <a:t>Captured by 8 </a:t>
+            </a:r>
+            <a:r>
+              <a:rPr lang="en-US" sz="2400" dirty="0" err="1"/>
+              <a:t>sEMG</a:t>
+            </a:r>
+            <a:r>
+              <a:rPr lang="en-US" sz="2400" dirty="0"/>
+              <a:t> sensors</a:t>
             </a:r>
           </a:p>
         </p:txBody>
@@ -4050,16 +4762,44 @@
           </p:cNvPicPr>
           <p:nvPr/>
         </p:nvPicPr>
-        <p:blipFill>
+        <p:blipFill rotWithShape="1">
           <a:blip r:embed="rId2"/>
-          <a:stretch>
-            <a:fillRect/>
-          </a:stretch>
+          <a:srcRect l="4599" r="7335" b="4286"/>
+          <a:stretch/>
         </p:blipFill>
         <p:spPr>
           <a:xfrm>
-            <a:off x="3829050" y="1197752"/>
-            <a:ext cx="8030774" cy="5470587"/>
+            <a:off x="4705947" y="917553"/>
+            <a:ext cx="7305078" cy="5408342"/>
+          </a:xfrm>
+          <a:prstGeom prst="rect">
+            <a:avLst/>
+          </a:prstGeom>
+        </p:spPr>
+      </p:pic>
+      <p:pic>
+        <p:nvPicPr>
+          <p:cNvPr id="6" name="Picture 5">
+            <a:extLst>
+              <a:ext uri="{FF2B5EF4-FFF2-40B4-BE49-F238E27FC236}">
+                <a16:creationId xmlns:a16="http://schemas.microsoft.com/office/drawing/2014/main" id="{3D13F7E2-4924-3B4C-BB58-399C678A9B11}"/>
+              </a:ext>
+            </a:extLst>
+          </p:cNvPr>
+          <p:cNvPicPr>
+            <a:picLocks noChangeAspect="1"/>
+          </p:cNvPicPr>
+          <p:nvPr/>
+        </p:nvPicPr>
+        <p:blipFill rotWithShape="1">
+          <a:blip r:embed="rId3"/>
+          <a:srcRect t="-1" r="5653" b="819"/>
+          <a:stretch/>
+        </p:blipFill>
+        <p:spPr>
+          <a:xfrm>
+            <a:off x="45048" y="3311612"/>
+            <a:ext cx="4637123" cy="3249826"/>
           </a:xfrm>
           <a:prstGeom prst="rect">
             <a:avLst/>
@@ -4079,7 +4819,7 @@
 </p:sld>
 </file>
 
-<file path=ppt/slides/slide6.xml><?xml version="1.0" encoding="utf-8"?>
+<file path=ppt/slides/slide8.xml><?xml version="1.0" encoding="utf-8"?>
 <p:sld xmlns:a="http://schemas.openxmlformats.org/drawingml/2006/main" xmlns:r="http://schemas.openxmlformats.org/officeDocument/2006/relationships" xmlns:p="http://schemas.openxmlformats.org/presentationml/2006/main">
   <p:cSld>
     <p:spTree>
@@ -4098,31 +4838,6 @@
       </p:grpSpPr>
       <p:sp>
         <p:nvSpPr>
-          <p:cNvPr id="3" name="Content Placeholder 2">
-            <a:extLst>
-              <a:ext uri="{FF2B5EF4-FFF2-40B4-BE49-F238E27FC236}">
-                <a16:creationId xmlns:a16="http://schemas.microsoft.com/office/drawing/2014/main" id="{625E8EB1-9EFF-F94E-ACEC-5A50C32B3BC3}"/>
-              </a:ext>
-            </a:extLst>
-          </p:cNvPr>
-          <p:cNvSpPr>
-            <a:spLocks noGrp="1"/>
-          </p:cNvSpPr>
-          <p:nvPr>
-            <p:ph idx="1"/>
-          </p:nvPr>
-        </p:nvSpPr>
-        <p:spPr/>
-        <p:txBody>
-          <a:bodyPr/>
-          <a:lstStyle/>
-          <a:p>
-            <a:endParaRPr lang="en-US"/>
-          </a:p>
-        </p:txBody>
-      </p:sp>
-      <p:sp>
-        <p:nvSpPr>
           <p:cNvPr id="4" name="Title 1">
             <a:extLst>
               <a:ext uri="{FF2B5EF4-FFF2-40B4-BE49-F238E27FC236}">
@@ -4175,6 +4890,36 @@
           </a:p>
         </p:txBody>
       </p:sp>
+      <p:pic>
+        <p:nvPicPr>
+          <p:cNvPr id="5" name="Picture 4">
+            <a:extLst>
+              <a:ext uri="{FF2B5EF4-FFF2-40B4-BE49-F238E27FC236}">
+                <a16:creationId xmlns:a16="http://schemas.microsoft.com/office/drawing/2014/main" id="{33423421-6B5D-FC4D-AAD1-1A6B13B0244D}"/>
+              </a:ext>
+            </a:extLst>
+          </p:cNvPr>
+          <p:cNvPicPr>
+            <a:picLocks noChangeAspect="1"/>
+          </p:cNvPicPr>
+          <p:nvPr/>
+        </p:nvPicPr>
+        <p:blipFill>
+          <a:blip r:embed="rId2"/>
+          <a:stretch>
+            <a:fillRect/>
+          </a:stretch>
+        </p:blipFill>
+        <p:spPr>
+          <a:xfrm>
+            <a:off x="1012658" y="1726856"/>
+            <a:ext cx="10166684" cy="2571750"/>
+          </a:xfrm>
+          <a:prstGeom prst="rect">
+            <a:avLst/>
+          </a:prstGeom>
+        </p:spPr>
+      </p:pic>
     </p:spTree>
     <p:extLst>
       <p:ext uri="{BB962C8B-B14F-4D97-AF65-F5344CB8AC3E}">
@@ -4188,7 +4933,7 @@
 </p:sld>
 </file>
 
-<file path=ppt/slides/slide7.xml><?xml version="1.0" encoding="utf-8"?>
+<file path=ppt/slides/slide9.xml><?xml version="1.0" encoding="utf-8"?>
 <p:sld xmlns:a="http://schemas.openxmlformats.org/drawingml/2006/main" xmlns:r="http://schemas.openxmlformats.org/officeDocument/2006/relationships" xmlns:p="http://schemas.openxmlformats.org/presentationml/2006/main">
   <p:cSld>
     <p:spTree>
@@ -4207,31 +4952,6 @@
       </p:grpSpPr>
       <p:sp>
         <p:nvSpPr>
-          <p:cNvPr id="3" name="Content Placeholder 2">
-            <a:extLst>
-              <a:ext uri="{FF2B5EF4-FFF2-40B4-BE49-F238E27FC236}">
-                <a16:creationId xmlns:a16="http://schemas.microsoft.com/office/drawing/2014/main" id="{625E8EB1-9EFF-F94E-ACEC-5A50C32B3BC3}"/>
-              </a:ext>
-            </a:extLst>
-          </p:cNvPr>
-          <p:cNvSpPr>
-            <a:spLocks noGrp="1"/>
-          </p:cNvSpPr>
-          <p:nvPr>
-            <p:ph idx="1"/>
-          </p:nvPr>
-        </p:nvSpPr>
-        <p:spPr/>
-        <p:txBody>
-          <a:bodyPr/>
-          <a:lstStyle/>
-          <a:p>
-            <a:endParaRPr lang="en-US"/>
-          </a:p>
-        </p:txBody>
-      </p:sp>
-      <p:sp>
-        <p:nvSpPr>
           <p:cNvPr id="4" name="Title 1">
             <a:extLst>
               <a:ext uri="{FF2B5EF4-FFF2-40B4-BE49-F238E27FC236}">
@@ -4278,12 +4998,83 @@
           </a:lstStyle>
           <a:p>
             <a:r>
-              <a:rPr lang="en-US" dirty="0"/>
-              <a:t>Software</a:t>
-            </a:r>
-          </a:p>
-        </p:txBody>
-      </p:sp>
+              <a:rPr lang="en-US"/>
+              <a:t>Current Challenges</a:t>
+            </a:r>
+            <a:endParaRPr lang="en-US" dirty="0"/>
+          </a:p>
+        </p:txBody>
+      </p:sp>
+      <p:pic>
+        <p:nvPicPr>
+          <p:cNvPr id="7" name="Picture 6">
+            <a:extLst>
+              <a:ext uri="{FF2B5EF4-FFF2-40B4-BE49-F238E27FC236}">
+                <a16:creationId xmlns:a16="http://schemas.microsoft.com/office/drawing/2014/main" id="{E9A66836-A55E-934A-BE86-D5CDA22E0270}"/>
+              </a:ext>
+            </a:extLst>
+          </p:cNvPr>
+          <p:cNvPicPr>
+            <a:picLocks noChangeAspect="1"/>
+          </p:cNvPicPr>
+          <p:nvPr/>
+        </p:nvPicPr>
+        <p:blipFill>
+          <a:blip r:embed="rId2"/>
+          <a:stretch>
+            <a:fillRect/>
+          </a:stretch>
+        </p:blipFill>
+        <p:spPr>
+          <a:xfrm>
+            <a:off x="139701" y="917554"/>
+            <a:ext cx="7935348" cy="3925909"/>
+          </a:xfrm>
+          <a:prstGeom prst="rect">
+            <a:avLst/>
+          </a:prstGeom>
+          <a:ln>
+            <a:solidFill>
+              <a:schemeClr val="tx1"/>
+            </a:solidFill>
+          </a:ln>
+        </p:spPr>
+      </p:pic>
+      <p:pic>
+        <p:nvPicPr>
+          <p:cNvPr id="5" name="Picture 4">
+            <a:extLst>
+              <a:ext uri="{FF2B5EF4-FFF2-40B4-BE49-F238E27FC236}">
+                <a16:creationId xmlns:a16="http://schemas.microsoft.com/office/drawing/2014/main" id="{C5754A89-A71F-EA4A-9B97-D9845ACD2E70}"/>
+              </a:ext>
+            </a:extLst>
+          </p:cNvPr>
+          <p:cNvPicPr>
+            <a:picLocks noChangeAspect="1"/>
+          </p:cNvPicPr>
+          <p:nvPr/>
+        </p:nvPicPr>
+        <p:blipFill>
+          <a:blip r:embed="rId3"/>
+          <a:stretch>
+            <a:fillRect/>
+          </a:stretch>
+        </p:blipFill>
+        <p:spPr>
+          <a:xfrm>
+            <a:off x="6472238" y="2527257"/>
+            <a:ext cx="5580061" cy="4185047"/>
+          </a:xfrm>
+          <a:prstGeom prst="rect">
+            <a:avLst/>
+          </a:prstGeom>
+          <a:ln>
+            <a:solidFill>
+              <a:schemeClr val="tx1"/>
+            </a:solidFill>
+          </a:ln>
+        </p:spPr>
+      </p:pic>
     </p:spTree>
     <p:extLst>
       <p:ext uri="{BB962C8B-B14F-4D97-AF65-F5344CB8AC3E}">

--- a/midway_progress/midway_pres.pptx
+++ b/midway_progress/midway_pres.pptx
@@ -4,6 +4,9 @@
   <p:sldMasterIdLst>
     <p:sldMasterId id="2147483672" r:id="rId1"/>
   </p:sldMasterIdLst>
+  <p:notesMasterIdLst>
+    <p:notesMasterId r:id="rId11"/>
+  </p:notesMasterIdLst>
   <p:sldIdLst>
     <p:sldId id="256" r:id="rId2"/>
     <p:sldId id="257" r:id="rId3"/>
@@ -12,10 +15,8 @@
     <p:sldId id="264" r:id="rId6"/>
     <p:sldId id="263" r:id="rId7"/>
     <p:sldId id="260" r:id="rId8"/>
-    <p:sldId id="261" r:id="rId9"/>
-    <p:sldId id="262" r:id="rId10"/>
-    <p:sldId id="265" r:id="rId11"/>
-    <p:sldId id="266" r:id="rId12"/>
+    <p:sldId id="262" r:id="rId9"/>
+    <p:sldId id="265" r:id="rId10"/>
   </p:sldIdLst>
   <p:sldSz cx="12192000" cy="6858000"/>
   <p:notesSz cx="6858000" cy="9144000"/>
@@ -122,6 +123,726 @@
 </p:presentation>
 </file>
 
+<file path=ppt/notesMasters/notesMaster1.xml><?xml version="1.0" encoding="utf-8"?>
+<p:notesMaster xmlns:a="http://schemas.openxmlformats.org/drawingml/2006/main" xmlns:r="http://schemas.openxmlformats.org/officeDocument/2006/relationships" xmlns:p="http://schemas.openxmlformats.org/presentationml/2006/main">
+  <p:cSld>
+    <p:bg>
+      <p:bgRef idx="1001">
+        <a:schemeClr val="bg1"/>
+      </p:bgRef>
+    </p:bg>
+    <p:spTree>
+      <p:nvGrpSpPr>
+        <p:cNvPr id="1" name=""/>
+        <p:cNvGrpSpPr/>
+        <p:nvPr/>
+      </p:nvGrpSpPr>
+      <p:grpSpPr>
+        <a:xfrm>
+          <a:off x="0" y="0"/>
+          <a:ext cx="0" cy="0"/>
+          <a:chOff x="0" y="0"/>
+          <a:chExt cx="0" cy="0"/>
+        </a:xfrm>
+      </p:grpSpPr>
+      <p:sp>
+        <p:nvSpPr>
+          <p:cNvPr id="2" name="Header Placeholder 1"/>
+          <p:cNvSpPr>
+            <a:spLocks noGrp="1"/>
+          </p:cNvSpPr>
+          <p:nvPr>
+            <p:ph type="hdr" sz="quarter"/>
+          </p:nvPr>
+        </p:nvSpPr>
+        <p:spPr>
+          <a:xfrm>
+            <a:off x="0" y="0"/>
+            <a:ext cx="2971800" cy="458788"/>
+          </a:xfrm>
+          <a:prstGeom prst="rect">
+            <a:avLst/>
+          </a:prstGeom>
+        </p:spPr>
+        <p:txBody>
+          <a:bodyPr vert="horz" lIns="91440" tIns="45720" rIns="91440" bIns="45720" rtlCol="0"/>
+          <a:lstStyle>
+            <a:lvl1pPr algn="l">
+              <a:defRPr sz="1200"/>
+            </a:lvl1pPr>
+          </a:lstStyle>
+          <a:p>
+            <a:endParaRPr lang="en-US"/>
+          </a:p>
+        </p:txBody>
+      </p:sp>
+      <p:sp>
+        <p:nvSpPr>
+          <p:cNvPr id="3" name="Date Placeholder 2"/>
+          <p:cNvSpPr>
+            <a:spLocks noGrp="1"/>
+          </p:cNvSpPr>
+          <p:nvPr>
+            <p:ph type="dt" idx="1"/>
+          </p:nvPr>
+        </p:nvSpPr>
+        <p:spPr>
+          <a:xfrm>
+            <a:off x="3884613" y="0"/>
+            <a:ext cx="2971800" cy="458788"/>
+          </a:xfrm>
+          <a:prstGeom prst="rect">
+            <a:avLst/>
+          </a:prstGeom>
+        </p:spPr>
+        <p:txBody>
+          <a:bodyPr vert="horz" lIns="91440" tIns="45720" rIns="91440" bIns="45720" rtlCol="0"/>
+          <a:lstStyle>
+            <a:lvl1pPr algn="r">
+              <a:defRPr sz="1200"/>
+            </a:lvl1pPr>
+          </a:lstStyle>
+          <a:p>
+            <a:fld id="{803DFAC6-C2D9-8541-926B-AC149459E9BC}" type="datetimeFigureOut">
+              <a:rPr lang="en-US" smtClean="0"/>
+              <a:t>10/30/19</a:t>
+            </a:fld>
+            <a:endParaRPr lang="en-US"/>
+          </a:p>
+        </p:txBody>
+      </p:sp>
+      <p:sp>
+        <p:nvSpPr>
+          <p:cNvPr id="4" name="Slide Image Placeholder 3"/>
+          <p:cNvSpPr>
+            <a:spLocks noGrp="1" noRot="1" noChangeAspect="1"/>
+          </p:cNvSpPr>
+          <p:nvPr>
+            <p:ph type="sldImg" idx="2"/>
+          </p:nvPr>
+        </p:nvSpPr>
+        <p:spPr>
+          <a:xfrm>
+            <a:off x="685800" y="1143000"/>
+            <a:ext cx="5486400" cy="3086100"/>
+          </a:xfrm>
+          <a:prstGeom prst="rect">
+            <a:avLst/>
+          </a:prstGeom>
+          <a:noFill/>
+          <a:ln w="12700">
+            <a:solidFill>
+              <a:prstClr val="black"/>
+            </a:solidFill>
+          </a:ln>
+        </p:spPr>
+        <p:txBody>
+          <a:bodyPr vert="horz" lIns="91440" tIns="45720" rIns="91440" bIns="45720" rtlCol="0" anchor="ctr"/>
+          <a:lstStyle/>
+          <a:p>
+            <a:endParaRPr lang="en-US"/>
+          </a:p>
+        </p:txBody>
+      </p:sp>
+      <p:sp>
+        <p:nvSpPr>
+          <p:cNvPr id="5" name="Notes Placeholder 4"/>
+          <p:cNvSpPr>
+            <a:spLocks noGrp="1"/>
+          </p:cNvSpPr>
+          <p:nvPr>
+            <p:ph type="body" sz="quarter" idx="3"/>
+          </p:nvPr>
+        </p:nvSpPr>
+        <p:spPr>
+          <a:xfrm>
+            <a:off x="685800" y="4400550"/>
+            <a:ext cx="5486400" cy="3600450"/>
+          </a:xfrm>
+          <a:prstGeom prst="rect">
+            <a:avLst/>
+          </a:prstGeom>
+        </p:spPr>
+        <p:txBody>
+          <a:bodyPr vert="horz" lIns="91440" tIns="45720" rIns="91440" bIns="45720" rtlCol="0"/>
+          <a:lstStyle/>
+          <a:p>
+            <a:pPr lvl="0"/>
+            <a:r>
+              <a:rPr lang="en-US"/>
+              <a:t>Click to edit Master text styles</a:t>
+            </a:r>
+          </a:p>
+          <a:p>
+            <a:pPr lvl="1"/>
+            <a:r>
+              <a:rPr lang="en-US"/>
+              <a:t>Second level</a:t>
+            </a:r>
+          </a:p>
+          <a:p>
+            <a:pPr lvl="2"/>
+            <a:r>
+              <a:rPr lang="en-US"/>
+              <a:t>Third level</a:t>
+            </a:r>
+          </a:p>
+          <a:p>
+            <a:pPr lvl="3"/>
+            <a:r>
+              <a:rPr lang="en-US"/>
+              <a:t>Fourth level</a:t>
+            </a:r>
+          </a:p>
+          <a:p>
+            <a:pPr lvl="4"/>
+            <a:r>
+              <a:rPr lang="en-US"/>
+              <a:t>Fifth level</a:t>
+            </a:r>
+          </a:p>
+        </p:txBody>
+      </p:sp>
+      <p:sp>
+        <p:nvSpPr>
+          <p:cNvPr id="6" name="Footer Placeholder 5"/>
+          <p:cNvSpPr>
+            <a:spLocks noGrp="1"/>
+          </p:cNvSpPr>
+          <p:nvPr>
+            <p:ph type="ftr" sz="quarter" idx="4"/>
+          </p:nvPr>
+        </p:nvSpPr>
+        <p:spPr>
+          <a:xfrm>
+            <a:off x="0" y="8685213"/>
+            <a:ext cx="2971800" cy="458787"/>
+          </a:xfrm>
+          <a:prstGeom prst="rect">
+            <a:avLst/>
+          </a:prstGeom>
+        </p:spPr>
+        <p:txBody>
+          <a:bodyPr vert="horz" lIns="91440" tIns="45720" rIns="91440" bIns="45720" rtlCol="0" anchor="b"/>
+          <a:lstStyle>
+            <a:lvl1pPr algn="l">
+              <a:defRPr sz="1200"/>
+            </a:lvl1pPr>
+          </a:lstStyle>
+          <a:p>
+            <a:endParaRPr lang="en-US"/>
+          </a:p>
+        </p:txBody>
+      </p:sp>
+      <p:sp>
+        <p:nvSpPr>
+          <p:cNvPr id="7" name="Slide Number Placeholder 6"/>
+          <p:cNvSpPr>
+            <a:spLocks noGrp="1"/>
+          </p:cNvSpPr>
+          <p:nvPr>
+            <p:ph type="sldNum" sz="quarter" idx="5"/>
+          </p:nvPr>
+        </p:nvSpPr>
+        <p:spPr>
+          <a:xfrm>
+            <a:off x="3884613" y="8685213"/>
+            <a:ext cx="2971800" cy="458787"/>
+          </a:xfrm>
+          <a:prstGeom prst="rect">
+            <a:avLst/>
+          </a:prstGeom>
+        </p:spPr>
+        <p:txBody>
+          <a:bodyPr vert="horz" lIns="91440" tIns="45720" rIns="91440" bIns="45720" rtlCol="0" anchor="b"/>
+          <a:lstStyle>
+            <a:lvl1pPr algn="r">
+              <a:defRPr sz="1200"/>
+            </a:lvl1pPr>
+          </a:lstStyle>
+          <a:p>
+            <a:fld id="{F22AF947-1AB1-B24A-AF02-3BFFEA58FC37}" type="slidenum">
+              <a:rPr lang="en-US" smtClean="0"/>
+              <a:t>‹#›</a:t>
+            </a:fld>
+            <a:endParaRPr lang="en-US"/>
+          </a:p>
+        </p:txBody>
+      </p:sp>
+    </p:spTree>
+    <p:extLst>
+      <p:ext uri="{BB962C8B-B14F-4D97-AF65-F5344CB8AC3E}">
+        <p14:creationId xmlns:p14="http://schemas.microsoft.com/office/powerpoint/2010/main" val="1936149782"/>
+      </p:ext>
+    </p:extLst>
+  </p:cSld>
+  <p:clrMap bg1="lt1" tx1="dk1" bg2="lt2" tx2="dk2" accent1="accent1" accent2="accent2" accent3="accent3" accent4="accent4" accent5="accent5" accent6="accent6" hlink="hlink" folHlink="folHlink"/>
+  <p:notesStyle>
+    <a:lvl1pPr marL="0" algn="l" defTabSz="914400" rtl="0" eaLnBrk="1" latinLnBrk="0" hangingPunct="1">
+      <a:defRPr sz="1200" kern="1200">
+        <a:solidFill>
+          <a:schemeClr val="tx1"/>
+        </a:solidFill>
+        <a:latin typeface="+mn-lt"/>
+        <a:ea typeface="+mn-ea"/>
+        <a:cs typeface="+mn-cs"/>
+      </a:defRPr>
+    </a:lvl1pPr>
+    <a:lvl2pPr marL="457200" algn="l" defTabSz="914400" rtl="0" eaLnBrk="1" latinLnBrk="0" hangingPunct="1">
+      <a:defRPr sz="1200" kern="1200">
+        <a:solidFill>
+          <a:schemeClr val="tx1"/>
+        </a:solidFill>
+        <a:latin typeface="+mn-lt"/>
+        <a:ea typeface="+mn-ea"/>
+        <a:cs typeface="+mn-cs"/>
+      </a:defRPr>
+    </a:lvl2pPr>
+    <a:lvl3pPr marL="914400" algn="l" defTabSz="914400" rtl="0" eaLnBrk="1" latinLnBrk="0" hangingPunct="1">
+      <a:defRPr sz="1200" kern="1200">
+        <a:solidFill>
+          <a:schemeClr val="tx1"/>
+        </a:solidFill>
+        <a:latin typeface="+mn-lt"/>
+        <a:ea typeface="+mn-ea"/>
+        <a:cs typeface="+mn-cs"/>
+      </a:defRPr>
+    </a:lvl3pPr>
+    <a:lvl4pPr marL="1371600" algn="l" defTabSz="914400" rtl="0" eaLnBrk="1" latinLnBrk="0" hangingPunct="1">
+      <a:defRPr sz="1200" kern="1200">
+        <a:solidFill>
+          <a:schemeClr val="tx1"/>
+        </a:solidFill>
+        <a:latin typeface="+mn-lt"/>
+        <a:ea typeface="+mn-ea"/>
+        <a:cs typeface="+mn-cs"/>
+      </a:defRPr>
+    </a:lvl4pPr>
+    <a:lvl5pPr marL="1828800" algn="l" defTabSz="914400" rtl="0" eaLnBrk="1" latinLnBrk="0" hangingPunct="1">
+      <a:defRPr sz="1200" kern="1200">
+        <a:solidFill>
+          <a:schemeClr val="tx1"/>
+        </a:solidFill>
+        <a:latin typeface="+mn-lt"/>
+        <a:ea typeface="+mn-ea"/>
+        <a:cs typeface="+mn-cs"/>
+      </a:defRPr>
+    </a:lvl5pPr>
+    <a:lvl6pPr marL="2286000" algn="l" defTabSz="914400" rtl="0" eaLnBrk="1" latinLnBrk="0" hangingPunct="1">
+      <a:defRPr sz="1200" kern="1200">
+        <a:solidFill>
+          <a:schemeClr val="tx1"/>
+        </a:solidFill>
+        <a:latin typeface="+mn-lt"/>
+        <a:ea typeface="+mn-ea"/>
+        <a:cs typeface="+mn-cs"/>
+      </a:defRPr>
+    </a:lvl6pPr>
+    <a:lvl7pPr marL="2743200" algn="l" defTabSz="914400" rtl="0" eaLnBrk="1" latinLnBrk="0" hangingPunct="1">
+      <a:defRPr sz="1200" kern="1200">
+        <a:solidFill>
+          <a:schemeClr val="tx1"/>
+        </a:solidFill>
+        <a:latin typeface="+mn-lt"/>
+        <a:ea typeface="+mn-ea"/>
+        <a:cs typeface="+mn-cs"/>
+      </a:defRPr>
+    </a:lvl7pPr>
+    <a:lvl8pPr marL="3200400" algn="l" defTabSz="914400" rtl="0" eaLnBrk="1" latinLnBrk="0" hangingPunct="1">
+      <a:defRPr sz="1200" kern="1200">
+        <a:solidFill>
+          <a:schemeClr val="tx1"/>
+        </a:solidFill>
+        <a:latin typeface="+mn-lt"/>
+        <a:ea typeface="+mn-ea"/>
+        <a:cs typeface="+mn-cs"/>
+      </a:defRPr>
+    </a:lvl8pPr>
+    <a:lvl9pPr marL="3657600" algn="l" defTabSz="914400" rtl="0" eaLnBrk="1" latinLnBrk="0" hangingPunct="1">
+      <a:defRPr sz="1200" kern="1200">
+        <a:solidFill>
+          <a:schemeClr val="tx1"/>
+        </a:solidFill>
+        <a:latin typeface="+mn-lt"/>
+        <a:ea typeface="+mn-ea"/>
+        <a:cs typeface="+mn-cs"/>
+      </a:defRPr>
+    </a:lvl9pPr>
+  </p:notesStyle>
+</p:notesMaster>
+</file>
+
+<file path=ppt/notesSlides/notesSlide1.xml><?xml version="1.0" encoding="utf-8"?>
+<p:notes xmlns:a="http://schemas.openxmlformats.org/drawingml/2006/main" xmlns:r="http://schemas.openxmlformats.org/officeDocument/2006/relationships" xmlns:p="http://schemas.openxmlformats.org/presentationml/2006/main">
+  <p:cSld>
+    <p:spTree>
+      <p:nvGrpSpPr>
+        <p:cNvPr id="1" name=""/>
+        <p:cNvGrpSpPr/>
+        <p:nvPr/>
+      </p:nvGrpSpPr>
+      <p:grpSpPr>
+        <a:xfrm>
+          <a:off x="0" y="0"/>
+          <a:ext cx="0" cy="0"/>
+          <a:chOff x="0" y="0"/>
+          <a:chExt cx="0" cy="0"/>
+        </a:xfrm>
+      </p:grpSpPr>
+      <p:sp>
+        <p:nvSpPr>
+          <p:cNvPr id="2" name="Slide Image Placeholder 1"/>
+          <p:cNvSpPr>
+            <a:spLocks noGrp="1" noRot="1" noChangeAspect="1"/>
+          </p:cNvSpPr>
+          <p:nvPr>
+            <p:ph type="sldImg"/>
+          </p:nvPr>
+        </p:nvSpPr>
+        <p:spPr/>
+      </p:sp>
+      <p:sp>
+        <p:nvSpPr>
+          <p:cNvPr id="3" name="Notes Placeholder 2"/>
+          <p:cNvSpPr>
+            <a:spLocks noGrp="1"/>
+          </p:cNvSpPr>
+          <p:nvPr>
+            <p:ph type="body" idx="1"/>
+          </p:nvPr>
+        </p:nvSpPr>
+        <p:spPr/>
+        <p:txBody>
+          <a:bodyPr/>
+          <a:lstStyle/>
+          <a:p>
+            <a:pPr marL="0" marR="0" lvl="0" indent="0" algn="l" defTabSz="914400" rtl="0" eaLnBrk="1" fontAlgn="auto" latinLnBrk="0" hangingPunct="1">
+              <a:lnSpc>
+                <a:spcPct val="100000"/>
+              </a:lnSpc>
+              <a:spcBef>
+                <a:spcPts val="0"/>
+              </a:spcBef>
+              <a:spcAft>
+                <a:spcPts val="0"/>
+              </a:spcAft>
+              <a:buClrTx/>
+              <a:buSzTx/>
+              <a:buFontTx/>
+              <a:buNone/>
+              <a:tabLst/>
+              <a:defRPr/>
+            </a:pPr>
+            <a:r>
+              <a:rPr lang="en-US" sz="1200" kern="1200" dirty="0" err="1">
+                <a:solidFill>
+                  <a:schemeClr val="tx1"/>
+                </a:solidFill>
+                <a:effectLst/>
+                <a:latin typeface="+mn-lt"/>
+                <a:ea typeface="+mn-ea"/>
+                <a:cs typeface="+mn-cs"/>
+              </a:rPr>
+              <a:t>Phinyomark</a:t>
+            </a:r>
+            <a:r>
+              <a:rPr lang="en-US" sz="1200" kern="1200" dirty="0">
+                <a:solidFill>
+                  <a:schemeClr val="tx1"/>
+                </a:solidFill>
+                <a:effectLst/>
+                <a:latin typeface="+mn-lt"/>
+                <a:ea typeface="+mn-ea"/>
+                <a:cs typeface="+mn-cs"/>
+              </a:rPr>
+              <a:t> - mapper algorithm created a topological network to better understand the EMG feature space:</a:t>
+            </a:r>
+          </a:p>
+          <a:p>
+            <a:pPr marL="0" marR="0" lvl="0" indent="0" algn="l" defTabSz="914400" rtl="0" eaLnBrk="1" fontAlgn="auto" latinLnBrk="0" hangingPunct="1">
+              <a:lnSpc>
+                <a:spcPct val="100000"/>
+              </a:lnSpc>
+              <a:spcBef>
+                <a:spcPts val="0"/>
+              </a:spcBef>
+              <a:spcAft>
+                <a:spcPts val="0"/>
+              </a:spcAft>
+              <a:buClrTx/>
+              <a:buSzTx/>
+              <a:buFontTx/>
+              <a:buNone/>
+              <a:tabLst/>
+              <a:defRPr/>
+            </a:pPr>
+            <a:r>
+              <a:rPr lang="en-US" sz="1200" kern="1200" dirty="0">
+                <a:solidFill>
+                  <a:schemeClr val="tx1"/>
+                </a:solidFill>
+                <a:effectLst/>
+                <a:latin typeface="+mn-lt"/>
+                <a:ea typeface="+mn-ea"/>
+                <a:cs typeface="+mn-cs"/>
+              </a:rPr>
+              <a:t>signal amplitude and power</a:t>
+            </a:r>
+          </a:p>
+          <a:p>
+            <a:pPr marL="0" marR="0" lvl="0" indent="0" algn="l" defTabSz="914400" rtl="0" eaLnBrk="1" fontAlgn="auto" latinLnBrk="0" hangingPunct="1">
+              <a:lnSpc>
+                <a:spcPct val="100000"/>
+              </a:lnSpc>
+              <a:spcBef>
+                <a:spcPts val="0"/>
+              </a:spcBef>
+              <a:spcAft>
+                <a:spcPts val="0"/>
+              </a:spcAft>
+              <a:buClrTx/>
+              <a:buSzTx/>
+              <a:buFontTx/>
+              <a:buNone/>
+              <a:tabLst/>
+              <a:defRPr/>
+            </a:pPr>
+            <a:r>
+              <a:rPr lang="en-US" sz="1200" kern="1200" dirty="0">
+                <a:solidFill>
+                  <a:schemeClr val="tx1"/>
+                </a:solidFill>
+                <a:effectLst/>
+                <a:latin typeface="+mn-lt"/>
+                <a:ea typeface="+mn-ea"/>
+                <a:cs typeface="+mn-cs"/>
+              </a:rPr>
+              <a:t>nonlinear complexity and frequency information</a:t>
+            </a:r>
+          </a:p>
+          <a:p>
+            <a:pPr marL="0" marR="0" lvl="0" indent="0" algn="l" defTabSz="914400" rtl="0" eaLnBrk="1" fontAlgn="auto" latinLnBrk="0" hangingPunct="1">
+              <a:lnSpc>
+                <a:spcPct val="100000"/>
+              </a:lnSpc>
+              <a:spcBef>
+                <a:spcPts val="0"/>
+              </a:spcBef>
+              <a:spcAft>
+                <a:spcPts val="0"/>
+              </a:spcAft>
+              <a:buClrTx/>
+              <a:buSzTx/>
+              <a:buFontTx/>
+              <a:buNone/>
+              <a:tabLst/>
+              <a:defRPr/>
+            </a:pPr>
+            <a:r>
+              <a:rPr lang="en-US" sz="1200" kern="1200" dirty="0">
+                <a:solidFill>
+                  <a:schemeClr val="tx1"/>
+                </a:solidFill>
+                <a:effectLst/>
+                <a:latin typeface="+mn-lt"/>
+                <a:ea typeface="+mn-ea"/>
+                <a:cs typeface="+mn-cs"/>
+              </a:rPr>
+              <a:t>and time-series structure </a:t>
+            </a:r>
+            <a:endParaRPr lang="en-US" dirty="0"/>
+          </a:p>
+          <a:p>
+            <a:endParaRPr lang="en-US" dirty="0"/>
+          </a:p>
+          <a:p>
+            <a:pPr marL="0" marR="0" lvl="0" indent="0" algn="l" defTabSz="914400" rtl="0" eaLnBrk="1" fontAlgn="auto" latinLnBrk="0" hangingPunct="1">
+              <a:lnSpc>
+                <a:spcPct val="100000"/>
+              </a:lnSpc>
+              <a:spcBef>
+                <a:spcPts val="0"/>
+              </a:spcBef>
+              <a:spcAft>
+                <a:spcPts val="0"/>
+              </a:spcAft>
+              <a:buClrTx/>
+              <a:buSzTx/>
+              <a:buFontTx/>
+              <a:buNone/>
+              <a:tabLst/>
+              <a:defRPr/>
+            </a:pPr>
+            <a:r>
+              <a:rPr lang="en-US" dirty="0"/>
+              <a:t>SSM – encodes distances on a time ordered point cloud &gt; similarity network fusion (SNF) - </a:t>
+            </a:r>
+            <a:r>
+              <a:rPr lang="en-US" sz="1200" kern="1200" dirty="0">
+                <a:solidFill>
+                  <a:schemeClr val="tx1"/>
+                </a:solidFill>
+                <a:effectLst/>
+                <a:latin typeface="+mn-lt"/>
+                <a:ea typeface="+mn-ea"/>
+                <a:cs typeface="+mn-cs"/>
+              </a:rPr>
+              <a:t>takes SSMs and outputs a single fused template which is meant to leverage the strengths of </a:t>
+            </a:r>
+            <a:r>
+              <a:rPr lang="en-US" sz="1200" kern="1200" dirty="0" err="1">
+                <a:solidFill>
+                  <a:schemeClr val="tx1"/>
+                </a:solidFill>
+                <a:effectLst/>
+                <a:latin typeface="+mn-lt"/>
+                <a:ea typeface="+mn-ea"/>
+                <a:cs typeface="+mn-cs"/>
+              </a:rPr>
+              <a:t>indiv</a:t>
+            </a:r>
+            <a:r>
+              <a:rPr lang="en-US" sz="1200" kern="1200" dirty="0">
+                <a:solidFill>
+                  <a:schemeClr val="tx1"/>
+                </a:solidFill>
+                <a:effectLst/>
+                <a:latin typeface="+mn-lt"/>
+                <a:ea typeface="+mn-ea"/>
+                <a:cs typeface="+mn-cs"/>
+              </a:rPr>
+              <a:t> SSMs &gt; shattering transform provides geometric features of template</a:t>
+            </a:r>
+            <a:endParaRPr lang="en-US" dirty="0"/>
+          </a:p>
+          <a:p>
+            <a:r>
+              <a:rPr lang="en-US" dirty="0"/>
+              <a:t>O(N^3) for N x N matrix but can be mitigated via sparse</a:t>
+            </a:r>
+          </a:p>
+        </p:txBody>
+      </p:sp>
+      <p:sp>
+        <p:nvSpPr>
+          <p:cNvPr id="4" name="Slide Number Placeholder 3"/>
+          <p:cNvSpPr>
+            <a:spLocks noGrp="1"/>
+          </p:cNvSpPr>
+          <p:nvPr>
+            <p:ph type="sldNum" sz="quarter" idx="5"/>
+          </p:nvPr>
+        </p:nvSpPr>
+        <p:spPr/>
+        <p:txBody>
+          <a:bodyPr/>
+          <a:lstStyle/>
+          <a:p>
+            <a:fld id="{F22AF947-1AB1-B24A-AF02-3BFFEA58FC37}" type="slidenum">
+              <a:rPr lang="en-US" smtClean="0"/>
+              <a:t>6</a:t>
+            </a:fld>
+            <a:endParaRPr lang="en-US"/>
+          </a:p>
+        </p:txBody>
+      </p:sp>
+    </p:spTree>
+    <p:extLst>
+      <p:ext uri="{BB962C8B-B14F-4D97-AF65-F5344CB8AC3E}">
+        <p14:creationId xmlns:p14="http://schemas.microsoft.com/office/powerpoint/2010/main" val="1318440306"/>
+      </p:ext>
+    </p:extLst>
+  </p:cSld>
+  <p:clrMapOvr>
+    <a:masterClrMapping/>
+  </p:clrMapOvr>
+</p:notes>
+</file>
+
+<file path=ppt/notesSlides/notesSlide2.xml><?xml version="1.0" encoding="utf-8"?>
+<p:notes xmlns:a="http://schemas.openxmlformats.org/drawingml/2006/main" xmlns:r="http://schemas.openxmlformats.org/officeDocument/2006/relationships" xmlns:p="http://schemas.openxmlformats.org/presentationml/2006/main">
+  <p:cSld>
+    <p:spTree>
+      <p:nvGrpSpPr>
+        <p:cNvPr id="1" name=""/>
+        <p:cNvGrpSpPr/>
+        <p:nvPr/>
+      </p:nvGrpSpPr>
+      <p:grpSpPr>
+        <a:xfrm>
+          <a:off x="0" y="0"/>
+          <a:ext cx="0" cy="0"/>
+          <a:chOff x="0" y="0"/>
+          <a:chExt cx="0" cy="0"/>
+        </a:xfrm>
+      </p:grpSpPr>
+      <p:sp>
+        <p:nvSpPr>
+          <p:cNvPr id="2" name="Slide Image Placeholder 1"/>
+          <p:cNvSpPr>
+            <a:spLocks noGrp="1" noRot="1" noChangeAspect="1"/>
+          </p:cNvSpPr>
+          <p:nvPr>
+            <p:ph type="sldImg"/>
+          </p:nvPr>
+        </p:nvSpPr>
+        <p:spPr/>
+      </p:sp>
+      <p:sp>
+        <p:nvSpPr>
+          <p:cNvPr id="3" name="Notes Placeholder 2"/>
+          <p:cNvSpPr>
+            <a:spLocks noGrp="1"/>
+          </p:cNvSpPr>
+          <p:nvPr>
+            <p:ph type="body" idx="1"/>
+          </p:nvPr>
+        </p:nvSpPr>
+        <p:spPr/>
+        <p:txBody>
+          <a:bodyPr/>
+          <a:lstStyle/>
+          <a:p>
+            <a:endParaRPr lang="en-US" dirty="0"/>
+          </a:p>
+        </p:txBody>
+      </p:sp>
+      <p:sp>
+        <p:nvSpPr>
+          <p:cNvPr id="4" name="Slide Number Placeholder 3"/>
+          <p:cNvSpPr>
+            <a:spLocks noGrp="1"/>
+          </p:cNvSpPr>
+          <p:nvPr>
+            <p:ph type="sldNum" sz="quarter" idx="5"/>
+          </p:nvPr>
+        </p:nvSpPr>
+        <p:spPr/>
+        <p:txBody>
+          <a:bodyPr/>
+          <a:lstStyle/>
+          <a:p>
+            <a:fld id="{F22AF947-1AB1-B24A-AF02-3BFFEA58FC37}" type="slidenum">
+              <a:rPr lang="en-US" smtClean="0"/>
+              <a:t>9</a:t>
+            </a:fld>
+            <a:endParaRPr lang="en-US"/>
+          </a:p>
+        </p:txBody>
+      </p:sp>
+    </p:spTree>
+    <p:extLst>
+      <p:ext uri="{BB962C8B-B14F-4D97-AF65-F5344CB8AC3E}">
+        <p14:creationId xmlns:p14="http://schemas.microsoft.com/office/powerpoint/2010/main" val="3122172314"/>
+      </p:ext>
+    </p:extLst>
+  </p:cSld>
+  <p:clrMapOvr>
+    <a:masterClrMapping/>
+  </p:clrMapOvr>
+</p:notes>
+</file>
+
 <file path=ppt/slideLayouts/slideLayout1.xml><?xml version="1.0" encoding="utf-8"?>
 <p:sldLayout xmlns:a="http://schemas.openxmlformats.org/drawingml/2006/main" xmlns:r="http://schemas.openxmlformats.org/officeDocument/2006/relationships" xmlns:p="http://schemas.openxmlformats.org/presentationml/2006/main" type="title" preserve="1">
   <p:cSld name="Title Slide">
@@ -253,7 +974,7 @@
           <a:p>
             <a:fld id="{66E778F7-AB89-B94A-91A0-B5D2BBAD1C07}" type="datetimeFigureOut">
               <a:rPr lang="en-US" smtClean="0"/>
-              <a:t>10/29/19</a:t>
+              <a:t>10/30/19</a:t>
             </a:fld>
             <a:endParaRPr lang="en-US"/>
           </a:p>
@@ -423,7 +1144,7 @@
           <a:p>
             <a:fld id="{66E778F7-AB89-B94A-91A0-B5D2BBAD1C07}" type="datetimeFigureOut">
               <a:rPr lang="en-US" smtClean="0"/>
-              <a:t>10/29/19</a:t>
+              <a:t>10/30/19</a:t>
             </a:fld>
             <a:endParaRPr lang="en-US"/>
           </a:p>
@@ -603,7 +1324,7 @@
           <a:p>
             <a:fld id="{66E778F7-AB89-B94A-91A0-B5D2BBAD1C07}" type="datetimeFigureOut">
               <a:rPr lang="en-US" smtClean="0"/>
-              <a:t>10/29/19</a:t>
+              <a:t>10/30/19</a:t>
             </a:fld>
             <a:endParaRPr lang="en-US"/>
           </a:p>
@@ -773,7 +1494,7 @@
           <a:p>
             <a:fld id="{66E778F7-AB89-B94A-91A0-B5D2BBAD1C07}" type="datetimeFigureOut">
               <a:rPr lang="en-US" smtClean="0"/>
-              <a:t>10/29/19</a:t>
+              <a:t>10/30/19</a:t>
             </a:fld>
             <a:endParaRPr lang="en-US"/>
           </a:p>
@@ -1019,7 +1740,7 @@
           <a:p>
             <a:fld id="{66E778F7-AB89-B94A-91A0-B5D2BBAD1C07}" type="datetimeFigureOut">
               <a:rPr lang="en-US" smtClean="0"/>
-              <a:t>10/29/19</a:t>
+              <a:t>10/30/19</a:t>
             </a:fld>
             <a:endParaRPr lang="en-US"/>
           </a:p>
@@ -1251,7 +1972,7 @@
           <a:p>
             <a:fld id="{66E778F7-AB89-B94A-91A0-B5D2BBAD1C07}" type="datetimeFigureOut">
               <a:rPr lang="en-US" smtClean="0"/>
-              <a:t>10/29/19</a:t>
+              <a:t>10/30/19</a:t>
             </a:fld>
             <a:endParaRPr lang="en-US"/>
           </a:p>
@@ -1618,7 +2339,7 @@
           <a:p>
             <a:fld id="{66E778F7-AB89-B94A-91A0-B5D2BBAD1C07}" type="datetimeFigureOut">
               <a:rPr lang="en-US" smtClean="0"/>
-              <a:t>10/29/19</a:t>
+              <a:t>10/30/19</a:t>
             </a:fld>
             <a:endParaRPr lang="en-US"/>
           </a:p>
@@ -1736,7 +2457,7 @@
           <a:p>
             <a:fld id="{66E778F7-AB89-B94A-91A0-B5D2BBAD1C07}" type="datetimeFigureOut">
               <a:rPr lang="en-US" smtClean="0"/>
-              <a:t>10/29/19</a:t>
+              <a:t>10/30/19</a:t>
             </a:fld>
             <a:endParaRPr lang="en-US"/>
           </a:p>
@@ -1831,7 +2552,7 @@
           <a:p>
             <a:fld id="{66E778F7-AB89-B94A-91A0-B5D2BBAD1C07}" type="datetimeFigureOut">
               <a:rPr lang="en-US" smtClean="0"/>
-              <a:t>10/29/19</a:t>
+              <a:t>10/30/19</a:t>
             </a:fld>
             <a:endParaRPr lang="en-US"/>
           </a:p>
@@ -2108,7 +2829,7 @@
           <a:p>
             <a:fld id="{66E778F7-AB89-B94A-91A0-B5D2BBAD1C07}" type="datetimeFigureOut">
               <a:rPr lang="en-US" smtClean="0"/>
-              <a:t>10/29/19</a:t>
+              <a:t>10/30/19</a:t>
             </a:fld>
             <a:endParaRPr lang="en-US"/>
           </a:p>
@@ -2365,7 +3086,7 @@
           <a:p>
             <a:fld id="{66E778F7-AB89-B94A-91A0-B5D2BBAD1C07}" type="datetimeFigureOut">
               <a:rPr lang="en-US" smtClean="0"/>
-              <a:t>10/29/19</a:t>
+              <a:t>10/30/19</a:t>
             </a:fld>
             <a:endParaRPr lang="en-US"/>
           </a:p>
@@ -2578,7 +3299,7 @@
           <a:p>
             <a:fld id="{66E778F7-AB89-B94A-91A0-B5D2BBAD1C07}" type="datetimeFigureOut">
               <a:rPr lang="en-US" smtClean="0"/>
-              <a:t>10/29/19</a:t>
+              <a:t>10/30/19</a:t>
             </a:fld>
             <a:endParaRPr lang="en-US"/>
           </a:p>
@@ -3052,224 +3773,6 @@
 </p:sld>
 </file>
 
-<file path=ppt/slides/slide10.xml><?xml version="1.0" encoding="utf-8"?>
-<p:sld xmlns:a="http://schemas.openxmlformats.org/drawingml/2006/main" xmlns:r="http://schemas.openxmlformats.org/officeDocument/2006/relationships" xmlns:p="http://schemas.openxmlformats.org/presentationml/2006/main">
-  <p:cSld>
-    <p:spTree>
-      <p:nvGrpSpPr>
-        <p:cNvPr id="1" name=""/>
-        <p:cNvGrpSpPr/>
-        <p:nvPr/>
-      </p:nvGrpSpPr>
-      <p:grpSpPr>
-        <a:xfrm>
-          <a:off x="0" y="0"/>
-          <a:ext cx="0" cy="0"/>
-          <a:chOff x="0" y="0"/>
-          <a:chExt cx="0" cy="0"/>
-        </a:xfrm>
-      </p:grpSpPr>
-      <p:sp>
-        <p:nvSpPr>
-          <p:cNvPr id="3" name="Content Placeholder 2">
-            <a:extLst>
-              <a:ext uri="{FF2B5EF4-FFF2-40B4-BE49-F238E27FC236}">
-                <a16:creationId xmlns:a16="http://schemas.microsoft.com/office/drawing/2014/main" id="{625E8EB1-9EFF-F94E-ACEC-5A50C32B3BC3}"/>
-              </a:ext>
-            </a:extLst>
-          </p:cNvPr>
-          <p:cNvSpPr>
-            <a:spLocks noGrp="1"/>
-          </p:cNvSpPr>
-          <p:nvPr>
-            <p:ph idx="1"/>
-          </p:nvPr>
-        </p:nvSpPr>
-        <p:spPr/>
-        <p:txBody>
-          <a:bodyPr/>
-          <a:lstStyle/>
-          <a:p>
-            <a:endParaRPr lang="en-US"/>
-          </a:p>
-        </p:txBody>
-      </p:sp>
-      <p:sp>
-        <p:nvSpPr>
-          <p:cNvPr id="4" name="Title 1">
-            <a:extLst>
-              <a:ext uri="{FF2B5EF4-FFF2-40B4-BE49-F238E27FC236}">
-                <a16:creationId xmlns:a16="http://schemas.microsoft.com/office/drawing/2014/main" id="{8636B9E8-D57D-184A-9580-938705D1F0BB}"/>
-              </a:ext>
-            </a:extLst>
-          </p:cNvPr>
-          <p:cNvSpPr txBox="1">
-            <a:spLocks/>
-          </p:cNvSpPr>
-          <p:nvPr/>
-        </p:nvSpPr>
-        <p:spPr>
-          <a:xfrm>
-            <a:off x="377480" y="188462"/>
-            <a:ext cx="9894133" cy="729092"/>
-          </a:xfrm>
-          <a:prstGeom prst="rect">
-            <a:avLst/>
-          </a:prstGeom>
-        </p:spPr>
-        <p:txBody>
-          <a:bodyPr vert="horz" lIns="91440" tIns="45720" rIns="91440" bIns="45720" rtlCol="0" anchor="b">
-            <a:normAutofit/>
-          </a:bodyPr>
-          <a:lstStyle>
-            <a:lvl1pPr algn="l" defTabSz="914400" rtl="0" eaLnBrk="1" latinLnBrk="0" hangingPunct="1">
-              <a:lnSpc>
-                <a:spcPct val="90000"/>
-              </a:lnSpc>
-              <a:spcBef>
-                <a:spcPct val="0"/>
-              </a:spcBef>
-              <a:buNone/>
-              <a:defRPr sz="4400" kern="1200">
-                <a:solidFill>
-                  <a:schemeClr val="tx1"/>
-                </a:solidFill>
-                <a:latin typeface="+mj-lt"/>
-                <a:ea typeface="+mj-ea"/>
-                <a:cs typeface="+mj-cs"/>
-              </a:defRPr>
-            </a:lvl1pPr>
-          </a:lstStyle>
-          <a:p>
-            <a:r>
-              <a:rPr lang="en-US" dirty="0"/>
-              <a:t>Software</a:t>
-            </a:r>
-          </a:p>
-        </p:txBody>
-      </p:sp>
-    </p:spTree>
-    <p:extLst>
-      <p:ext uri="{BB962C8B-B14F-4D97-AF65-F5344CB8AC3E}">
-        <p14:creationId xmlns:p14="http://schemas.microsoft.com/office/powerpoint/2010/main" val="3719229732"/>
-      </p:ext>
-    </p:extLst>
-  </p:cSld>
-  <p:clrMapOvr>
-    <a:masterClrMapping/>
-  </p:clrMapOvr>
-</p:sld>
-</file>
-
-<file path=ppt/slides/slide11.xml><?xml version="1.0" encoding="utf-8"?>
-<p:sld xmlns:a="http://schemas.openxmlformats.org/drawingml/2006/main" xmlns:r="http://schemas.openxmlformats.org/officeDocument/2006/relationships" xmlns:p="http://schemas.openxmlformats.org/presentationml/2006/main">
-  <p:cSld>
-    <p:spTree>
-      <p:nvGrpSpPr>
-        <p:cNvPr id="1" name=""/>
-        <p:cNvGrpSpPr/>
-        <p:nvPr/>
-      </p:nvGrpSpPr>
-      <p:grpSpPr>
-        <a:xfrm>
-          <a:off x="0" y="0"/>
-          <a:ext cx="0" cy="0"/>
-          <a:chOff x="0" y="0"/>
-          <a:chExt cx="0" cy="0"/>
-        </a:xfrm>
-      </p:grpSpPr>
-      <p:sp>
-        <p:nvSpPr>
-          <p:cNvPr id="3" name="Content Placeholder 2">
-            <a:extLst>
-              <a:ext uri="{FF2B5EF4-FFF2-40B4-BE49-F238E27FC236}">
-                <a16:creationId xmlns:a16="http://schemas.microsoft.com/office/drawing/2014/main" id="{625E8EB1-9EFF-F94E-ACEC-5A50C32B3BC3}"/>
-              </a:ext>
-            </a:extLst>
-          </p:cNvPr>
-          <p:cNvSpPr>
-            <a:spLocks noGrp="1"/>
-          </p:cNvSpPr>
-          <p:nvPr>
-            <p:ph idx="1"/>
-          </p:nvPr>
-        </p:nvSpPr>
-        <p:spPr/>
-        <p:txBody>
-          <a:bodyPr/>
-          <a:lstStyle/>
-          <a:p>
-            <a:endParaRPr lang="en-US"/>
-          </a:p>
-        </p:txBody>
-      </p:sp>
-      <p:sp>
-        <p:nvSpPr>
-          <p:cNvPr id="4" name="Title 1">
-            <a:extLst>
-              <a:ext uri="{FF2B5EF4-FFF2-40B4-BE49-F238E27FC236}">
-                <a16:creationId xmlns:a16="http://schemas.microsoft.com/office/drawing/2014/main" id="{8636B9E8-D57D-184A-9580-938705D1F0BB}"/>
-              </a:ext>
-            </a:extLst>
-          </p:cNvPr>
-          <p:cNvSpPr txBox="1">
-            <a:spLocks/>
-          </p:cNvSpPr>
-          <p:nvPr/>
-        </p:nvSpPr>
-        <p:spPr>
-          <a:xfrm>
-            <a:off x="377480" y="188462"/>
-            <a:ext cx="9894133" cy="729092"/>
-          </a:xfrm>
-          <a:prstGeom prst="rect">
-            <a:avLst/>
-          </a:prstGeom>
-        </p:spPr>
-        <p:txBody>
-          <a:bodyPr vert="horz" lIns="91440" tIns="45720" rIns="91440" bIns="45720" rtlCol="0" anchor="b">
-            <a:normAutofit/>
-          </a:bodyPr>
-          <a:lstStyle>
-            <a:lvl1pPr algn="l" defTabSz="914400" rtl="0" eaLnBrk="1" latinLnBrk="0" hangingPunct="1">
-              <a:lnSpc>
-                <a:spcPct val="90000"/>
-              </a:lnSpc>
-              <a:spcBef>
-                <a:spcPct val="0"/>
-              </a:spcBef>
-              <a:buNone/>
-              <a:defRPr sz="4400" kern="1200">
-                <a:solidFill>
-                  <a:schemeClr val="tx1"/>
-                </a:solidFill>
-                <a:latin typeface="+mj-lt"/>
-                <a:ea typeface="+mj-ea"/>
-                <a:cs typeface="+mj-cs"/>
-              </a:defRPr>
-            </a:lvl1pPr>
-          </a:lstStyle>
-          <a:p>
-            <a:r>
-              <a:rPr lang="en-US" dirty="0"/>
-              <a:t>Software</a:t>
-            </a:r>
-          </a:p>
-        </p:txBody>
-      </p:sp>
-    </p:spTree>
-    <p:extLst>
-      <p:ext uri="{BB962C8B-B14F-4D97-AF65-F5344CB8AC3E}">
-        <p14:creationId xmlns:p14="http://schemas.microsoft.com/office/powerpoint/2010/main" val="2593626468"/>
-      </p:ext>
-    </p:extLst>
-  </p:cSld>
-  <p:clrMapOvr>
-    <a:masterClrMapping/>
-  </p:clrMapOvr>
-</p:sld>
-</file>
-
 <file path=ppt/slides/slide2.xml><?xml version="1.0" encoding="utf-8"?>
 <p:sld xmlns:a="http://schemas.openxmlformats.org/drawingml/2006/main" xmlns:r="http://schemas.openxmlformats.org/officeDocument/2006/relationships" xmlns:p="http://schemas.openxmlformats.org/presentationml/2006/main">
   <p:cSld>
@@ -3363,7 +3866,7 @@
             </a:pPr>
             <a:r>
               <a:rPr lang="en-US" dirty="0"/>
-              <a:t>Previous Work</a:t>
+              <a:t>Proposed Solution &amp; Pipeline Concept</a:t>
             </a:r>
           </a:p>
           <a:p>
@@ -3373,7 +3876,7 @@
             </a:pPr>
             <a:r>
               <a:rPr lang="en-US" dirty="0"/>
-              <a:t>Data Set &amp; Current Challenges</a:t>
+              <a:t>Previous Work</a:t>
             </a:r>
           </a:p>
           <a:p>
@@ -3383,7 +3886,7 @@
             </a:pPr>
             <a:r>
               <a:rPr lang="en-US" dirty="0"/>
-              <a:t>Pipeline Concept</a:t>
+              <a:t>Data Set &amp; Current Challenges</a:t>
             </a:r>
           </a:p>
           <a:p>
@@ -3489,7 +3992,7 @@
         </p:nvSpPr>
         <p:spPr>
           <a:xfrm>
-            <a:off x="5585098" y="1295361"/>
+            <a:off x="5819015" y="1190381"/>
             <a:ext cx="4686515" cy="1514769"/>
           </a:xfrm>
         </p:spPr>
@@ -3964,7 +4467,7 @@
             </a:pPr>
             <a:r>
               <a:rPr lang="en-US" dirty="0"/>
-              <a:t>Incongruous data gathered leads to small training sets &amp; overfitting</a:t>
+              <a:t>Incongruous data sets leads to small training sets &amp; overfitting</a:t>
             </a:r>
           </a:p>
           <a:p>
@@ -3974,7 +4477,7 @@
             </a:pPr>
             <a:r>
               <a:rPr lang="en-US" dirty="0"/>
-              <a:t>Computational cost onboard necessarily small devices</a:t>
+              <a:t>Onboard computing resources limited</a:t>
             </a:r>
           </a:p>
         </p:txBody>
@@ -4209,11 +4712,41 @@
           <a:p>
             <a:r>
               <a:rPr lang="en-US" dirty="0"/>
-              <a:t>Proposed Solution</a:t>
-            </a:r>
-          </a:p>
-        </p:txBody>
-      </p:sp>
+              <a:t>Proposed &amp; Pipeline Concept</a:t>
+            </a:r>
+          </a:p>
+        </p:txBody>
+      </p:sp>
+      <p:pic>
+        <p:nvPicPr>
+          <p:cNvPr id="5" name="Picture 4">
+            <a:extLst>
+              <a:ext uri="{FF2B5EF4-FFF2-40B4-BE49-F238E27FC236}">
+                <a16:creationId xmlns:a16="http://schemas.microsoft.com/office/drawing/2014/main" id="{32A84602-3BC2-5F47-8F23-C2343E5B73A6}"/>
+              </a:ext>
+            </a:extLst>
+          </p:cNvPr>
+          <p:cNvPicPr>
+            <a:picLocks noChangeAspect="1"/>
+          </p:cNvPicPr>
+          <p:nvPr/>
+        </p:nvPicPr>
+        <p:blipFill>
+          <a:blip r:embed="rId2"/>
+          <a:stretch>
+            <a:fillRect/>
+          </a:stretch>
+        </p:blipFill>
+        <p:spPr>
+          <a:xfrm>
+            <a:off x="862011" y="3988601"/>
+            <a:ext cx="10166684" cy="2571750"/>
+          </a:xfrm>
+          <a:prstGeom prst="rect">
+            <a:avLst/>
+          </a:prstGeom>
+        </p:spPr>
+      </p:pic>
     </p:spTree>
     <p:extLst>
       <p:ext uri="{BB962C8B-B14F-4D97-AF65-F5344CB8AC3E}">
@@ -4540,7 +5073,7 @@
         <p:spPr>
           <a:xfrm>
             <a:off x="180975" y="1044918"/>
-            <a:ext cx="4095667" cy="2384082"/>
+            <a:ext cx="4501196" cy="2384082"/>
           </a:xfrm>
           <a:prstGeom prst="rect">
             <a:avLst/>
@@ -4729,21 +5262,13 @@
           <a:p>
             <a:r>
               <a:rPr lang="en-US" sz="2400" dirty="0"/>
-              <a:t>Each gesture performed 4 times by each subject</a:t>
+              <a:t>Each performed 4x per subject</a:t>
             </a:r>
           </a:p>
           <a:p>
             <a:r>
               <a:rPr lang="en-US" sz="2400" dirty="0"/>
-              <a:t>Captured by 8 </a:t>
-            </a:r>
-            <a:r>
-              <a:rPr lang="en-US" sz="2400" dirty="0" err="1"/>
-              <a:t>sEMG</a:t>
-            </a:r>
-            <a:r>
-              <a:rPr lang="en-US" sz="2400" dirty="0"/>
-              <a:t> sensors</a:t>
+              <a:t>8 sensors capture motion</a:t>
             </a:r>
           </a:p>
         </p:txBody>
@@ -4884,120 +5409,6 @@
           </a:lstStyle>
           <a:p>
             <a:r>
-              <a:rPr lang="en-US" dirty="0"/>
-              <a:t>Pipeline Concept</a:t>
-            </a:r>
-          </a:p>
-        </p:txBody>
-      </p:sp>
-      <p:pic>
-        <p:nvPicPr>
-          <p:cNvPr id="5" name="Picture 4">
-            <a:extLst>
-              <a:ext uri="{FF2B5EF4-FFF2-40B4-BE49-F238E27FC236}">
-                <a16:creationId xmlns:a16="http://schemas.microsoft.com/office/drawing/2014/main" id="{33423421-6B5D-FC4D-AAD1-1A6B13B0244D}"/>
-              </a:ext>
-            </a:extLst>
-          </p:cNvPr>
-          <p:cNvPicPr>
-            <a:picLocks noChangeAspect="1"/>
-          </p:cNvPicPr>
-          <p:nvPr/>
-        </p:nvPicPr>
-        <p:blipFill>
-          <a:blip r:embed="rId2"/>
-          <a:stretch>
-            <a:fillRect/>
-          </a:stretch>
-        </p:blipFill>
-        <p:spPr>
-          <a:xfrm>
-            <a:off x="1012658" y="1726856"/>
-            <a:ext cx="10166684" cy="2571750"/>
-          </a:xfrm>
-          <a:prstGeom prst="rect">
-            <a:avLst/>
-          </a:prstGeom>
-        </p:spPr>
-      </p:pic>
-    </p:spTree>
-    <p:extLst>
-      <p:ext uri="{BB962C8B-B14F-4D97-AF65-F5344CB8AC3E}">
-        <p14:creationId xmlns:p14="http://schemas.microsoft.com/office/powerpoint/2010/main" val="4145401240"/>
-      </p:ext>
-    </p:extLst>
-  </p:cSld>
-  <p:clrMapOvr>
-    <a:masterClrMapping/>
-  </p:clrMapOvr>
-</p:sld>
-</file>
-
-<file path=ppt/slides/slide9.xml><?xml version="1.0" encoding="utf-8"?>
-<p:sld xmlns:a="http://schemas.openxmlformats.org/drawingml/2006/main" xmlns:r="http://schemas.openxmlformats.org/officeDocument/2006/relationships" xmlns:p="http://schemas.openxmlformats.org/presentationml/2006/main">
-  <p:cSld>
-    <p:spTree>
-      <p:nvGrpSpPr>
-        <p:cNvPr id="1" name=""/>
-        <p:cNvGrpSpPr/>
-        <p:nvPr/>
-      </p:nvGrpSpPr>
-      <p:grpSpPr>
-        <a:xfrm>
-          <a:off x="0" y="0"/>
-          <a:ext cx="0" cy="0"/>
-          <a:chOff x="0" y="0"/>
-          <a:chExt cx="0" cy="0"/>
-        </a:xfrm>
-      </p:grpSpPr>
-      <p:sp>
-        <p:nvSpPr>
-          <p:cNvPr id="4" name="Title 1">
-            <a:extLst>
-              <a:ext uri="{FF2B5EF4-FFF2-40B4-BE49-F238E27FC236}">
-                <a16:creationId xmlns:a16="http://schemas.microsoft.com/office/drawing/2014/main" id="{8636B9E8-D57D-184A-9580-938705D1F0BB}"/>
-              </a:ext>
-            </a:extLst>
-          </p:cNvPr>
-          <p:cNvSpPr txBox="1">
-            <a:spLocks/>
-          </p:cNvSpPr>
-          <p:nvPr/>
-        </p:nvSpPr>
-        <p:spPr>
-          <a:xfrm>
-            <a:off x="377480" y="188462"/>
-            <a:ext cx="9894133" cy="729092"/>
-          </a:xfrm>
-          <a:prstGeom prst="rect">
-            <a:avLst/>
-          </a:prstGeom>
-        </p:spPr>
-        <p:txBody>
-          <a:bodyPr vert="horz" lIns="91440" tIns="45720" rIns="91440" bIns="45720" rtlCol="0" anchor="b">
-            <a:normAutofit/>
-          </a:bodyPr>
-          <a:lstStyle>
-            <a:lvl1pPr algn="l" defTabSz="914400" rtl="0" eaLnBrk="1" latinLnBrk="0" hangingPunct="1">
-              <a:lnSpc>
-                <a:spcPct val="90000"/>
-              </a:lnSpc>
-              <a:spcBef>
-                <a:spcPct val="0"/>
-              </a:spcBef>
-              <a:buNone/>
-              <a:defRPr sz="4400" kern="1200">
-                <a:solidFill>
-                  <a:schemeClr val="tx1"/>
-                </a:solidFill>
-                <a:latin typeface="+mj-lt"/>
-                <a:ea typeface="+mj-ea"/>
-                <a:cs typeface="+mj-cs"/>
-              </a:defRPr>
-            </a:lvl1pPr>
-          </a:lstStyle>
-          <a:p>
-            <a:r>
               <a:rPr lang="en-US"/>
               <a:t>Current Challenges</a:t>
             </a:r>
@@ -5079,6 +5490,431 @@
     <p:extLst>
       <p:ext uri="{BB962C8B-B14F-4D97-AF65-F5344CB8AC3E}">
         <p14:creationId xmlns:p14="http://schemas.microsoft.com/office/powerpoint/2010/main" val="2912889178"/>
+      </p:ext>
+    </p:extLst>
+  </p:cSld>
+  <p:clrMapOvr>
+    <a:masterClrMapping/>
+  </p:clrMapOvr>
+</p:sld>
+</file>
+
+<file path=ppt/slides/slide9.xml><?xml version="1.0" encoding="utf-8"?>
+<p:sld xmlns:a="http://schemas.openxmlformats.org/drawingml/2006/main" xmlns:r="http://schemas.openxmlformats.org/officeDocument/2006/relationships" xmlns:p="http://schemas.openxmlformats.org/presentationml/2006/main">
+  <p:cSld>
+    <p:bg>
+      <p:bgPr>
+        <a:solidFill>
+          <a:schemeClr val="bg1"/>
+        </a:solidFill>
+        <a:effectLst/>
+      </p:bgPr>
+    </p:bg>
+    <p:spTree>
+      <p:nvGrpSpPr>
+        <p:cNvPr id="1" name=""/>
+        <p:cNvGrpSpPr/>
+        <p:nvPr/>
+      </p:nvGrpSpPr>
+      <p:grpSpPr>
+        <a:xfrm>
+          <a:off x="0" y="0"/>
+          <a:ext cx="0" cy="0"/>
+          <a:chOff x="0" y="0"/>
+          <a:chExt cx="0" cy="0"/>
+        </a:xfrm>
+      </p:grpSpPr>
+      <p:sp>
+        <p:nvSpPr>
+          <p:cNvPr id="20" name="Rectangle 19">
+            <a:extLst>
+              <a:ext uri="{FF2B5EF4-FFF2-40B4-BE49-F238E27FC236}">
+                <a16:creationId xmlns:a16="http://schemas.microsoft.com/office/drawing/2014/main" id="{928F64C6-FE22-4FC1-A763-DFCC514811BD}"/>
+              </a:ext>
+              <a:ext uri="{C183D7F6-B498-43B3-948B-1728B52AA6E4}">
+                <adec:decorative xmlns:adec="http://schemas.microsoft.com/office/drawing/2017/decorative" val="1"/>
+              </a:ext>
+            </a:extLst>
+          </p:cNvPr>
+          <p:cNvSpPr>
+            <a:spLocks noGrp="1" noRot="1" noChangeAspect="1" noMove="1" noResize="1" noEditPoints="1" noAdjustHandles="1" noChangeArrowheads="1" noChangeShapeType="1" noTextEdit="1"/>
+          </p:cNvSpPr>
+          <p:nvPr>
+            <p:extLst>
+              <p:ext uri="{386F3935-93C4-4BCD-93E2-E3B085C9AB24}">
+                <p16:designElem xmlns:p16="http://schemas.microsoft.com/office/powerpoint/2015/main" val="1"/>
+              </p:ext>
+            </p:extLst>
+          </p:nvPr>
+        </p:nvSpPr>
+        <p:spPr bwMode="ltGray">
+          <a:xfrm>
+            <a:off x="4261224" y="4577975"/>
+            <a:ext cx="7539349" cy="1899827"/>
+          </a:xfrm>
+          <a:prstGeom prst="rect">
+            <a:avLst/>
+          </a:prstGeom>
+          <a:solidFill>
+            <a:srgbClr val="404040"/>
+          </a:solidFill>
+          <a:ln w="127000" cap="sq" cmpd="thinThick">
+            <a:solidFill>
+              <a:srgbClr val="404040"/>
+            </a:solidFill>
+          </a:ln>
+        </p:spPr>
+        <p:style>
+          <a:lnRef idx="2">
+            <a:schemeClr val="accent1">
+              <a:shade val="50000"/>
+            </a:schemeClr>
+          </a:lnRef>
+          <a:fillRef idx="1">
+            <a:schemeClr val="accent1"/>
+          </a:fillRef>
+          <a:effectRef idx="0">
+            <a:schemeClr val="accent1"/>
+          </a:effectRef>
+          <a:fontRef idx="minor">
+            <a:schemeClr val="lt1"/>
+          </a:fontRef>
+        </p:style>
+        <p:txBody>
+          <a:bodyPr rtlCol="0" anchor="ctr"/>
+          <a:lstStyle/>
+          <a:p>
+            <a:pPr marL="0" marR="0" lvl="0" indent="0" algn="ctr" defTabSz="914400" rtl="0" eaLnBrk="1" fontAlgn="auto" latinLnBrk="0" hangingPunct="1">
+              <a:lnSpc>
+                <a:spcPct val="100000"/>
+              </a:lnSpc>
+              <a:spcBef>
+                <a:spcPts val="0"/>
+              </a:spcBef>
+              <a:spcAft>
+                <a:spcPts val="0"/>
+              </a:spcAft>
+              <a:buClrTx/>
+              <a:buSzTx/>
+              <a:buFontTx/>
+              <a:buNone/>
+              <a:tabLst/>
+              <a:defRPr/>
+            </a:pPr>
+            <a:endParaRPr kumimoji="0" lang="en-US" sz="1800" b="0" i="0" u="none" strike="noStrike" kern="1200" cap="none" spc="0" normalizeH="0" baseline="0" noProof="0" dirty="0">
+              <a:ln>
+                <a:noFill/>
+              </a:ln>
+              <a:solidFill>
+                <a:prstClr val="white"/>
+              </a:solidFill>
+              <a:effectLst/>
+              <a:uLnTx/>
+              <a:uFillTx/>
+              <a:latin typeface="Calibri" panose="020F0502020204030204"/>
+              <a:ea typeface="+mn-ea"/>
+              <a:cs typeface="+mn-cs"/>
+            </a:endParaRPr>
+          </a:p>
+        </p:txBody>
+      </p:sp>
+      <p:sp>
+        <p:nvSpPr>
+          <p:cNvPr id="4" name="Title 1">
+            <a:extLst>
+              <a:ext uri="{FF2B5EF4-FFF2-40B4-BE49-F238E27FC236}">
+                <a16:creationId xmlns:a16="http://schemas.microsoft.com/office/drawing/2014/main" id="{8636B9E8-D57D-184A-9580-938705D1F0BB}"/>
+              </a:ext>
+            </a:extLst>
+          </p:cNvPr>
+          <p:cNvSpPr txBox="1">
+            <a:spLocks/>
+          </p:cNvSpPr>
+          <p:nvPr/>
+        </p:nvSpPr>
+        <p:spPr>
+          <a:xfrm>
+            <a:off x="4603468" y="4741948"/>
+            <a:ext cx="6829520" cy="862031"/>
+          </a:xfrm>
+          <a:prstGeom prst="rect">
+            <a:avLst/>
+          </a:prstGeom>
+        </p:spPr>
+        <p:txBody>
+          <a:bodyPr vert="horz" lIns="91440" tIns="45720" rIns="91440" bIns="45720" rtlCol="0" anchor="b">
+            <a:normAutofit/>
+          </a:bodyPr>
+          <a:lstStyle>
+            <a:lvl1pPr algn="l" defTabSz="914400" rtl="0" eaLnBrk="1" latinLnBrk="0" hangingPunct="1">
+              <a:lnSpc>
+                <a:spcPct val="90000"/>
+              </a:lnSpc>
+              <a:spcBef>
+                <a:spcPct val="0"/>
+              </a:spcBef>
+              <a:buNone/>
+              <a:defRPr sz="4400" kern="1200">
+                <a:solidFill>
+                  <a:schemeClr val="tx1"/>
+                </a:solidFill>
+                <a:latin typeface="+mj-lt"/>
+                <a:ea typeface="+mj-ea"/>
+                <a:cs typeface="+mj-cs"/>
+              </a:defRPr>
+            </a:lvl1pPr>
+          </a:lstStyle>
+          <a:p>
+            <a:pPr>
+              <a:spcAft>
+                <a:spcPts val="600"/>
+              </a:spcAft>
+            </a:pPr>
+            <a:r>
+              <a:rPr lang="en-US" sz="4000" kern="1200">
+                <a:solidFill>
+                  <a:srgbClr val="FFFFFF"/>
+                </a:solidFill>
+                <a:latin typeface="+mj-lt"/>
+                <a:ea typeface="+mj-ea"/>
+                <a:cs typeface="+mj-cs"/>
+              </a:rPr>
+              <a:t>Software</a:t>
+            </a:r>
+          </a:p>
+        </p:txBody>
+      </p:sp>
+      <p:pic>
+        <p:nvPicPr>
+          <p:cNvPr id="11" name="Picture 10">
+            <a:extLst>
+              <a:ext uri="{FF2B5EF4-FFF2-40B4-BE49-F238E27FC236}">
+                <a16:creationId xmlns:a16="http://schemas.microsoft.com/office/drawing/2014/main" id="{3CC5D853-BCE9-2C45-BE23-B844C4728E90}"/>
+              </a:ext>
+            </a:extLst>
+          </p:cNvPr>
+          <p:cNvPicPr>
+            <a:picLocks noChangeAspect="1"/>
+          </p:cNvPicPr>
+          <p:nvPr/>
+        </p:nvPicPr>
+        <p:blipFill rotWithShape="1">
+          <a:blip r:embed="rId3"/>
+          <a:srcRect t="28128" r="1" b="18929"/>
+          <a:stretch/>
+        </p:blipFill>
+        <p:spPr>
+          <a:xfrm>
+            <a:off x="317636" y="321734"/>
+            <a:ext cx="3797570" cy="2010551"/>
+          </a:xfrm>
+          <a:prstGeom prst="rect">
+            <a:avLst/>
+          </a:prstGeom>
+        </p:spPr>
+      </p:pic>
+      <p:pic>
+        <p:nvPicPr>
+          <p:cNvPr id="7" name="Picture 6">
+            <a:extLst>
+              <a:ext uri="{FF2B5EF4-FFF2-40B4-BE49-F238E27FC236}">
+                <a16:creationId xmlns:a16="http://schemas.microsoft.com/office/drawing/2014/main" id="{88324346-D097-0445-9A64-1A03F5A50B9A}"/>
+              </a:ext>
+            </a:extLst>
+          </p:cNvPr>
+          <p:cNvPicPr>
+            <a:picLocks noChangeAspect="1"/>
+          </p:cNvPicPr>
+          <p:nvPr/>
+        </p:nvPicPr>
+        <p:blipFill rotWithShape="1">
+          <a:blip r:embed="rId4"/>
+          <a:srcRect t="22988" b="24074"/>
+          <a:stretch/>
+        </p:blipFill>
+        <p:spPr>
+          <a:xfrm>
+            <a:off x="8086176" y="321733"/>
+            <a:ext cx="3797984" cy="2010552"/>
+          </a:xfrm>
+          <a:prstGeom prst="rect">
+            <a:avLst/>
+          </a:prstGeom>
+        </p:spPr>
+      </p:pic>
+      <p:pic>
+        <p:nvPicPr>
+          <p:cNvPr id="15" name="Picture 14">
+            <a:extLst>
+              <a:ext uri="{FF2B5EF4-FFF2-40B4-BE49-F238E27FC236}">
+                <a16:creationId xmlns:a16="http://schemas.microsoft.com/office/drawing/2014/main" id="{21BEDAE0-C9A9-6C4A-8F30-AC7B4F8A66C9}"/>
+              </a:ext>
+            </a:extLst>
+          </p:cNvPr>
+          <p:cNvPicPr>
+            <a:picLocks noChangeAspect="1"/>
+          </p:cNvPicPr>
+          <p:nvPr/>
+        </p:nvPicPr>
+        <p:blipFill rotWithShape="1">
+          <a:blip r:embed="rId5"/>
+          <a:srcRect t="22871" r="1" b="24062"/>
+          <a:stretch/>
+        </p:blipFill>
+        <p:spPr>
+          <a:xfrm>
+            <a:off x="317634" y="2422097"/>
+            <a:ext cx="3794760" cy="2013804"/>
+          </a:xfrm>
+          <a:prstGeom prst="rect">
+            <a:avLst/>
+          </a:prstGeom>
+        </p:spPr>
+      </p:pic>
+      <p:pic>
+        <p:nvPicPr>
+          <p:cNvPr id="13" name="Picture 12">
+            <a:extLst>
+              <a:ext uri="{FF2B5EF4-FFF2-40B4-BE49-F238E27FC236}">
+                <a16:creationId xmlns:a16="http://schemas.microsoft.com/office/drawing/2014/main" id="{B8885444-1BEE-6943-A0C2-8D1FF87D9712}"/>
+              </a:ext>
+            </a:extLst>
+          </p:cNvPr>
+          <p:cNvPicPr>
+            <a:picLocks noChangeAspect="1"/>
+          </p:cNvPicPr>
+          <p:nvPr/>
+        </p:nvPicPr>
+        <p:blipFill rotWithShape="1">
+          <a:blip r:embed="rId6"/>
+          <a:srcRect t="40579" b="6737"/>
+          <a:stretch/>
+        </p:blipFill>
+        <p:spPr>
+          <a:xfrm>
+            <a:off x="8082952" y="2431705"/>
+            <a:ext cx="3797983" cy="2000947"/>
+          </a:xfrm>
+          <a:prstGeom prst="rect">
+            <a:avLst/>
+          </a:prstGeom>
+        </p:spPr>
+      </p:pic>
+      <p:cxnSp>
+        <p:nvCxnSpPr>
+          <p:cNvPr id="22" name="Straight Connector 21">
+            <a:extLst>
+              <a:ext uri="{FF2B5EF4-FFF2-40B4-BE49-F238E27FC236}">
+                <a16:creationId xmlns:a16="http://schemas.microsoft.com/office/drawing/2014/main" id="{5C34627B-48E6-4F4D-B843-97717A86B490}"/>
+              </a:ext>
+              <a:ext uri="{C183D7F6-B498-43B3-948B-1728B52AA6E4}">
+                <adec:decorative xmlns:adec="http://schemas.microsoft.com/office/drawing/2017/decorative" val="1"/>
+              </a:ext>
+            </a:extLst>
+          </p:cNvPr>
+          <p:cNvCxnSpPr>
+            <a:cxnSpLocks noGrp="1" noRot="1" noChangeAspect="1" noMove="1" noResize="1" noEditPoints="1" noAdjustHandles="1" noChangeArrowheads="1" noChangeShapeType="1"/>
+          </p:cNvCxnSpPr>
+          <p:nvPr>
+            <p:extLst>
+              <p:ext uri="{386F3935-93C4-4BCD-93E2-E3B085C9AB24}">
+                <p16:designElem xmlns:p16="http://schemas.microsoft.com/office/powerpoint/2015/main" val="1"/>
+              </p:ext>
+            </p:extLst>
+          </p:nvPr>
+        </p:nvCxnSpPr>
+        <p:spPr>
+          <a:xfrm>
+            <a:off x="4719934" y="5694097"/>
+            <a:ext cx="5486400" cy="0"/>
+          </a:xfrm>
+          <a:prstGeom prst="line">
+            <a:avLst/>
+          </a:prstGeom>
+          <a:ln w="15875">
+            <a:solidFill>
+              <a:srgbClr val="D9D9D9"/>
+            </a:solidFill>
+          </a:ln>
+        </p:spPr>
+        <p:style>
+          <a:lnRef idx="1">
+            <a:schemeClr val="accent1"/>
+          </a:lnRef>
+          <a:fillRef idx="0">
+            <a:schemeClr val="accent1"/>
+          </a:fillRef>
+          <a:effectRef idx="0">
+            <a:schemeClr val="accent1"/>
+          </a:effectRef>
+          <a:fontRef idx="minor">
+            <a:schemeClr val="tx1"/>
+          </a:fontRef>
+        </p:style>
+      </p:cxnSp>
+      <p:pic>
+        <p:nvPicPr>
+          <p:cNvPr id="9" name="Picture 8">
+            <a:extLst>
+              <a:ext uri="{FF2B5EF4-FFF2-40B4-BE49-F238E27FC236}">
+                <a16:creationId xmlns:a16="http://schemas.microsoft.com/office/drawing/2014/main" id="{E048DAEE-0D08-A842-A7F0-5F7328D95761}"/>
+              </a:ext>
+            </a:extLst>
+          </p:cNvPr>
+          <p:cNvPicPr>
+            <a:picLocks noChangeAspect="1"/>
+          </p:cNvPicPr>
+          <p:nvPr/>
+        </p:nvPicPr>
+        <p:blipFill rotWithShape="1">
+          <a:blip r:embed="rId7"/>
+          <a:srcRect l="3413" t="21582" r="7694" b="29514"/>
+          <a:stretch/>
+        </p:blipFill>
+        <p:spPr>
+          <a:xfrm>
+            <a:off x="-72231" y="4525713"/>
+            <a:ext cx="3794760" cy="2010551"/>
+          </a:xfrm>
+          <a:prstGeom prst="rect">
+            <a:avLst/>
+          </a:prstGeom>
+        </p:spPr>
+      </p:pic>
+      <p:pic>
+        <p:nvPicPr>
+          <p:cNvPr id="17" name="Picture 16">
+            <a:extLst>
+              <a:ext uri="{FF2B5EF4-FFF2-40B4-BE49-F238E27FC236}">
+                <a16:creationId xmlns:a16="http://schemas.microsoft.com/office/drawing/2014/main" id="{FD46C5BF-C0F9-EB4E-80CB-BAD0D238FEAE}"/>
+              </a:ext>
+            </a:extLst>
+          </p:cNvPr>
+          <p:cNvPicPr>
+            <a:picLocks noChangeAspect="1"/>
+          </p:cNvPicPr>
+          <p:nvPr/>
+        </p:nvPicPr>
+        <p:blipFill>
+          <a:blip r:embed="rId8"/>
+          <a:stretch>
+            <a:fillRect/>
+          </a:stretch>
+        </p:blipFill>
+        <p:spPr>
+          <a:xfrm>
+            <a:off x="3438522" y="-291725"/>
+            <a:ext cx="5143499" cy="5143499"/>
+          </a:xfrm>
+          <a:prstGeom prst="rect">
+            <a:avLst/>
+          </a:prstGeom>
+        </p:spPr>
+      </p:pic>
+    </p:spTree>
+    <p:extLst>
+      <p:ext uri="{BB962C8B-B14F-4D97-AF65-F5344CB8AC3E}">
+        <p14:creationId xmlns:p14="http://schemas.microsoft.com/office/powerpoint/2010/main" val="3719229732"/>
       </p:ext>
     </p:extLst>
   </p:cSld>
@@ -5347,4 +6183,299 @@
     </a:ext>
   </a:extLst>
 </a:theme>
+</file>
+
+<file path=ppt/theme/theme2.xml><?xml version="1.0" encoding="utf-8"?>
+<a:theme xmlns:a="http://schemas.openxmlformats.org/drawingml/2006/main" name="Office Theme">
+  <a:themeElements>
+    <a:clrScheme name="Office">
+      <a:dk1>
+        <a:sysClr val="windowText" lastClr="000000"/>
+      </a:dk1>
+      <a:lt1>
+        <a:sysClr val="window" lastClr="FFFFFF"/>
+      </a:lt1>
+      <a:dk2>
+        <a:srgbClr val="44546A"/>
+      </a:dk2>
+      <a:lt2>
+        <a:srgbClr val="E7E6E6"/>
+      </a:lt2>
+      <a:accent1>
+        <a:srgbClr val="4472C4"/>
+      </a:accent1>
+      <a:accent2>
+        <a:srgbClr val="ED7D31"/>
+      </a:accent2>
+      <a:accent3>
+        <a:srgbClr val="A5A5A5"/>
+      </a:accent3>
+      <a:accent4>
+        <a:srgbClr val="FFC000"/>
+      </a:accent4>
+      <a:accent5>
+        <a:srgbClr val="5B9BD5"/>
+      </a:accent5>
+      <a:accent6>
+        <a:srgbClr val="70AD47"/>
+      </a:accent6>
+      <a:hlink>
+        <a:srgbClr val="0563C1"/>
+      </a:hlink>
+      <a:folHlink>
+        <a:srgbClr val="954F72"/>
+      </a:folHlink>
+    </a:clrScheme>
+    <a:fontScheme name="Office">
+      <a:majorFont>
+        <a:latin typeface="Calibri Light" panose="020F0302020204030204"/>
+        <a:ea typeface=""/>
+        <a:cs typeface=""/>
+        <a:font script="Jpan" typeface="游ゴシック Light"/>
+        <a:font script="Hang" typeface="맑은 고딕"/>
+        <a:font script="Hans" typeface="等线 Light"/>
+        <a:font script="Hant" typeface="新細明體"/>
+        <a:font script="Arab" typeface="Times New Roman"/>
+        <a:font script="Hebr" typeface="Times New Roman"/>
+        <a:font script="Thai" typeface="Angsana New"/>
+        <a:font script="Ethi" typeface="Nyala"/>
+        <a:font script="Beng" typeface="Vrinda"/>
+        <a:font script="Gujr" typeface="Shruti"/>
+        <a:font script="Khmr" typeface="MoolBoran"/>
+        <a:font script="Knda" typeface="Tunga"/>
+        <a:font script="Guru" typeface="Raavi"/>
+        <a:font script="Cans" typeface="Euphemia"/>
+        <a:font script="Cher" typeface="Plantagenet Cherokee"/>
+        <a:font script="Yiii" typeface="Microsoft Yi Baiti"/>
+        <a:font script="Tibt" typeface="Microsoft Himalaya"/>
+        <a:font script="Thaa" typeface="MV Boli"/>
+        <a:font script="Deva" typeface="Mangal"/>
+        <a:font script="Telu" typeface="Gautami"/>
+        <a:font script="Taml" typeface="Latha"/>
+        <a:font script="Syrc" typeface="Estrangelo Edessa"/>
+        <a:font script="Orya" typeface="Kalinga"/>
+        <a:font script="Mlym" typeface="Kartika"/>
+        <a:font script="Laoo" typeface="DokChampa"/>
+        <a:font script="Sinh" typeface="Iskoola Pota"/>
+        <a:font script="Mong" typeface="Mongolian Baiti"/>
+        <a:font script="Viet" typeface="Times New Roman"/>
+        <a:font script="Uigh" typeface="Microsoft Uighur"/>
+        <a:font script="Geor" typeface="Sylfaen"/>
+        <a:font script="Armn" typeface="Arial"/>
+        <a:font script="Bugi" typeface="Leelawadee UI"/>
+        <a:font script="Bopo" typeface="Microsoft JhengHei"/>
+        <a:font script="Java" typeface="Javanese Text"/>
+        <a:font script="Lisu" typeface="Segoe UI"/>
+        <a:font script="Mymr" typeface="Myanmar Text"/>
+        <a:font script="Nkoo" typeface="Ebrima"/>
+        <a:font script="Olck" typeface="Nirmala UI"/>
+        <a:font script="Osma" typeface="Ebrima"/>
+        <a:font script="Phag" typeface="Phagspa"/>
+        <a:font script="Syrn" typeface="Estrangelo Edessa"/>
+        <a:font script="Syrj" typeface="Estrangelo Edessa"/>
+        <a:font script="Syre" typeface="Estrangelo Edessa"/>
+        <a:font script="Sora" typeface="Nirmala UI"/>
+        <a:font script="Tale" typeface="Microsoft Tai Le"/>
+        <a:font script="Talu" typeface="Microsoft New Tai Lue"/>
+        <a:font script="Tfng" typeface="Ebrima"/>
+      </a:majorFont>
+      <a:minorFont>
+        <a:latin typeface="Calibri" panose="020F0502020204030204"/>
+        <a:ea typeface=""/>
+        <a:cs typeface=""/>
+        <a:font script="Jpan" typeface="游ゴシック"/>
+        <a:font script="Hang" typeface="맑은 고딕"/>
+        <a:font script="Hans" typeface="等线"/>
+        <a:font script="Hant" typeface="新細明體"/>
+        <a:font script="Arab" typeface="Arial"/>
+        <a:font script="Hebr" typeface="Arial"/>
+        <a:font script="Thai" typeface="Cordia New"/>
+        <a:font script="Ethi" typeface="Nyala"/>
+        <a:font script="Beng" typeface="Vrinda"/>
+        <a:font script="Gujr" typeface="Shruti"/>
+        <a:font script="Khmr" typeface="DaunPenh"/>
+        <a:font script="Knda" typeface="Tunga"/>
+        <a:font script="Guru" typeface="Raavi"/>
+        <a:font script="Cans" typeface="Euphemia"/>
+        <a:font script="Cher" typeface="Plantagenet Cherokee"/>
+        <a:font script="Yiii" typeface="Microsoft Yi Baiti"/>
+        <a:font script="Tibt" typeface="Microsoft Himalaya"/>
+        <a:font script="Thaa" typeface="MV Boli"/>
+        <a:font script="Deva" typeface="Mangal"/>
+        <a:font script="Telu" typeface="Gautami"/>
+        <a:font script="Taml" typeface="Latha"/>
+        <a:font script="Syrc" typeface="Estrangelo Edessa"/>
+        <a:font script="Orya" typeface="Kalinga"/>
+        <a:font script="Mlym" typeface="Kartika"/>
+        <a:font script="Laoo" typeface="DokChampa"/>
+        <a:font script="Sinh" typeface="Iskoola Pota"/>
+        <a:font script="Mong" typeface="Mongolian Baiti"/>
+        <a:font script="Viet" typeface="Arial"/>
+        <a:font script="Uigh" typeface="Microsoft Uighur"/>
+        <a:font script="Geor" typeface="Sylfaen"/>
+        <a:font script="Armn" typeface="Arial"/>
+        <a:font script="Bugi" typeface="Leelawadee UI"/>
+        <a:font script="Bopo" typeface="Microsoft JhengHei"/>
+        <a:font script="Java" typeface="Javanese Text"/>
+        <a:font script="Lisu" typeface="Segoe UI"/>
+        <a:font script="Mymr" typeface="Myanmar Text"/>
+        <a:font script="Nkoo" typeface="Ebrima"/>
+        <a:font script="Olck" typeface="Nirmala UI"/>
+        <a:font script="Osma" typeface="Ebrima"/>
+        <a:font script="Phag" typeface="Phagspa"/>
+        <a:font script="Syrn" typeface="Estrangelo Edessa"/>
+        <a:font script="Syrj" typeface="Estrangelo Edessa"/>
+        <a:font script="Syre" typeface="Estrangelo Edessa"/>
+        <a:font script="Sora" typeface="Nirmala UI"/>
+        <a:font script="Tale" typeface="Microsoft Tai Le"/>
+        <a:font script="Talu" typeface="Microsoft New Tai Lue"/>
+        <a:font script="Tfng" typeface="Ebrima"/>
+      </a:minorFont>
+    </a:fontScheme>
+    <a:fmtScheme name="Office">
+      <a:fillStyleLst>
+        <a:solidFill>
+          <a:schemeClr val="phClr"/>
+        </a:solidFill>
+        <a:gradFill rotWithShape="1">
+          <a:gsLst>
+            <a:gs pos="0">
+              <a:schemeClr val="phClr">
+                <a:lumMod val="110000"/>
+                <a:satMod val="105000"/>
+                <a:tint val="67000"/>
+              </a:schemeClr>
+            </a:gs>
+            <a:gs pos="50000">
+              <a:schemeClr val="phClr">
+                <a:lumMod val="105000"/>
+                <a:satMod val="103000"/>
+                <a:tint val="73000"/>
+              </a:schemeClr>
+            </a:gs>
+            <a:gs pos="100000">
+              <a:schemeClr val="phClr">
+                <a:lumMod val="105000"/>
+                <a:satMod val="109000"/>
+                <a:tint val="81000"/>
+              </a:schemeClr>
+            </a:gs>
+          </a:gsLst>
+          <a:lin ang="5400000" scaled="0"/>
+        </a:gradFill>
+        <a:gradFill rotWithShape="1">
+          <a:gsLst>
+            <a:gs pos="0">
+              <a:schemeClr val="phClr">
+                <a:satMod val="103000"/>
+                <a:lumMod val="102000"/>
+                <a:tint val="94000"/>
+              </a:schemeClr>
+            </a:gs>
+            <a:gs pos="50000">
+              <a:schemeClr val="phClr">
+                <a:satMod val="110000"/>
+                <a:lumMod val="100000"/>
+                <a:shade val="100000"/>
+              </a:schemeClr>
+            </a:gs>
+            <a:gs pos="100000">
+              <a:schemeClr val="phClr">
+                <a:lumMod val="99000"/>
+                <a:satMod val="120000"/>
+                <a:shade val="78000"/>
+              </a:schemeClr>
+            </a:gs>
+          </a:gsLst>
+          <a:lin ang="5400000" scaled="0"/>
+        </a:gradFill>
+      </a:fillStyleLst>
+      <a:lnStyleLst>
+        <a:ln w="6350" cap="flat" cmpd="sng" algn="ctr">
+          <a:solidFill>
+            <a:schemeClr val="phClr"/>
+          </a:solidFill>
+          <a:prstDash val="solid"/>
+          <a:miter lim="800000"/>
+        </a:ln>
+        <a:ln w="12700" cap="flat" cmpd="sng" algn="ctr">
+          <a:solidFill>
+            <a:schemeClr val="phClr"/>
+          </a:solidFill>
+          <a:prstDash val="solid"/>
+          <a:miter lim="800000"/>
+        </a:ln>
+        <a:ln w="19050" cap="flat" cmpd="sng" algn="ctr">
+          <a:solidFill>
+            <a:schemeClr val="phClr"/>
+          </a:solidFill>
+          <a:prstDash val="solid"/>
+          <a:miter lim="800000"/>
+        </a:ln>
+      </a:lnStyleLst>
+      <a:effectStyleLst>
+        <a:effectStyle>
+          <a:effectLst/>
+        </a:effectStyle>
+        <a:effectStyle>
+          <a:effectLst/>
+        </a:effectStyle>
+        <a:effectStyle>
+          <a:effectLst>
+            <a:outerShdw blurRad="57150" dist="19050" dir="5400000" algn="ctr" rotWithShape="0">
+              <a:srgbClr val="000000">
+                <a:alpha val="63000"/>
+              </a:srgbClr>
+            </a:outerShdw>
+          </a:effectLst>
+        </a:effectStyle>
+      </a:effectStyleLst>
+      <a:bgFillStyleLst>
+        <a:solidFill>
+          <a:schemeClr val="phClr"/>
+        </a:solidFill>
+        <a:solidFill>
+          <a:schemeClr val="phClr">
+            <a:tint val="95000"/>
+            <a:satMod val="170000"/>
+          </a:schemeClr>
+        </a:solidFill>
+        <a:gradFill rotWithShape="1">
+          <a:gsLst>
+            <a:gs pos="0">
+              <a:schemeClr val="phClr">
+                <a:tint val="93000"/>
+                <a:satMod val="150000"/>
+                <a:shade val="98000"/>
+                <a:lumMod val="102000"/>
+              </a:schemeClr>
+            </a:gs>
+            <a:gs pos="50000">
+              <a:schemeClr val="phClr">
+                <a:tint val="98000"/>
+                <a:satMod val="130000"/>
+                <a:shade val="90000"/>
+                <a:lumMod val="103000"/>
+              </a:schemeClr>
+            </a:gs>
+            <a:gs pos="100000">
+              <a:schemeClr val="phClr">
+                <a:shade val="63000"/>
+                <a:satMod val="120000"/>
+              </a:schemeClr>
+            </a:gs>
+          </a:gsLst>
+          <a:lin ang="5400000" scaled="0"/>
+        </a:gradFill>
+      </a:bgFillStyleLst>
+    </a:fmtScheme>
+  </a:themeElements>
+  <a:objectDefaults/>
+  <a:extraClrSchemeLst/>
+  <a:extLst>
+    <a:ext uri="{05A4C25C-085E-4340-85A3-A5531E510DB2}">
+      <thm15:themeFamily xmlns:thm15="http://schemas.microsoft.com/office/thememl/2012/main" name="Office Theme" id="{62F939B6-93AF-4DB8-9C6B-D6C7DFDC589F}" vid="{4A3C46E8-61CC-4603-A589-7422A47A8E4A}"/>
+    </a:ext>
+  </a:extLst>
+</a:theme>
 </file>